--- a/DigitalPalette/Digital Palette.pptx
+++ b/DigitalPalette/Digital Palette.pptx
@@ -107,6 +107,11 @@
       </a:defRPr>
     </a:lvl9pPr>
   </p:defaultTextStyle>
+  <p:extLst>
+    <p:ext uri="{EFAFB233-063F-42B5-8137-9DF3F51BA10A}">
+      <p15:sldGuideLst xmlns:p15="http://schemas.microsoft.com/office/powerpoint/2012/main"/>
+    </p:ext>
+  </p:extLst>
 </p:presentation>
 </file>
 
@@ -257,7 +262,7 @@
           <a:p>
             <a:fld id="{EA0C2C95-BC5F-47BC-B9B6-E407C2A98A02}" type="datetimeFigureOut">
               <a:rPr lang="ko-KR" altLang="en-US" smtClean="0"/>
-              <a:t>2021-07-14</a:t>
+              <a:t>2021-07-19</a:t>
             </a:fld>
             <a:endParaRPr lang="ko-KR" altLang="en-US"/>
           </a:p>
@@ -455,7 +460,7 @@
           <a:p>
             <a:fld id="{EA0C2C95-BC5F-47BC-B9B6-E407C2A98A02}" type="datetimeFigureOut">
               <a:rPr lang="ko-KR" altLang="en-US" smtClean="0"/>
-              <a:t>2021-07-14</a:t>
+              <a:t>2021-07-19</a:t>
             </a:fld>
             <a:endParaRPr lang="ko-KR" altLang="en-US"/>
           </a:p>
@@ -663,7 +668,7 @@
           <a:p>
             <a:fld id="{EA0C2C95-BC5F-47BC-B9B6-E407C2A98A02}" type="datetimeFigureOut">
               <a:rPr lang="ko-KR" altLang="en-US" smtClean="0"/>
-              <a:t>2021-07-14</a:t>
+              <a:t>2021-07-19</a:t>
             </a:fld>
             <a:endParaRPr lang="ko-KR" altLang="en-US"/>
           </a:p>
@@ -861,7 +866,7 @@
           <a:p>
             <a:fld id="{EA0C2C95-BC5F-47BC-B9B6-E407C2A98A02}" type="datetimeFigureOut">
               <a:rPr lang="ko-KR" altLang="en-US" smtClean="0"/>
-              <a:t>2021-07-14</a:t>
+              <a:t>2021-07-19</a:t>
             </a:fld>
             <a:endParaRPr lang="ko-KR" altLang="en-US"/>
           </a:p>
@@ -1136,7 +1141,7 @@
           <a:p>
             <a:fld id="{EA0C2C95-BC5F-47BC-B9B6-E407C2A98A02}" type="datetimeFigureOut">
               <a:rPr lang="ko-KR" altLang="en-US" smtClean="0"/>
-              <a:t>2021-07-14</a:t>
+              <a:t>2021-07-19</a:t>
             </a:fld>
             <a:endParaRPr lang="ko-KR" altLang="en-US"/>
           </a:p>
@@ -1401,7 +1406,7 @@
           <a:p>
             <a:fld id="{EA0C2C95-BC5F-47BC-B9B6-E407C2A98A02}" type="datetimeFigureOut">
               <a:rPr lang="ko-KR" altLang="en-US" smtClean="0"/>
-              <a:t>2021-07-14</a:t>
+              <a:t>2021-07-19</a:t>
             </a:fld>
             <a:endParaRPr lang="ko-KR" altLang="en-US"/>
           </a:p>
@@ -1813,7 +1818,7 @@
           <a:p>
             <a:fld id="{EA0C2C95-BC5F-47BC-B9B6-E407C2A98A02}" type="datetimeFigureOut">
               <a:rPr lang="ko-KR" altLang="en-US" smtClean="0"/>
-              <a:t>2021-07-14</a:t>
+              <a:t>2021-07-19</a:t>
             </a:fld>
             <a:endParaRPr lang="ko-KR" altLang="en-US"/>
           </a:p>
@@ -1954,7 +1959,7 @@
           <a:p>
             <a:fld id="{EA0C2C95-BC5F-47BC-B9B6-E407C2A98A02}" type="datetimeFigureOut">
               <a:rPr lang="ko-KR" altLang="en-US" smtClean="0"/>
-              <a:t>2021-07-14</a:t>
+              <a:t>2021-07-19</a:t>
             </a:fld>
             <a:endParaRPr lang="ko-KR" altLang="en-US"/>
           </a:p>
@@ -2067,7 +2072,7 @@
           <a:p>
             <a:fld id="{EA0C2C95-BC5F-47BC-B9B6-E407C2A98A02}" type="datetimeFigureOut">
               <a:rPr lang="ko-KR" altLang="en-US" smtClean="0"/>
-              <a:t>2021-07-14</a:t>
+              <a:t>2021-07-19</a:t>
             </a:fld>
             <a:endParaRPr lang="ko-KR" altLang="en-US"/>
           </a:p>
@@ -2378,7 +2383,7 @@
           <a:p>
             <a:fld id="{EA0C2C95-BC5F-47BC-B9B6-E407C2A98A02}" type="datetimeFigureOut">
               <a:rPr lang="ko-KR" altLang="en-US" smtClean="0"/>
-              <a:t>2021-07-14</a:t>
+              <a:t>2021-07-19</a:t>
             </a:fld>
             <a:endParaRPr lang="ko-KR" altLang="en-US"/>
           </a:p>
@@ -2666,7 +2671,7 @@
           <a:p>
             <a:fld id="{EA0C2C95-BC5F-47BC-B9B6-E407C2A98A02}" type="datetimeFigureOut">
               <a:rPr lang="ko-KR" altLang="en-US" smtClean="0"/>
-              <a:t>2021-07-14</a:t>
+              <a:t>2021-07-19</a:t>
             </a:fld>
             <a:endParaRPr lang="ko-KR" altLang="en-US"/>
           </a:p>
@@ -2907,7 +2912,7 @@
           <a:p>
             <a:fld id="{EA0C2C95-BC5F-47BC-B9B6-E407C2A98A02}" type="datetimeFigureOut">
               <a:rPr lang="ko-KR" altLang="en-US" smtClean="0"/>
-              <a:t>2021-07-14</a:t>
+              <a:t>2021-07-19</a:t>
             </a:fld>
             <a:endParaRPr lang="ko-KR" altLang="en-US"/>
           </a:p>
@@ -3662,7 +3667,7 @@
             <p:cNvSpPr/>
             <p:nvPr>
               <p:custDataLst>
-                <p:tags r:id="rId16"/>
+                <p:tags r:id="rId15"/>
               </p:custDataLst>
             </p:nvPr>
           </p:nvSpPr>
@@ -4138,69 +4143,223 @@
           </p:txBody>
         </p:sp>
       </p:grpSp>
-      <p:grpSp>
-        <p:nvGrpSpPr>
-          <p:cNvPr id="2" name="Window" descr="&lt;SmartSettings&gt;&lt;SmartResize enabled=&quot;True&quot; minWidth=&quot;0&quot; minHeight=&quot;0&quot; /&gt;&lt;/SmartSettings&gt;">
+      <p:sp>
+        <p:nvSpPr>
+          <p:cNvPr id="3" name="Window Background" descr="&lt;SmartSettings&gt;&lt;SmartResize anchorLeft=&quot;Absolute&quot; anchorTop=&quot;Absolute&quot; anchorRight=&quot;Absolute&quot; anchorBottom=&quot;Absolute&quot; /&gt;&lt;/SmartSettings&gt;">
             <a:extLst>
               <a:ext uri="{FF2B5EF4-FFF2-40B4-BE49-F238E27FC236}">
-                <a16:creationId xmlns:a16="http://schemas.microsoft.com/office/drawing/2014/main" id="{6ADCFC33-280B-40BF-8084-BDCD9F80F67D}"/>
+                <a16:creationId xmlns:a16="http://schemas.microsoft.com/office/drawing/2014/main" id="{9C5CFB8A-2C17-4843-A43B-5BAE4AE8A898}"/>
               </a:ext>
             </a:extLst>
           </p:cNvPr>
-          <p:cNvGrpSpPr/>
+          <p:cNvSpPr/>
           <p:nvPr>
             <p:custDataLst>
               <p:tags r:id="rId1"/>
             </p:custDataLst>
           </p:nvPr>
+        </p:nvSpPr>
+        <p:spPr>
+          <a:xfrm>
+            <a:off x="5451660" y="1157605"/>
+            <a:ext cx="5675211" cy="4157975"/>
+          </a:xfrm>
+          <a:prstGeom prst="rect">
+            <a:avLst/>
+          </a:prstGeom>
+          <a:solidFill>
+            <a:srgbClr val="FFFFFF"/>
+          </a:solidFill>
+          <a:ln w="6350">
+            <a:solidFill>
+              <a:srgbClr val="0078D7"/>
+            </a:solidFill>
+          </a:ln>
+          <a:effectLst>
+            <a:outerShdw blurRad="152400" algn="ctr" rotWithShape="0">
+              <a:srgbClr val="000000">
+                <a:alpha val="40000"/>
+              </a:srgbClr>
+            </a:outerShdw>
+          </a:effectLst>
+        </p:spPr>
+        <p:style>
+          <a:lnRef idx="2">
+            <a:schemeClr val="accent1">
+              <a:shade val="50000"/>
+            </a:schemeClr>
+          </a:lnRef>
+          <a:fillRef idx="1">
+            <a:schemeClr val="accent1"/>
+          </a:fillRef>
+          <a:effectRef idx="0">
+            <a:schemeClr val="accent1"/>
+          </a:effectRef>
+          <a:fontRef idx="minor">
+            <a:schemeClr val="lt1"/>
+          </a:fontRef>
+        </p:style>
+        <p:txBody>
+          <a:bodyPr tIns="54864" rtlCol="0" anchor="t" anchorCtr="0"/>
+          <a:lstStyle>
+            <a:defPPr>
+              <a:defRPr lang="en-US"/>
+            </a:defPPr>
+            <a:lvl1pPr marL="0" algn="l" defTabSz="914400" rtl="0" eaLnBrk="1" latinLnBrk="0" hangingPunct="1">
+              <a:defRPr sz="1800" kern="1200">
+                <a:solidFill>
+                  <a:schemeClr val="lt1"/>
+                </a:solidFill>
+                <a:latin typeface="+mn-lt"/>
+                <a:ea typeface="+mn-ea"/>
+                <a:cs typeface="+mn-cs"/>
+              </a:defRPr>
+            </a:lvl1pPr>
+            <a:lvl2pPr marL="457200" algn="l" defTabSz="914400" rtl="0" eaLnBrk="1" latinLnBrk="0" hangingPunct="1">
+              <a:defRPr sz="1800" kern="1200">
+                <a:solidFill>
+                  <a:schemeClr val="lt1"/>
+                </a:solidFill>
+                <a:latin typeface="+mn-lt"/>
+                <a:ea typeface="+mn-ea"/>
+                <a:cs typeface="+mn-cs"/>
+              </a:defRPr>
+            </a:lvl2pPr>
+            <a:lvl3pPr marL="914400" algn="l" defTabSz="914400" rtl="0" eaLnBrk="1" latinLnBrk="0" hangingPunct="1">
+              <a:defRPr sz="1800" kern="1200">
+                <a:solidFill>
+                  <a:schemeClr val="lt1"/>
+                </a:solidFill>
+                <a:latin typeface="+mn-lt"/>
+                <a:ea typeface="+mn-ea"/>
+                <a:cs typeface="+mn-cs"/>
+              </a:defRPr>
+            </a:lvl3pPr>
+            <a:lvl4pPr marL="1371600" algn="l" defTabSz="914400" rtl="0" eaLnBrk="1" latinLnBrk="0" hangingPunct="1">
+              <a:defRPr sz="1800" kern="1200">
+                <a:solidFill>
+                  <a:schemeClr val="lt1"/>
+                </a:solidFill>
+                <a:latin typeface="+mn-lt"/>
+                <a:ea typeface="+mn-ea"/>
+                <a:cs typeface="+mn-cs"/>
+              </a:defRPr>
+            </a:lvl4pPr>
+            <a:lvl5pPr marL="1828800" algn="l" defTabSz="914400" rtl="0" eaLnBrk="1" latinLnBrk="0" hangingPunct="1">
+              <a:defRPr sz="1800" kern="1200">
+                <a:solidFill>
+                  <a:schemeClr val="lt1"/>
+                </a:solidFill>
+                <a:latin typeface="+mn-lt"/>
+                <a:ea typeface="+mn-ea"/>
+                <a:cs typeface="+mn-cs"/>
+              </a:defRPr>
+            </a:lvl5pPr>
+            <a:lvl6pPr marL="2286000" algn="l" defTabSz="914400" rtl="0" eaLnBrk="1" latinLnBrk="0" hangingPunct="1">
+              <a:defRPr sz="1800" kern="1200">
+                <a:solidFill>
+                  <a:schemeClr val="lt1"/>
+                </a:solidFill>
+                <a:latin typeface="+mn-lt"/>
+                <a:ea typeface="+mn-ea"/>
+                <a:cs typeface="+mn-cs"/>
+              </a:defRPr>
+            </a:lvl6pPr>
+            <a:lvl7pPr marL="2743200" algn="l" defTabSz="914400" rtl="0" eaLnBrk="1" latinLnBrk="0" hangingPunct="1">
+              <a:defRPr sz="1800" kern="1200">
+                <a:solidFill>
+                  <a:schemeClr val="lt1"/>
+                </a:solidFill>
+                <a:latin typeface="+mn-lt"/>
+                <a:ea typeface="+mn-ea"/>
+                <a:cs typeface="+mn-cs"/>
+              </a:defRPr>
+            </a:lvl7pPr>
+            <a:lvl8pPr marL="3200400" algn="l" defTabSz="914400" rtl="0" eaLnBrk="1" latinLnBrk="0" hangingPunct="1">
+              <a:defRPr sz="1800" kern="1200">
+                <a:solidFill>
+                  <a:schemeClr val="lt1"/>
+                </a:solidFill>
+                <a:latin typeface="+mn-lt"/>
+                <a:ea typeface="+mn-ea"/>
+                <a:cs typeface="+mn-cs"/>
+              </a:defRPr>
+            </a:lvl8pPr>
+            <a:lvl9pPr marL="3657600" algn="l" defTabSz="914400" rtl="0" eaLnBrk="1" latinLnBrk="0" hangingPunct="1">
+              <a:defRPr sz="1800" kern="1200">
+                <a:solidFill>
+                  <a:schemeClr val="lt1"/>
+                </a:solidFill>
+                <a:latin typeface="+mn-lt"/>
+                <a:ea typeface="+mn-ea"/>
+                <a:cs typeface="+mn-cs"/>
+              </a:defRPr>
+            </a:lvl9pPr>
+          </a:lstStyle>
+          <a:p>
+            <a:endParaRPr lang="en-US" sz="680" dirty="0">
+              <a:solidFill>
+                <a:srgbClr val="000000"/>
+              </a:solidFill>
+              <a:latin typeface="Segoe UI" panose="020B0502040204020203" pitchFamily="34" charset="0"/>
+              <a:cs typeface="Segoe UI" panose="020B0502040204020203" pitchFamily="34" charset="0"/>
+            </a:endParaRPr>
+          </a:p>
+        </p:txBody>
+      </p:sp>
+      <p:grpSp>
+        <p:nvGrpSpPr>
+          <p:cNvPr id="4" name="Title Bar">
+            <a:extLst>
+              <a:ext uri="{FF2B5EF4-FFF2-40B4-BE49-F238E27FC236}">
+                <a16:creationId xmlns:a16="http://schemas.microsoft.com/office/drawing/2014/main" id="{D10149B4-2E67-451E-AB8A-3D9133E1443D}"/>
+              </a:ext>
+            </a:extLst>
+          </p:cNvPr>
+          <p:cNvGrpSpPr/>
+          <p:nvPr/>
         </p:nvGrpSpPr>
         <p:grpSpPr>
           <a:xfrm>
             <a:off x="5451660" y="1157604"/>
-            <a:ext cx="5675211" cy="4157976"/>
-            <a:chOff x="660251" y="1104556"/>
-            <a:chExt cx="6453529" cy="4430727"/>
+            <a:ext cx="5675211" cy="228776"/>
+            <a:chOff x="990600" y="1423198"/>
+            <a:chExt cx="6401693" cy="30032"/>
           </a:xfrm>
+          <a:solidFill>
+            <a:srgbClr val="FFFFFF"/>
+          </a:solidFill>
         </p:grpSpPr>
         <p:sp>
           <p:nvSpPr>
-            <p:cNvPr id="3" name="Window Background" descr="&lt;SmartSettings&gt;&lt;SmartResize anchorLeft=&quot;Absolute&quot; anchorTop=&quot;Absolute&quot; anchorRight=&quot;Absolute&quot; anchorBottom=&quot;Absolute&quot; /&gt;&lt;/SmartSettings&gt;">
+            <p:cNvPr id="6" name="Title Bar Background" descr="&lt;SmartSettings&gt;&lt;SmartResize anchorLeft=&quot;Absolute&quot; anchorTop=&quot;Absolute&quot; anchorRight=&quot;Absolute&quot; anchorBottom=&quot;None&quot; /&gt;&lt;/SmartSettings&gt;">
               <a:extLst>
                 <a:ext uri="{FF2B5EF4-FFF2-40B4-BE49-F238E27FC236}">
-                  <a16:creationId xmlns:a16="http://schemas.microsoft.com/office/drawing/2014/main" id="{9C5CFB8A-2C17-4843-A43B-5BAE4AE8A898}"/>
+                  <a16:creationId xmlns:a16="http://schemas.microsoft.com/office/drawing/2014/main" id="{8DEBD1C8-A899-45E0-92AD-AEE07BF9CE91}"/>
                 </a:ext>
               </a:extLst>
             </p:cNvPr>
             <p:cNvSpPr/>
             <p:nvPr>
               <p:custDataLst>
-                <p:tags r:id="rId10"/>
+                <p:tags r:id="rId11"/>
               </p:custDataLst>
             </p:nvPr>
           </p:nvSpPr>
           <p:spPr>
             <a:xfrm>
-              <a:off x="660251" y="1104557"/>
-              <a:ext cx="6453529" cy="4430726"/>
+              <a:off x="990600" y="1423198"/>
+              <a:ext cx="6401693" cy="30032"/>
             </a:xfrm>
             <a:prstGeom prst="rect">
               <a:avLst/>
             </a:prstGeom>
             <a:solidFill>
-              <a:srgbClr val="FFFFFF"/>
+              <a:srgbClr val="F2F2F2"/>
             </a:solidFill>
-            <a:ln w="6350">
-              <a:solidFill>
-                <a:srgbClr val="0078D7"/>
-              </a:solidFill>
+            <a:ln>
+              <a:noFill/>
             </a:ln>
-            <a:effectLst>
-              <a:outerShdw blurRad="152400" algn="ctr" rotWithShape="0">
-                <a:srgbClr val="000000">
-                  <a:alpha val="40000"/>
-                </a:srgbClr>
-              </a:outerShdw>
-            </a:effectLst>
           </p:spPr>
           <p:style>
             <a:lnRef idx="2">
@@ -4219,7 +4378,7 @@
             </a:fontRef>
           </p:style>
           <p:txBody>
-            <a:bodyPr tIns="54864" rtlCol="0" anchor="t" anchorCtr="0"/>
+            <a:bodyPr tIns="54864" rtlCol="0" anchor="ctr"/>
             <a:lstStyle>
               <a:defPPr>
                 <a:defRPr lang="en-US"/>
@@ -4316,7 +4475,159 @@
               </a:lvl9pPr>
             </a:lstStyle>
             <a:p>
-              <a:endParaRPr lang="en-US" sz="680" dirty="0">
+              <a:r>
+                <a:rPr lang="en-US" sz="680" dirty="0">
+                  <a:solidFill>
+                    <a:srgbClr val="000000"/>
+                  </a:solidFill>
+                  <a:latin typeface="Segoe UI" panose="020B0502040204020203" pitchFamily="34" charset="0"/>
+                  <a:cs typeface="Segoe UI" panose="020B0502040204020203" pitchFamily="34" charset="0"/>
+                </a:rPr>
+                <a:t>Digital Palette</a:t>
+              </a:r>
+            </a:p>
+          </p:txBody>
+        </p:sp>
+        <p:sp>
+          <p:nvSpPr>
+            <p:cNvPr id="7" name="Minimize" descr="&lt;SmartSettings&gt;&lt;SmartResize anchorLeft=&quot;None&quot; anchorTop=&quot;Absolute&quot; anchorRight=&quot;Absolute&quot; anchorBottom=&quot;None&quot; /&gt;&lt;/SmartSettings&gt;">
+              <a:extLst>
+                <a:ext uri="{FF2B5EF4-FFF2-40B4-BE49-F238E27FC236}">
+                  <a16:creationId xmlns:a16="http://schemas.microsoft.com/office/drawing/2014/main" id="{A95780DF-6140-42A2-A951-149C89351E62}"/>
+                </a:ext>
+              </a:extLst>
+            </p:cNvPr>
+            <p:cNvSpPr>
+              <a:spLocks noChangeAspect="1" noChangeArrowheads="1"/>
+            </p:cNvSpPr>
+            <p:nvPr>
+              <p:custDataLst>
+                <p:tags r:id="rId12"/>
+              </p:custDataLst>
+            </p:nvPr>
+          </p:nvSpPr>
+          <p:spPr bwMode="auto">
+            <a:xfrm>
+              <a:off x="6410599" y="1437171"/>
+              <a:ext cx="84164" cy="1043"/>
+            </a:xfrm>
+            <a:prstGeom prst="rect">
+              <a:avLst/>
+            </a:prstGeom>
+            <a:solidFill>
+              <a:srgbClr val="000000"/>
+            </a:solidFill>
+            <a:ln w="0">
+              <a:noFill/>
+              <a:prstDash val="solid"/>
+              <a:miter lim="800000"/>
+              <a:headEnd/>
+              <a:tailEnd/>
+            </a:ln>
+          </p:spPr>
+          <p:txBody>
+            <a:bodyPr vert="horz" wrap="square" lIns="91440" tIns="45720" rIns="91440" bIns="45720" numCol="1" anchor="t" anchorCtr="0" compatLnSpc="1">
+              <a:prstTxWarp prst="textNoShape">
+                <a:avLst/>
+              </a:prstTxWarp>
+            </a:bodyPr>
+            <a:lstStyle>
+              <a:defPPr>
+                <a:defRPr lang="en-US"/>
+              </a:defPPr>
+              <a:lvl1pPr marL="0" algn="l" defTabSz="914400" rtl="0" eaLnBrk="1" latinLnBrk="0" hangingPunct="1">
+                <a:defRPr sz="1800" kern="1200">
+                  <a:solidFill>
+                    <a:schemeClr val="tx1"/>
+                  </a:solidFill>
+                  <a:latin typeface="+mn-lt"/>
+                  <a:ea typeface="+mn-ea"/>
+                  <a:cs typeface="+mn-cs"/>
+                </a:defRPr>
+              </a:lvl1pPr>
+              <a:lvl2pPr marL="457200" algn="l" defTabSz="914400" rtl="0" eaLnBrk="1" latinLnBrk="0" hangingPunct="1">
+                <a:defRPr sz="1800" kern="1200">
+                  <a:solidFill>
+                    <a:schemeClr val="tx1"/>
+                  </a:solidFill>
+                  <a:latin typeface="+mn-lt"/>
+                  <a:ea typeface="+mn-ea"/>
+                  <a:cs typeface="+mn-cs"/>
+                </a:defRPr>
+              </a:lvl2pPr>
+              <a:lvl3pPr marL="914400" algn="l" defTabSz="914400" rtl="0" eaLnBrk="1" latinLnBrk="0" hangingPunct="1">
+                <a:defRPr sz="1800" kern="1200">
+                  <a:solidFill>
+                    <a:schemeClr val="tx1"/>
+                  </a:solidFill>
+                  <a:latin typeface="+mn-lt"/>
+                  <a:ea typeface="+mn-ea"/>
+                  <a:cs typeface="+mn-cs"/>
+                </a:defRPr>
+              </a:lvl3pPr>
+              <a:lvl4pPr marL="1371600" algn="l" defTabSz="914400" rtl="0" eaLnBrk="1" latinLnBrk="0" hangingPunct="1">
+                <a:defRPr sz="1800" kern="1200">
+                  <a:solidFill>
+                    <a:schemeClr val="tx1"/>
+                  </a:solidFill>
+                  <a:latin typeface="+mn-lt"/>
+                  <a:ea typeface="+mn-ea"/>
+                  <a:cs typeface="+mn-cs"/>
+                </a:defRPr>
+              </a:lvl4pPr>
+              <a:lvl5pPr marL="1828800" algn="l" defTabSz="914400" rtl="0" eaLnBrk="1" latinLnBrk="0" hangingPunct="1">
+                <a:defRPr sz="1800" kern="1200">
+                  <a:solidFill>
+                    <a:schemeClr val="tx1"/>
+                  </a:solidFill>
+                  <a:latin typeface="+mn-lt"/>
+                  <a:ea typeface="+mn-ea"/>
+                  <a:cs typeface="+mn-cs"/>
+                </a:defRPr>
+              </a:lvl5pPr>
+              <a:lvl6pPr marL="2286000" algn="l" defTabSz="914400" rtl="0" eaLnBrk="1" latinLnBrk="0" hangingPunct="1">
+                <a:defRPr sz="1800" kern="1200">
+                  <a:solidFill>
+                    <a:schemeClr val="tx1"/>
+                  </a:solidFill>
+                  <a:latin typeface="+mn-lt"/>
+                  <a:ea typeface="+mn-ea"/>
+                  <a:cs typeface="+mn-cs"/>
+                </a:defRPr>
+              </a:lvl6pPr>
+              <a:lvl7pPr marL="2743200" algn="l" defTabSz="914400" rtl="0" eaLnBrk="1" latinLnBrk="0" hangingPunct="1">
+                <a:defRPr sz="1800" kern="1200">
+                  <a:solidFill>
+                    <a:schemeClr val="tx1"/>
+                  </a:solidFill>
+                  <a:latin typeface="+mn-lt"/>
+                  <a:ea typeface="+mn-ea"/>
+                  <a:cs typeface="+mn-cs"/>
+                </a:defRPr>
+              </a:lvl7pPr>
+              <a:lvl8pPr marL="3200400" algn="l" defTabSz="914400" rtl="0" eaLnBrk="1" latinLnBrk="0" hangingPunct="1">
+                <a:defRPr sz="1800" kern="1200">
+                  <a:solidFill>
+                    <a:schemeClr val="tx1"/>
+                  </a:solidFill>
+                  <a:latin typeface="+mn-lt"/>
+                  <a:ea typeface="+mn-ea"/>
+                  <a:cs typeface="+mn-cs"/>
+                </a:defRPr>
+              </a:lvl8pPr>
+              <a:lvl9pPr marL="3657600" algn="l" defTabSz="914400" rtl="0" eaLnBrk="1" latinLnBrk="0" hangingPunct="1">
+                <a:defRPr sz="1800" kern="1200">
+                  <a:solidFill>
+                    <a:schemeClr val="tx1"/>
+                  </a:solidFill>
+                  <a:latin typeface="+mn-lt"/>
+                  <a:ea typeface="+mn-ea"/>
+                  <a:cs typeface="+mn-cs"/>
+                </a:defRPr>
+              </a:lvl9pPr>
+            </a:lstStyle>
+            <a:p>
+              <a:endParaRPr lang="en-US" sz="850">
                 <a:solidFill>
                   <a:srgbClr val="000000"/>
                 </a:solidFill>
@@ -4326,891 +4637,141 @@
             </a:p>
           </p:txBody>
         </p:sp>
-        <p:grpSp>
-          <p:nvGrpSpPr>
-            <p:cNvPr id="4" name="Title Bar">
+        <p:sp>
+          <p:nvSpPr>
+            <p:cNvPr id="8" name="Maximize" descr="&lt;SmartSettings&gt;&lt;SmartResize anchorLeft=&quot;None&quot; anchorTop=&quot;Absolute&quot; anchorRight=&quot;Absolute&quot; anchorBottom=&quot;None&quot; /&gt;&lt;/SmartSettings&gt;">
               <a:extLst>
                 <a:ext uri="{FF2B5EF4-FFF2-40B4-BE49-F238E27FC236}">
-                  <a16:creationId xmlns:a16="http://schemas.microsoft.com/office/drawing/2014/main" id="{D10149B4-2E67-451E-AB8A-3D9133E1443D}"/>
+                  <a16:creationId xmlns:a16="http://schemas.microsoft.com/office/drawing/2014/main" id="{F293778B-E98A-4570-92C0-9CC4CC9E1CFB}"/>
                 </a:ext>
               </a:extLst>
             </p:cNvPr>
-            <p:cNvGrpSpPr/>
-            <p:nvPr/>
-          </p:nvGrpSpPr>
-          <p:grpSpPr>
-            <a:xfrm>
-              <a:off x="660251" y="1104556"/>
-              <a:ext cx="6453529" cy="243783"/>
-              <a:chOff x="990600" y="1423198"/>
-              <a:chExt cx="6401693" cy="30032"/>
-            </a:xfrm>
-            <a:solidFill>
-              <a:srgbClr val="FFFFFF"/>
-            </a:solidFill>
-          </p:grpSpPr>
-          <p:sp>
-            <p:nvSpPr>
-              <p:cNvPr id="6" name="Title Bar Background" descr="&lt;SmartSettings&gt;&lt;SmartResize anchorLeft=&quot;Absolute&quot; anchorTop=&quot;Absolute&quot; anchorRight=&quot;Absolute&quot; anchorBottom=&quot;None&quot; /&gt;&lt;/SmartSettings&gt;">
-                <a:extLst>
-                  <a:ext uri="{FF2B5EF4-FFF2-40B4-BE49-F238E27FC236}">
-                    <a16:creationId xmlns:a16="http://schemas.microsoft.com/office/drawing/2014/main" id="{8DEBD1C8-A899-45E0-92AD-AEE07BF9CE91}"/>
-                  </a:ext>
-                </a:extLst>
-              </p:cNvPr>
-              <p:cNvSpPr/>
-              <p:nvPr>
-                <p:custDataLst>
-                  <p:tags r:id="rId12"/>
-                </p:custDataLst>
-              </p:nvPr>
-            </p:nvSpPr>
-            <p:spPr>
-              <a:xfrm>
-                <a:off x="990600" y="1423198"/>
-                <a:ext cx="6401693" cy="30032"/>
-              </a:xfrm>
-              <a:prstGeom prst="rect">
-                <a:avLst/>
-              </a:prstGeom>
-              <a:solidFill>
-                <a:srgbClr val="F2F2F2"/>
-              </a:solidFill>
-              <a:ln>
-                <a:noFill/>
-              </a:ln>
-            </p:spPr>
-            <p:style>
-              <a:lnRef idx="2">
-                <a:schemeClr val="accent1">
-                  <a:shade val="50000"/>
-                </a:schemeClr>
-              </a:lnRef>
-              <a:fillRef idx="1">
-                <a:schemeClr val="accent1"/>
-              </a:fillRef>
-              <a:effectRef idx="0">
-                <a:schemeClr val="accent1"/>
-              </a:effectRef>
-              <a:fontRef idx="minor">
-                <a:schemeClr val="lt1"/>
-              </a:fontRef>
-            </p:style>
-            <p:txBody>
-              <a:bodyPr tIns="54864" rtlCol="0" anchor="ctr"/>
-              <a:lstStyle>
-                <a:defPPr>
-                  <a:defRPr lang="en-US"/>
-                </a:defPPr>
-                <a:lvl1pPr marL="0" algn="l" defTabSz="914400" rtl="0" eaLnBrk="1" latinLnBrk="0" hangingPunct="1">
-                  <a:defRPr sz="1800" kern="1200">
-                    <a:solidFill>
-                      <a:schemeClr val="lt1"/>
-                    </a:solidFill>
-                    <a:latin typeface="+mn-lt"/>
-                    <a:ea typeface="+mn-ea"/>
-                    <a:cs typeface="+mn-cs"/>
-                  </a:defRPr>
-                </a:lvl1pPr>
-                <a:lvl2pPr marL="457200" algn="l" defTabSz="914400" rtl="0" eaLnBrk="1" latinLnBrk="0" hangingPunct="1">
-                  <a:defRPr sz="1800" kern="1200">
-                    <a:solidFill>
-                      <a:schemeClr val="lt1"/>
-                    </a:solidFill>
-                    <a:latin typeface="+mn-lt"/>
-                    <a:ea typeface="+mn-ea"/>
-                    <a:cs typeface="+mn-cs"/>
-                  </a:defRPr>
-                </a:lvl2pPr>
-                <a:lvl3pPr marL="914400" algn="l" defTabSz="914400" rtl="0" eaLnBrk="1" latinLnBrk="0" hangingPunct="1">
-                  <a:defRPr sz="1800" kern="1200">
-                    <a:solidFill>
-                      <a:schemeClr val="lt1"/>
-                    </a:solidFill>
-                    <a:latin typeface="+mn-lt"/>
-                    <a:ea typeface="+mn-ea"/>
-                    <a:cs typeface="+mn-cs"/>
-                  </a:defRPr>
-                </a:lvl3pPr>
-                <a:lvl4pPr marL="1371600" algn="l" defTabSz="914400" rtl="0" eaLnBrk="1" latinLnBrk="0" hangingPunct="1">
-                  <a:defRPr sz="1800" kern="1200">
-                    <a:solidFill>
-                      <a:schemeClr val="lt1"/>
-                    </a:solidFill>
-                    <a:latin typeface="+mn-lt"/>
-                    <a:ea typeface="+mn-ea"/>
-                    <a:cs typeface="+mn-cs"/>
-                  </a:defRPr>
-                </a:lvl4pPr>
-                <a:lvl5pPr marL="1828800" algn="l" defTabSz="914400" rtl="0" eaLnBrk="1" latinLnBrk="0" hangingPunct="1">
-                  <a:defRPr sz="1800" kern="1200">
-                    <a:solidFill>
-                      <a:schemeClr val="lt1"/>
-                    </a:solidFill>
-                    <a:latin typeface="+mn-lt"/>
-                    <a:ea typeface="+mn-ea"/>
-                    <a:cs typeface="+mn-cs"/>
-                  </a:defRPr>
-                </a:lvl5pPr>
-                <a:lvl6pPr marL="2286000" algn="l" defTabSz="914400" rtl="0" eaLnBrk="1" latinLnBrk="0" hangingPunct="1">
-                  <a:defRPr sz="1800" kern="1200">
-                    <a:solidFill>
-                      <a:schemeClr val="lt1"/>
-                    </a:solidFill>
-                    <a:latin typeface="+mn-lt"/>
-                    <a:ea typeface="+mn-ea"/>
-                    <a:cs typeface="+mn-cs"/>
-                  </a:defRPr>
-                </a:lvl6pPr>
-                <a:lvl7pPr marL="2743200" algn="l" defTabSz="914400" rtl="0" eaLnBrk="1" latinLnBrk="0" hangingPunct="1">
-                  <a:defRPr sz="1800" kern="1200">
-                    <a:solidFill>
-                      <a:schemeClr val="lt1"/>
-                    </a:solidFill>
-                    <a:latin typeface="+mn-lt"/>
-                    <a:ea typeface="+mn-ea"/>
-                    <a:cs typeface="+mn-cs"/>
-                  </a:defRPr>
-                </a:lvl7pPr>
-                <a:lvl8pPr marL="3200400" algn="l" defTabSz="914400" rtl="0" eaLnBrk="1" latinLnBrk="0" hangingPunct="1">
-                  <a:defRPr sz="1800" kern="1200">
-                    <a:solidFill>
-                      <a:schemeClr val="lt1"/>
-                    </a:solidFill>
-                    <a:latin typeface="+mn-lt"/>
-                    <a:ea typeface="+mn-ea"/>
-                    <a:cs typeface="+mn-cs"/>
-                  </a:defRPr>
-                </a:lvl8pPr>
-                <a:lvl9pPr marL="3657600" algn="l" defTabSz="914400" rtl="0" eaLnBrk="1" latinLnBrk="0" hangingPunct="1">
-                  <a:defRPr sz="1800" kern="1200">
-                    <a:solidFill>
-                      <a:schemeClr val="lt1"/>
-                    </a:solidFill>
-                    <a:latin typeface="+mn-lt"/>
-                    <a:ea typeface="+mn-ea"/>
-                    <a:cs typeface="+mn-cs"/>
-                  </a:defRPr>
-                </a:lvl9pPr>
-              </a:lstStyle>
-              <a:p>
-                <a:r>
-                  <a:rPr lang="en-US" sz="680" dirty="0">
-                    <a:solidFill>
-                      <a:srgbClr val="000000"/>
-                    </a:solidFill>
-                    <a:latin typeface="Segoe UI" panose="020B0502040204020203" pitchFamily="34" charset="0"/>
-                    <a:cs typeface="Segoe UI" panose="020B0502040204020203" pitchFamily="34" charset="0"/>
-                  </a:rPr>
-                  <a:t>Digital Palette</a:t>
-                </a:r>
-              </a:p>
-            </p:txBody>
-          </p:sp>
-          <p:sp>
-            <p:nvSpPr>
-              <p:cNvPr id="7" name="Minimize" descr="&lt;SmartSettings&gt;&lt;SmartResize anchorLeft=&quot;None&quot; anchorTop=&quot;Absolute&quot; anchorRight=&quot;Absolute&quot; anchorBottom=&quot;None&quot; /&gt;&lt;/SmartSettings&gt;">
-                <a:extLst>
-                  <a:ext uri="{FF2B5EF4-FFF2-40B4-BE49-F238E27FC236}">
-                    <a16:creationId xmlns:a16="http://schemas.microsoft.com/office/drawing/2014/main" id="{A95780DF-6140-42A2-A951-149C89351E62}"/>
-                  </a:ext>
-                </a:extLst>
-              </p:cNvPr>
-              <p:cNvSpPr>
-                <a:spLocks noChangeAspect="1" noChangeArrowheads="1"/>
-              </p:cNvSpPr>
-              <p:nvPr>
-                <p:custDataLst>
-                  <p:tags r:id="rId13"/>
-                </p:custDataLst>
-              </p:nvPr>
-            </p:nvSpPr>
-            <p:spPr bwMode="auto">
-              <a:xfrm>
-                <a:off x="6410599" y="1437171"/>
-                <a:ext cx="84164" cy="1043"/>
-              </a:xfrm>
-              <a:prstGeom prst="rect">
-                <a:avLst/>
-              </a:prstGeom>
-              <a:solidFill>
-                <a:srgbClr val="000000"/>
-              </a:solidFill>
-              <a:ln w="0">
-                <a:noFill/>
-                <a:prstDash val="solid"/>
-                <a:miter lim="800000"/>
-                <a:headEnd/>
-                <a:tailEnd/>
-              </a:ln>
-            </p:spPr>
-            <p:txBody>
-              <a:bodyPr vert="horz" wrap="square" lIns="91440" tIns="45720" rIns="91440" bIns="45720" numCol="1" anchor="t" anchorCtr="0" compatLnSpc="1">
-                <a:prstTxWarp prst="textNoShape">
-                  <a:avLst/>
-                </a:prstTxWarp>
-              </a:bodyPr>
-              <a:lstStyle>
-                <a:defPPr>
-                  <a:defRPr lang="en-US"/>
-                </a:defPPr>
-                <a:lvl1pPr marL="0" algn="l" defTabSz="914400" rtl="0" eaLnBrk="1" latinLnBrk="0" hangingPunct="1">
-                  <a:defRPr sz="1800" kern="1200">
-                    <a:solidFill>
-                      <a:schemeClr val="tx1"/>
-                    </a:solidFill>
-                    <a:latin typeface="+mn-lt"/>
-                    <a:ea typeface="+mn-ea"/>
-                    <a:cs typeface="+mn-cs"/>
-                  </a:defRPr>
-                </a:lvl1pPr>
-                <a:lvl2pPr marL="457200" algn="l" defTabSz="914400" rtl="0" eaLnBrk="1" latinLnBrk="0" hangingPunct="1">
-                  <a:defRPr sz="1800" kern="1200">
-                    <a:solidFill>
-                      <a:schemeClr val="tx1"/>
-                    </a:solidFill>
-                    <a:latin typeface="+mn-lt"/>
-                    <a:ea typeface="+mn-ea"/>
-                    <a:cs typeface="+mn-cs"/>
-                  </a:defRPr>
-                </a:lvl2pPr>
-                <a:lvl3pPr marL="914400" algn="l" defTabSz="914400" rtl="0" eaLnBrk="1" latinLnBrk="0" hangingPunct="1">
-                  <a:defRPr sz="1800" kern="1200">
-                    <a:solidFill>
-                      <a:schemeClr val="tx1"/>
-                    </a:solidFill>
-                    <a:latin typeface="+mn-lt"/>
-                    <a:ea typeface="+mn-ea"/>
-                    <a:cs typeface="+mn-cs"/>
-                  </a:defRPr>
-                </a:lvl3pPr>
-                <a:lvl4pPr marL="1371600" algn="l" defTabSz="914400" rtl="0" eaLnBrk="1" latinLnBrk="0" hangingPunct="1">
-                  <a:defRPr sz="1800" kern="1200">
-                    <a:solidFill>
-                      <a:schemeClr val="tx1"/>
-                    </a:solidFill>
-                    <a:latin typeface="+mn-lt"/>
-                    <a:ea typeface="+mn-ea"/>
-                    <a:cs typeface="+mn-cs"/>
-                  </a:defRPr>
-                </a:lvl4pPr>
-                <a:lvl5pPr marL="1828800" algn="l" defTabSz="914400" rtl="0" eaLnBrk="1" latinLnBrk="0" hangingPunct="1">
-                  <a:defRPr sz="1800" kern="1200">
-                    <a:solidFill>
-                      <a:schemeClr val="tx1"/>
-                    </a:solidFill>
-                    <a:latin typeface="+mn-lt"/>
-                    <a:ea typeface="+mn-ea"/>
-                    <a:cs typeface="+mn-cs"/>
-                  </a:defRPr>
-                </a:lvl5pPr>
-                <a:lvl6pPr marL="2286000" algn="l" defTabSz="914400" rtl="0" eaLnBrk="1" latinLnBrk="0" hangingPunct="1">
-                  <a:defRPr sz="1800" kern="1200">
-                    <a:solidFill>
-                      <a:schemeClr val="tx1"/>
-                    </a:solidFill>
-                    <a:latin typeface="+mn-lt"/>
-                    <a:ea typeface="+mn-ea"/>
-                    <a:cs typeface="+mn-cs"/>
-                  </a:defRPr>
-                </a:lvl6pPr>
-                <a:lvl7pPr marL="2743200" algn="l" defTabSz="914400" rtl="0" eaLnBrk="1" latinLnBrk="0" hangingPunct="1">
-                  <a:defRPr sz="1800" kern="1200">
-                    <a:solidFill>
-                      <a:schemeClr val="tx1"/>
-                    </a:solidFill>
-                    <a:latin typeface="+mn-lt"/>
-                    <a:ea typeface="+mn-ea"/>
-                    <a:cs typeface="+mn-cs"/>
-                  </a:defRPr>
-                </a:lvl7pPr>
-                <a:lvl8pPr marL="3200400" algn="l" defTabSz="914400" rtl="0" eaLnBrk="1" latinLnBrk="0" hangingPunct="1">
-                  <a:defRPr sz="1800" kern="1200">
-                    <a:solidFill>
-                      <a:schemeClr val="tx1"/>
-                    </a:solidFill>
-                    <a:latin typeface="+mn-lt"/>
-                    <a:ea typeface="+mn-ea"/>
-                    <a:cs typeface="+mn-cs"/>
-                  </a:defRPr>
-                </a:lvl8pPr>
-                <a:lvl9pPr marL="3657600" algn="l" defTabSz="914400" rtl="0" eaLnBrk="1" latinLnBrk="0" hangingPunct="1">
-                  <a:defRPr sz="1800" kern="1200">
-                    <a:solidFill>
-                      <a:schemeClr val="tx1"/>
-                    </a:solidFill>
-                    <a:latin typeface="+mn-lt"/>
-                    <a:ea typeface="+mn-ea"/>
-                    <a:cs typeface="+mn-cs"/>
-                  </a:defRPr>
-                </a:lvl9pPr>
-              </a:lstStyle>
-              <a:p>
-                <a:endParaRPr lang="en-US" sz="850">
-                  <a:solidFill>
-                    <a:srgbClr val="000000"/>
-                  </a:solidFill>
-                  <a:latin typeface="Segoe UI" panose="020B0502040204020203" pitchFamily="34" charset="0"/>
-                  <a:cs typeface="Segoe UI" panose="020B0502040204020203" pitchFamily="34" charset="0"/>
-                </a:endParaRPr>
-              </a:p>
-            </p:txBody>
-          </p:sp>
-          <p:sp>
-            <p:nvSpPr>
-              <p:cNvPr id="8" name="Maximize" descr="&lt;SmartSettings&gt;&lt;SmartResize anchorLeft=&quot;None&quot; anchorTop=&quot;Absolute&quot; anchorRight=&quot;Absolute&quot; anchorBottom=&quot;None&quot; /&gt;&lt;/SmartSettings&gt;">
-                <a:extLst>
-                  <a:ext uri="{FF2B5EF4-FFF2-40B4-BE49-F238E27FC236}">
-                    <a16:creationId xmlns:a16="http://schemas.microsoft.com/office/drawing/2014/main" id="{F293778B-E98A-4570-92C0-9CC4CC9E1CFB}"/>
-                  </a:ext>
-                </a:extLst>
-              </p:cNvPr>
-              <p:cNvSpPr>
-                <a:spLocks noChangeAspect="1" noEditPoints="1"/>
-              </p:cNvSpPr>
-              <p:nvPr>
-                <p:custDataLst>
-                  <p:tags r:id="rId14"/>
-                </p:custDataLst>
-              </p:nvPr>
-            </p:nvSpPr>
-            <p:spPr bwMode="auto">
-              <a:xfrm>
-                <a:off x="6784856" y="1432687"/>
-                <a:ext cx="82373" cy="10010"/>
-              </a:xfrm>
-              <a:custGeom>
-                <a:avLst/>
-                <a:gdLst>
-                  <a:gd name="T0" fmla="*/ 0 w 282"/>
-                  <a:gd name="T1" fmla="*/ 0 h 282"/>
-                  <a:gd name="T2" fmla="*/ 0 w 282"/>
-                  <a:gd name="T3" fmla="*/ 282 h 282"/>
-                  <a:gd name="T4" fmla="*/ 282 w 282"/>
-                  <a:gd name="T5" fmla="*/ 282 h 282"/>
-                  <a:gd name="T6" fmla="*/ 282 w 282"/>
-                  <a:gd name="T7" fmla="*/ 0 h 282"/>
-                  <a:gd name="T8" fmla="*/ 0 w 282"/>
-                  <a:gd name="T9" fmla="*/ 0 h 282"/>
-                  <a:gd name="T10" fmla="*/ 28 w 282"/>
-                  <a:gd name="T11" fmla="*/ 28 h 282"/>
-                  <a:gd name="T12" fmla="*/ 254 w 282"/>
-                  <a:gd name="T13" fmla="*/ 28 h 282"/>
-                  <a:gd name="T14" fmla="*/ 254 w 282"/>
-                  <a:gd name="T15" fmla="*/ 254 h 282"/>
-                  <a:gd name="T16" fmla="*/ 28 w 282"/>
-                  <a:gd name="T17" fmla="*/ 254 h 282"/>
-                  <a:gd name="T18" fmla="*/ 28 w 282"/>
-                  <a:gd name="T19" fmla="*/ 28 h 282"/>
-                </a:gdLst>
-                <a:ahLst/>
-                <a:cxnLst>
-                  <a:cxn ang="0">
-                    <a:pos x="T0" y="T1"/>
-                  </a:cxn>
-                  <a:cxn ang="0">
-                    <a:pos x="T2" y="T3"/>
-                  </a:cxn>
-                  <a:cxn ang="0">
-                    <a:pos x="T4" y="T5"/>
-                  </a:cxn>
-                  <a:cxn ang="0">
-                    <a:pos x="T6" y="T7"/>
-                  </a:cxn>
-                  <a:cxn ang="0">
-                    <a:pos x="T8" y="T9"/>
-                  </a:cxn>
-                  <a:cxn ang="0">
-                    <a:pos x="T10" y="T11"/>
-                  </a:cxn>
-                  <a:cxn ang="0">
-                    <a:pos x="T12" y="T13"/>
-                  </a:cxn>
-                  <a:cxn ang="0">
-                    <a:pos x="T14" y="T15"/>
-                  </a:cxn>
-                  <a:cxn ang="0">
-                    <a:pos x="T16" y="T17"/>
-                  </a:cxn>
-                  <a:cxn ang="0">
-                    <a:pos x="T18" y="T19"/>
-                  </a:cxn>
-                </a:cxnLst>
-                <a:rect l="0" t="0" r="r" b="b"/>
-                <a:pathLst>
-                  <a:path w="282" h="282">
-                    <a:moveTo>
-                      <a:pt x="0" y="0"/>
-                    </a:moveTo>
-                    <a:lnTo>
-                      <a:pt x="0" y="282"/>
-                    </a:lnTo>
-                    <a:lnTo>
-                      <a:pt x="282" y="282"/>
-                    </a:lnTo>
-                    <a:lnTo>
-                      <a:pt x="282" y="0"/>
-                    </a:lnTo>
-                    <a:lnTo>
-                      <a:pt x="0" y="0"/>
-                    </a:lnTo>
-                    <a:close/>
-                    <a:moveTo>
-                      <a:pt x="28" y="28"/>
-                    </a:moveTo>
-                    <a:lnTo>
-                      <a:pt x="254" y="28"/>
-                    </a:lnTo>
-                    <a:lnTo>
-                      <a:pt x="254" y="254"/>
-                    </a:lnTo>
-                    <a:lnTo>
-                      <a:pt x="28" y="254"/>
-                    </a:lnTo>
-                    <a:lnTo>
-                      <a:pt x="28" y="28"/>
-                    </a:lnTo>
-                    <a:close/>
-                  </a:path>
-                </a:pathLst>
-              </a:custGeom>
-              <a:solidFill>
-                <a:srgbClr val="000000"/>
-              </a:solidFill>
-              <a:ln w="0">
-                <a:noFill/>
-                <a:prstDash val="solid"/>
-                <a:round/>
-                <a:headEnd/>
-                <a:tailEnd/>
-              </a:ln>
-            </p:spPr>
-            <p:txBody>
-              <a:bodyPr vert="horz" wrap="square" lIns="91440" tIns="45720" rIns="91440" bIns="45720" numCol="1" anchor="t" anchorCtr="0" compatLnSpc="1">
-                <a:prstTxWarp prst="textNoShape">
-                  <a:avLst/>
-                </a:prstTxWarp>
-              </a:bodyPr>
-              <a:lstStyle>
-                <a:defPPr>
-                  <a:defRPr lang="en-US"/>
-                </a:defPPr>
-                <a:lvl1pPr marL="0" algn="l" defTabSz="914400" rtl="0" eaLnBrk="1" latinLnBrk="0" hangingPunct="1">
-                  <a:defRPr sz="1800" kern="1200">
-                    <a:solidFill>
-                      <a:schemeClr val="tx1"/>
-                    </a:solidFill>
-                    <a:latin typeface="+mn-lt"/>
-                    <a:ea typeface="+mn-ea"/>
-                    <a:cs typeface="+mn-cs"/>
-                  </a:defRPr>
-                </a:lvl1pPr>
-                <a:lvl2pPr marL="457200" algn="l" defTabSz="914400" rtl="0" eaLnBrk="1" latinLnBrk="0" hangingPunct="1">
-                  <a:defRPr sz="1800" kern="1200">
-                    <a:solidFill>
-                      <a:schemeClr val="tx1"/>
-                    </a:solidFill>
-                    <a:latin typeface="+mn-lt"/>
-                    <a:ea typeface="+mn-ea"/>
-                    <a:cs typeface="+mn-cs"/>
-                  </a:defRPr>
-                </a:lvl2pPr>
-                <a:lvl3pPr marL="914400" algn="l" defTabSz="914400" rtl="0" eaLnBrk="1" latinLnBrk="0" hangingPunct="1">
-                  <a:defRPr sz="1800" kern="1200">
-                    <a:solidFill>
-                      <a:schemeClr val="tx1"/>
-                    </a:solidFill>
-                    <a:latin typeface="+mn-lt"/>
-                    <a:ea typeface="+mn-ea"/>
-                    <a:cs typeface="+mn-cs"/>
-                  </a:defRPr>
-                </a:lvl3pPr>
-                <a:lvl4pPr marL="1371600" algn="l" defTabSz="914400" rtl="0" eaLnBrk="1" latinLnBrk="0" hangingPunct="1">
-                  <a:defRPr sz="1800" kern="1200">
-                    <a:solidFill>
-                      <a:schemeClr val="tx1"/>
-                    </a:solidFill>
-                    <a:latin typeface="+mn-lt"/>
-                    <a:ea typeface="+mn-ea"/>
-                    <a:cs typeface="+mn-cs"/>
-                  </a:defRPr>
-                </a:lvl4pPr>
-                <a:lvl5pPr marL="1828800" algn="l" defTabSz="914400" rtl="0" eaLnBrk="1" latinLnBrk="0" hangingPunct="1">
-                  <a:defRPr sz="1800" kern="1200">
-                    <a:solidFill>
-                      <a:schemeClr val="tx1"/>
-                    </a:solidFill>
-                    <a:latin typeface="+mn-lt"/>
-                    <a:ea typeface="+mn-ea"/>
-                    <a:cs typeface="+mn-cs"/>
-                  </a:defRPr>
-                </a:lvl5pPr>
-                <a:lvl6pPr marL="2286000" algn="l" defTabSz="914400" rtl="0" eaLnBrk="1" latinLnBrk="0" hangingPunct="1">
-                  <a:defRPr sz="1800" kern="1200">
-                    <a:solidFill>
-                      <a:schemeClr val="tx1"/>
-                    </a:solidFill>
-                    <a:latin typeface="+mn-lt"/>
-                    <a:ea typeface="+mn-ea"/>
-                    <a:cs typeface="+mn-cs"/>
-                  </a:defRPr>
-                </a:lvl6pPr>
-                <a:lvl7pPr marL="2743200" algn="l" defTabSz="914400" rtl="0" eaLnBrk="1" latinLnBrk="0" hangingPunct="1">
-                  <a:defRPr sz="1800" kern="1200">
-                    <a:solidFill>
-                      <a:schemeClr val="tx1"/>
-                    </a:solidFill>
-                    <a:latin typeface="+mn-lt"/>
-                    <a:ea typeface="+mn-ea"/>
-                    <a:cs typeface="+mn-cs"/>
-                  </a:defRPr>
-                </a:lvl7pPr>
-                <a:lvl8pPr marL="3200400" algn="l" defTabSz="914400" rtl="0" eaLnBrk="1" latinLnBrk="0" hangingPunct="1">
-                  <a:defRPr sz="1800" kern="1200">
-                    <a:solidFill>
-                      <a:schemeClr val="tx1"/>
-                    </a:solidFill>
-                    <a:latin typeface="+mn-lt"/>
-                    <a:ea typeface="+mn-ea"/>
-                    <a:cs typeface="+mn-cs"/>
-                  </a:defRPr>
-                </a:lvl8pPr>
-                <a:lvl9pPr marL="3657600" algn="l" defTabSz="914400" rtl="0" eaLnBrk="1" latinLnBrk="0" hangingPunct="1">
-                  <a:defRPr sz="1800" kern="1200">
-                    <a:solidFill>
-                      <a:schemeClr val="tx1"/>
-                    </a:solidFill>
-                    <a:latin typeface="+mn-lt"/>
-                    <a:ea typeface="+mn-ea"/>
-                    <a:cs typeface="+mn-cs"/>
-                  </a:defRPr>
-                </a:lvl9pPr>
-              </a:lstStyle>
-              <a:p>
-                <a:endParaRPr lang="en-US" sz="850">
-                  <a:solidFill>
-                    <a:srgbClr val="000000"/>
-                  </a:solidFill>
-                  <a:latin typeface="Segoe UI" panose="020B0502040204020203" pitchFamily="34" charset="0"/>
-                  <a:cs typeface="Segoe UI" panose="020B0502040204020203" pitchFamily="34" charset="0"/>
-                </a:endParaRPr>
-              </a:p>
-            </p:txBody>
-          </p:sp>
-          <p:sp>
-            <p:nvSpPr>
-              <p:cNvPr id="9" name="Close" descr="&lt;SmartSettings&gt;&lt;SmartResize anchorLeft=&quot;None&quot; anchorTop=&quot;Absolute&quot; anchorRight=&quot;Absolute&quot; anchorBottom=&quot;None&quot; /&gt;&lt;/SmartSettings&gt;">
-                <a:extLst>
-                  <a:ext uri="{FF2B5EF4-FFF2-40B4-BE49-F238E27FC236}">
-                    <a16:creationId xmlns:a16="http://schemas.microsoft.com/office/drawing/2014/main" id="{1E0D1150-5A1C-4449-8010-112666FFEB62}"/>
-                  </a:ext>
-                </a:extLst>
-              </p:cNvPr>
-              <p:cNvSpPr>
-                <a:spLocks noChangeAspect="1"/>
-              </p:cNvSpPr>
-              <p:nvPr>
-                <p:custDataLst>
-                  <p:tags r:id="rId15"/>
-                </p:custDataLst>
-              </p:nvPr>
-            </p:nvSpPr>
-            <p:spPr bwMode="auto">
-              <a:xfrm>
-                <a:off x="7159118" y="1432479"/>
-                <a:ext cx="84164" cy="10428"/>
-              </a:xfrm>
-              <a:custGeom>
-                <a:avLst/>
-                <a:gdLst>
-                  <a:gd name="T0" fmla="*/ 3 w 47"/>
-                  <a:gd name="T1" fmla="*/ 0 h 50"/>
-                  <a:gd name="T2" fmla="*/ 0 w 47"/>
-                  <a:gd name="T3" fmla="*/ 3 h 50"/>
-                  <a:gd name="T4" fmla="*/ 20 w 47"/>
-                  <a:gd name="T5" fmla="*/ 25 h 50"/>
-                  <a:gd name="T6" fmla="*/ 0 w 47"/>
-                  <a:gd name="T7" fmla="*/ 46 h 50"/>
-                  <a:gd name="T8" fmla="*/ 3 w 47"/>
-                  <a:gd name="T9" fmla="*/ 50 h 50"/>
-                  <a:gd name="T10" fmla="*/ 23 w 47"/>
-                  <a:gd name="T11" fmla="*/ 28 h 50"/>
-                  <a:gd name="T12" fmla="*/ 44 w 47"/>
-                  <a:gd name="T13" fmla="*/ 49 h 50"/>
-                  <a:gd name="T14" fmla="*/ 47 w 47"/>
-                  <a:gd name="T15" fmla="*/ 46 h 50"/>
-                  <a:gd name="T16" fmla="*/ 27 w 47"/>
-                  <a:gd name="T17" fmla="*/ 25 h 50"/>
-                  <a:gd name="T18" fmla="*/ 47 w 47"/>
-                  <a:gd name="T19" fmla="*/ 3 h 50"/>
-                  <a:gd name="T20" fmla="*/ 44 w 47"/>
-                  <a:gd name="T21" fmla="*/ 0 h 50"/>
-                  <a:gd name="T22" fmla="*/ 24 w 47"/>
-                  <a:gd name="T23" fmla="*/ 21 h 50"/>
-                  <a:gd name="T24" fmla="*/ 3 w 47"/>
-                  <a:gd name="T25" fmla="*/ 0 h 50"/>
-                </a:gdLst>
-                <a:ahLst/>
-                <a:cxnLst>
-                  <a:cxn ang="0">
-                    <a:pos x="T0" y="T1"/>
-                  </a:cxn>
-                  <a:cxn ang="0">
-                    <a:pos x="T2" y="T3"/>
-                  </a:cxn>
-                  <a:cxn ang="0">
-                    <a:pos x="T4" y="T5"/>
-                  </a:cxn>
-                  <a:cxn ang="0">
-                    <a:pos x="T6" y="T7"/>
-                  </a:cxn>
-                  <a:cxn ang="0">
-                    <a:pos x="T8" y="T9"/>
-                  </a:cxn>
-                  <a:cxn ang="0">
-                    <a:pos x="T10" y="T11"/>
-                  </a:cxn>
-                  <a:cxn ang="0">
-                    <a:pos x="T12" y="T13"/>
-                  </a:cxn>
-                  <a:cxn ang="0">
-                    <a:pos x="T14" y="T15"/>
-                  </a:cxn>
-                  <a:cxn ang="0">
-                    <a:pos x="T16" y="T17"/>
-                  </a:cxn>
-                  <a:cxn ang="0">
-                    <a:pos x="T18" y="T19"/>
-                  </a:cxn>
-                  <a:cxn ang="0">
-                    <a:pos x="T20" y="T21"/>
-                  </a:cxn>
-                  <a:cxn ang="0">
-                    <a:pos x="T22" y="T23"/>
-                  </a:cxn>
-                  <a:cxn ang="0">
-                    <a:pos x="T24" y="T25"/>
-                  </a:cxn>
-                </a:cxnLst>
-                <a:rect l="0" t="0" r="r" b="b"/>
-                <a:pathLst>
-                  <a:path w="47" h="50">
-                    <a:moveTo>
-                      <a:pt x="3" y="0"/>
-                    </a:moveTo>
-                    <a:lnTo>
-                      <a:pt x="0" y="3"/>
-                    </a:lnTo>
-                    <a:lnTo>
-                      <a:pt x="20" y="25"/>
-                    </a:lnTo>
-                    <a:lnTo>
-                      <a:pt x="0" y="46"/>
-                    </a:lnTo>
-                    <a:lnTo>
-                      <a:pt x="3" y="50"/>
-                    </a:lnTo>
-                    <a:lnTo>
-                      <a:pt x="23" y="28"/>
-                    </a:lnTo>
-                    <a:lnTo>
-                      <a:pt x="44" y="49"/>
-                    </a:lnTo>
-                    <a:lnTo>
-                      <a:pt x="47" y="46"/>
-                    </a:lnTo>
-                    <a:lnTo>
-                      <a:pt x="27" y="25"/>
-                    </a:lnTo>
-                    <a:lnTo>
-                      <a:pt x="47" y="3"/>
-                    </a:lnTo>
-                    <a:lnTo>
-                      <a:pt x="44" y="0"/>
-                    </a:lnTo>
-                    <a:lnTo>
-                      <a:pt x="24" y="21"/>
-                    </a:lnTo>
-                    <a:lnTo>
-                      <a:pt x="3" y="0"/>
-                    </a:lnTo>
-                    <a:close/>
-                  </a:path>
-                </a:pathLst>
-              </a:custGeom>
-              <a:solidFill>
-                <a:srgbClr val="000000"/>
-              </a:solidFill>
-              <a:ln w="9525">
-                <a:noFill/>
-                <a:round/>
-                <a:headEnd/>
-                <a:tailEnd/>
-              </a:ln>
-            </p:spPr>
-            <p:txBody>
-              <a:bodyPr vert="horz" wrap="square" lIns="91440" tIns="45720" rIns="91440" bIns="45720" numCol="1" anchor="t" anchorCtr="0" compatLnSpc="1">
-                <a:prstTxWarp prst="textNoShape">
-                  <a:avLst/>
-                </a:prstTxWarp>
-              </a:bodyPr>
-              <a:lstStyle>
-                <a:defPPr>
-                  <a:defRPr lang="en-US"/>
-                </a:defPPr>
-                <a:lvl1pPr marL="0" algn="l" defTabSz="914400" rtl="0" eaLnBrk="1" latinLnBrk="0" hangingPunct="1">
-                  <a:defRPr sz="1800" kern="1200">
-                    <a:solidFill>
-                      <a:schemeClr val="tx1"/>
-                    </a:solidFill>
-                    <a:latin typeface="+mn-lt"/>
-                    <a:ea typeface="+mn-ea"/>
-                    <a:cs typeface="+mn-cs"/>
-                  </a:defRPr>
-                </a:lvl1pPr>
-                <a:lvl2pPr marL="457200" algn="l" defTabSz="914400" rtl="0" eaLnBrk="1" latinLnBrk="0" hangingPunct="1">
-                  <a:defRPr sz="1800" kern="1200">
-                    <a:solidFill>
-                      <a:schemeClr val="tx1"/>
-                    </a:solidFill>
-                    <a:latin typeface="+mn-lt"/>
-                    <a:ea typeface="+mn-ea"/>
-                    <a:cs typeface="+mn-cs"/>
-                  </a:defRPr>
-                </a:lvl2pPr>
-                <a:lvl3pPr marL="914400" algn="l" defTabSz="914400" rtl="0" eaLnBrk="1" latinLnBrk="0" hangingPunct="1">
-                  <a:defRPr sz="1800" kern="1200">
-                    <a:solidFill>
-                      <a:schemeClr val="tx1"/>
-                    </a:solidFill>
-                    <a:latin typeface="+mn-lt"/>
-                    <a:ea typeface="+mn-ea"/>
-                    <a:cs typeface="+mn-cs"/>
-                  </a:defRPr>
-                </a:lvl3pPr>
-                <a:lvl4pPr marL="1371600" algn="l" defTabSz="914400" rtl="0" eaLnBrk="1" latinLnBrk="0" hangingPunct="1">
-                  <a:defRPr sz="1800" kern="1200">
-                    <a:solidFill>
-                      <a:schemeClr val="tx1"/>
-                    </a:solidFill>
-                    <a:latin typeface="+mn-lt"/>
-                    <a:ea typeface="+mn-ea"/>
-                    <a:cs typeface="+mn-cs"/>
-                  </a:defRPr>
-                </a:lvl4pPr>
-                <a:lvl5pPr marL="1828800" algn="l" defTabSz="914400" rtl="0" eaLnBrk="1" latinLnBrk="0" hangingPunct="1">
-                  <a:defRPr sz="1800" kern="1200">
-                    <a:solidFill>
-                      <a:schemeClr val="tx1"/>
-                    </a:solidFill>
-                    <a:latin typeface="+mn-lt"/>
-                    <a:ea typeface="+mn-ea"/>
-                    <a:cs typeface="+mn-cs"/>
-                  </a:defRPr>
-                </a:lvl5pPr>
-                <a:lvl6pPr marL="2286000" algn="l" defTabSz="914400" rtl="0" eaLnBrk="1" latinLnBrk="0" hangingPunct="1">
-                  <a:defRPr sz="1800" kern="1200">
-                    <a:solidFill>
-                      <a:schemeClr val="tx1"/>
-                    </a:solidFill>
-                    <a:latin typeface="+mn-lt"/>
-                    <a:ea typeface="+mn-ea"/>
-                    <a:cs typeface="+mn-cs"/>
-                  </a:defRPr>
-                </a:lvl6pPr>
-                <a:lvl7pPr marL="2743200" algn="l" defTabSz="914400" rtl="0" eaLnBrk="1" latinLnBrk="0" hangingPunct="1">
-                  <a:defRPr sz="1800" kern="1200">
-                    <a:solidFill>
-                      <a:schemeClr val="tx1"/>
-                    </a:solidFill>
-                    <a:latin typeface="+mn-lt"/>
-                    <a:ea typeface="+mn-ea"/>
-                    <a:cs typeface="+mn-cs"/>
-                  </a:defRPr>
-                </a:lvl7pPr>
-                <a:lvl8pPr marL="3200400" algn="l" defTabSz="914400" rtl="0" eaLnBrk="1" latinLnBrk="0" hangingPunct="1">
-                  <a:defRPr sz="1800" kern="1200">
-                    <a:solidFill>
-                      <a:schemeClr val="tx1"/>
-                    </a:solidFill>
-                    <a:latin typeface="+mn-lt"/>
-                    <a:ea typeface="+mn-ea"/>
-                    <a:cs typeface="+mn-cs"/>
-                  </a:defRPr>
-                </a:lvl8pPr>
-                <a:lvl9pPr marL="3657600" algn="l" defTabSz="914400" rtl="0" eaLnBrk="1" latinLnBrk="0" hangingPunct="1">
-                  <a:defRPr sz="1800" kern="1200">
-                    <a:solidFill>
-                      <a:schemeClr val="tx1"/>
-                    </a:solidFill>
-                    <a:latin typeface="+mn-lt"/>
-                    <a:ea typeface="+mn-ea"/>
-                    <a:cs typeface="+mn-cs"/>
-                  </a:defRPr>
-                </a:lvl9pPr>
-              </a:lstStyle>
-              <a:p>
-                <a:endParaRPr lang="en-US" sz="850">
-                  <a:solidFill>
-                    <a:srgbClr val="000000"/>
-                  </a:solidFill>
-                  <a:latin typeface="Segoe UI" panose="020B0502040204020203" pitchFamily="34" charset="0"/>
-                  <a:cs typeface="Segoe UI" panose="020B0502040204020203" pitchFamily="34" charset="0"/>
-                </a:endParaRPr>
-              </a:p>
-            </p:txBody>
-          </p:sp>
-        </p:grpSp>
-        <p:sp>
-          <p:nvSpPr>
-            <p:cNvPr id="5" name="Window Frame" descr="&lt;SmartSettings&gt;&lt;SmartResize anchorLeft=&quot;Absolute&quot; anchorTop=&quot;Absolute&quot; anchorRight=&quot;Absolute&quot; anchorBottom=&quot;Absolute&quot; /&gt;&lt;/SmartSettings&gt;">
-              <a:extLst>
-                <a:ext uri="{FF2B5EF4-FFF2-40B4-BE49-F238E27FC236}">
-                  <a16:creationId xmlns:a16="http://schemas.microsoft.com/office/drawing/2014/main" id="{B4B09DAA-3370-4663-9C86-13AD429D1095}"/>
-                </a:ext>
-              </a:extLst>
-            </p:cNvPr>
-            <p:cNvSpPr/>
+            <p:cNvSpPr>
+              <a:spLocks noChangeAspect="1" noEditPoints="1"/>
+            </p:cNvSpPr>
             <p:nvPr>
               <p:custDataLst>
-                <p:tags r:id="rId11"/>
+                <p:tags r:id="rId13"/>
               </p:custDataLst>
             </p:nvPr>
           </p:nvSpPr>
-          <p:spPr>
+          <p:spPr bwMode="auto">
             <a:xfrm>
-              <a:off x="660251" y="1104556"/>
-              <a:ext cx="6453529" cy="4430727"/>
+              <a:off x="6784856" y="1432687"/>
+              <a:ext cx="82373" cy="10010"/>
             </a:xfrm>
-            <a:prstGeom prst="rect">
+            <a:custGeom>
               <a:avLst/>
-            </a:prstGeom>
-            <a:noFill/>
-            <a:ln w="6350">
-              <a:solidFill>
-                <a:srgbClr val="0078D7"/>
-              </a:solidFill>
+              <a:gdLst>
+                <a:gd name="T0" fmla="*/ 0 w 282"/>
+                <a:gd name="T1" fmla="*/ 0 h 282"/>
+                <a:gd name="T2" fmla="*/ 0 w 282"/>
+                <a:gd name="T3" fmla="*/ 282 h 282"/>
+                <a:gd name="T4" fmla="*/ 282 w 282"/>
+                <a:gd name="T5" fmla="*/ 282 h 282"/>
+                <a:gd name="T6" fmla="*/ 282 w 282"/>
+                <a:gd name="T7" fmla="*/ 0 h 282"/>
+                <a:gd name="T8" fmla="*/ 0 w 282"/>
+                <a:gd name="T9" fmla="*/ 0 h 282"/>
+                <a:gd name="T10" fmla="*/ 28 w 282"/>
+                <a:gd name="T11" fmla="*/ 28 h 282"/>
+                <a:gd name="T12" fmla="*/ 254 w 282"/>
+                <a:gd name="T13" fmla="*/ 28 h 282"/>
+                <a:gd name="T14" fmla="*/ 254 w 282"/>
+                <a:gd name="T15" fmla="*/ 254 h 282"/>
+                <a:gd name="T16" fmla="*/ 28 w 282"/>
+                <a:gd name="T17" fmla="*/ 254 h 282"/>
+                <a:gd name="T18" fmla="*/ 28 w 282"/>
+                <a:gd name="T19" fmla="*/ 28 h 282"/>
+              </a:gdLst>
+              <a:ahLst/>
+              <a:cxnLst>
+                <a:cxn ang="0">
+                  <a:pos x="T0" y="T1"/>
+                </a:cxn>
+                <a:cxn ang="0">
+                  <a:pos x="T2" y="T3"/>
+                </a:cxn>
+                <a:cxn ang="0">
+                  <a:pos x="T4" y="T5"/>
+                </a:cxn>
+                <a:cxn ang="0">
+                  <a:pos x="T6" y="T7"/>
+                </a:cxn>
+                <a:cxn ang="0">
+                  <a:pos x="T8" y="T9"/>
+                </a:cxn>
+                <a:cxn ang="0">
+                  <a:pos x="T10" y="T11"/>
+                </a:cxn>
+                <a:cxn ang="0">
+                  <a:pos x="T12" y="T13"/>
+                </a:cxn>
+                <a:cxn ang="0">
+                  <a:pos x="T14" y="T15"/>
+                </a:cxn>
+                <a:cxn ang="0">
+                  <a:pos x="T16" y="T17"/>
+                </a:cxn>
+                <a:cxn ang="0">
+                  <a:pos x="T18" y="T19"/>
+                </a:cxn>
+              </a:cxnLst>
+              <a:rect l="0" t="0" r="r" b="b"/>
+              <a:pathLst>
+                <a:path w="282" h="282">
+                  <a:moveTo>
+                    <a:pt x="0" y="0"/>
+                  </a:moveTo>
+                  <a:lnTo>
+                    <a:pt x="0" y="282"/>
+                  </a:lnTo>
+                  <a:lnTo>
+                    <a:pt x="282" y="282"/>
+                  </a:lnTo>
+                  <a:lnTo>
+                    <a:pt x="282" y="0"/>
+                  </a:lnTo>
+                  <a:lnTo>
+                    <a:pt x="0" y="0"/>
+                  </a:lnTo>
+                  <a:close/>
+                  <a:moveTo>
+                    <a:pt x="28" y="28"/>
+                  </a:moveTo>
+                  <a:lnTo>
+                    <a:pt x="254" y="28"/>
+                  </a:lnTo>
+                  <a:lnTo>
+                    <a:pt x="254" y="254"/>
+                  </a:lnTo>
+                  <a:lnTo>
+                    <a:pt x="28" y="254"/>
+                  </a:lnTo>
+                  <a:lnTo>
+                    <a:pt x="28" y="28"/>
+                  </a:lnTo>
+                  <a:close/>
+                </a:path>
+              </a:pathLst>
+            </a:custGeom>
+            <a:solidFill>
+              <a:srgbClr val="000000"/>
+            </a:solidFill>
+            <a:ln w="0">
+              <a:noFill/>
+              <a:prstDash val="solid"/>
+              <a:round/>
+              <a:headEnd/>
+              <a:tailEnd/>
             </a:ln>
-            <a:effectLst/>
           </p:spPr>
-          <p:style>
-            <a:lnRef idx="2">
-              <a:schemeClr val="accent1">
-                <a:shade val="50000"/>
-              </a:schemeClr>
-            </a:lnRef>
-            <a:fillRef idx="1">
-              <a:schemeClr val="accent1"/>
-            </a:fillRef>
-            <a:effectRef idx="0">
-              <a:schemeClr val="accent1"/>
-            </a:effectRef>
-            <a:fontRef idx="minor">
-              <a:schemeClr val="lt1"/>
-            </a:fontRef>
-          </p:style>
           <p:txBody>
-            <a:bodyPr tIns="54864" rtlCol="0" anchor="t" anchorCtr="0"/>
+            <a:bodyPr vert="horz" wrap="square" lIns="91440" tIns="45720" rIns="91440" bIns="45720" numCol="1" anchor="t" anchorCtr="0" compatLnSpc="1">
+              <a:prstTxWarp prst="textNoShape">
+                <a:avLst/>
+              </a:prstTxWarp>
+            </a:bodyPr>
             <a:lstStyle>
               <a:defPPr>
                 <a:defRPr lang="en-US"/>
@@ -5218,7 +4779,7 @@
               <a:lvl1pPr marL="0" algn="l" defTabSz="914400" rtl="0" eaLnBrk="1" latinLnBrk="0" hangingPunct="1">
                 <a:defRPr sz="1800" kern="1200">
                   <a:solidFill>
-                    <a:schemeClr val="lt1"/>
+                    <a:schemeClr val="tx1"/>
                   </a:solidFill>
                   <a:latin typeface="+mn-lt"/>
                   <a:ea typeface="+mn-ea"/>
@@ -5228,7 +4789,7 @@
               <a:lvl2pPr marL="457200" algn="l" defTabSz="914400" rtl="0" eaLnBrk="1" latinLnBrk="0" hangingPunct="1">
                 <a:defRPr sz="1800" kern="1200">
                   <a:solidFill>
-                    <a:schemeClr val="lt1"/>
+                    <a:schemeClr val="tx1"/>
                   </a:solidFill>
                   <a:latin typeface="+mn-lt"/>
                   <a:ea typeface="+mn-ea"/>
@@ -5238,7 +4799,7 @@
               <a:lvl3pPr marL="914400" algn="l" defTabSz="914400" rtl="0" eaLnBrk="1" latinLnBrk="0" hangingPunct="1">
                 <a:defRPr sz="1800" kern="1200">
                   <a:solidFill>
-                    <a:schemeClr val="lt1"/>
+                    <a:schemeClr val="tx1"/>
                   </a:solidFill>
                   <a:latin typeface="+mn-lt"/>
                   <a:ea typeface="+mn-ea"/>
@@ -5248,7 +4809,7 @@
               <a:lvl4pPr marL="1371600" algn="l" defTabSz="914400" rtl="0" eaLnBrk="1" latinLnBrk="0" hangingPunct="1">
                 <a:defRPr sz="1800" kern="1200">
                   <a:solidFill>
-                    <a:schemeClr val="lt1"/>
+                    <a:schemeClr val="tx1"/>
                   </a:solidFill>
                   <a:latin typeface="+mn-lt"/>
                   <a:ea typeface="+mn-ea"/>
@@ -5258,7 +4819,7 @@
               <a:lvl5pPr marL="1828800" algn="l" defTabSz="914400" rtl="0" eaLnBrk="1" latinLnBrk="0" hangingPunct="1">
                 <a:defRPr sz="1800" kern="1200">
                   <a:solidFill>
-                    <a:schemeClr val="lt1"/>
+                    <a:schemeClr val="tx1"/>
                   </a:solidFill>
                   <a:latin typeface="+mn-lt"/>
                   <a:ea typeface="+mn-ea"/>
@@ -5268,7 +4829,7 @@
               <a:lvl6pPr marL="2286000" algn="l" defTabSz="914400" rtl="0" eaLnBrk="1" latinLnBrk="0" hangingPunct="1">
                 <a:defRPr sz="1800" kern="1200">
                   <a:solidFill>
-                    <a:schemeClr val="lt1"/>
+                    <a:schemeClr val="tx1"/>
                   </a:solidFill>
                   <a:latin typeface="+mn-lt"/>
                   <a:ea typeface="+mn-ea"/>
@@ -5278,7 +4839,7 @@
               <a:lvl7pPr marL="2743200" algn="l" defTabSz="914400" rtl="0" eaLnBrk="1" latinLnBrk="0" hangingPunct="1">
                 <a:defRPr sz="1800" kern="1200">
                   <a:solidFill>
-                    <a:schemeClr val="lt1"/>
+                    <a:schemeClr val="tx1"/>
                   </a:solidFill>
                   <a:latin typeface="+mn-lt"/>
                   <a:ea typeface="+mn-ea"/>
@@ -5288,7 +4849,7 @@
               <a:lvl8pPr marL="3200400" algn="l" defTabSz="914400" rtl="0" eaLnBrk="1" latinLnBrk="0" hangingPunct="1">
                 <a:defRPr sz="1800" kern="1200">
                   <a:solidFill>
-                    <a:schemeClr val="lt1"/>
+                    <a:schemeClr val="tx1"/>
                   </a:solidFill>
                   <a:latin typeface="+mn-lt"/>
                   <a:ea typeface="+mn-ea"/>
@@ -5298,7 +4859,7 @@
               <a:lvl9pPr marL="3657600" algn="l" defTabSz="914400" rtl="0" eaLnBrk="1" latinLnBrk="0" hangingPunct="1">
                 <a:defRPr sz="1800" kern="1200">
                   <a:solidFill>
-                    <a:schemeClr val="lt1"/>
+                    <a:schemeClr val="tx1"/>
                   </a:solidFill>
                   <a:latin typeface="+mn-lt"/>
                   <a:ea typeface="+mn-ea"/>
@@ -5307,7 +4868,270 @@
               </a:lvl9pPr>
             </a:lstStyle>
             <a:p>
-              <a:endParaRPr lang="en-US" sz="680" dirty="0">
+              <a:endParaRPr lang="en-US" sz="850">
+                <a:solidFill>
+                  <a:srgbClr val="000000"/>
+                </a:solidFill>
+                <a:latin typeface="Segoe UI" panose="020B0502040204020203" pitchFamily="34" charset="0"/>
+                <a:cs typeface="Segoe UI" panose="020B0502040204020203" pitchFamily="34" charset="0"/>
+              </a:endParaRPr>
+            </a:p>
+          </p:txBody>
+        </p:sp>
+        <p:sp>
+          <p:nvSpPr>
+            <p:cNvPr id="9" name="Close" descr="&lt;SmartSettings&gt;&lt;SmartResize anchorLeft=&quot;None&quot; anchorTop=&quot;Absolute&quot; anchorRight=&quot;Absolute&quot; anchorBottom=&quot;None&quot; /&gt;&lt;/SmartSettings&gt;">
+              <a:extLst>
+                <a:ext uri="{FF2B5EF4-FFF2-40B4-BE49-F238E27FC236}">
+                  <a16:creationId xmlns:a16="http://schemas.microsoft.com/office/drawing/2014/main" id="{1E0D1150-5A1C-4449-8010-112666FFEB62}"/>
+                </a:ext>
+              </a:extLst>
+            </p:cNvPr>
+            <p:cNvSpPr>
+              <a:spLocks noChangeAspect="1"/>
+            </p:cNvSpPr>
+            <p:nvPr>
+              <p:custDataLst>
+                <p:tags r:id="rId14"/>
+              </p:custDataLst>
+            </p:nvPr>
+          </p:nvSpPr>
+          <p:spPr bwMode="auto">
+            <a:xfrm>
+              <a:off x="7159118" y="1432479"/>
+              <a:ext cx="84164" cy="10428"/>
+            </a:xfrm>
+            <a:custGeom>
+              <a:avLst/>
+              <a:gdLst>
+                <a:gd name="T0" fmla="*/ 3 w 47"/>
+                <a:gd name="T1" fmla="*/ 0 h 50"/>
+                <a:gd name="T2" fmla="*/ 0 w 47"/>
+                <a:gd name="T3" fmla="*/ 3 h 50"/>
+                <a:gd name="T4" fmla="*/ 20 w 47"/>
+                <a:gd name="T5" fmla="*/ 25 h 50"/>
+                <a:gd name="T6" fmla="*/ 0 w 47"/>
+                <a:gd name="T7" fmla="*/ 46 h 50"/>
+                <a:gd name="T8" fmla="*/ 3 w 47"/>
+                <a:gd name="T9" fmla="*/ 50 h 50"/>
+                <a:gd name="T10" fmla="*/ 23 w 47"/>
+                <a:gd name="T11" fmla="*/ 28 h 50"/>
+                <a:gd name="T12" fmla="*/ 44 w 47"/>
+                <a:gd name="T13" fmla="*/ 49 h 50"/>
+                <a:gd name="T14" fmla="*/ 47 w 47"/>
+                <a:gd name="T15" fmla="*/ 46 h 50"/>
+                <a:gd name="T16" fmla="*/ 27 w 47"/>
+                <a:gd name="T17" fmla="*/ 25 h 50"/>
+                <a:gd name="T18" fmla="*/ 47 w 47"/>
+                <a:gd name="T19" fmla="*/ 3 h 50"/>
+                <a:gd name="T20" fmla="*/ 44 w 47"/>
+                <a:gd name="T21" fmla="*/ 0 h 50"/>
+                <a:gd name="T22" fmla="*/ 24 w 47"/>
+                <a:gd name="T23" fmla="*/ 21 h 50"/>
+                <a:gd name="T24" fmla="*/ 3 w 47"/>
+                <a:gd name="T25" fmla="*/ 0 h 50"/>
+              </a:gdLst>
+              <a:ahLst/>
+              <a:cxnLst>
+                <a:cxn ang="0">
+                  <a:pos x="T0" y="T1"/>
+                </a:cxn>
+                <a:cxn ang="0">
+                  <a:pos x="T2" y="T3"/>
+                </a:cxn>
+                <a:cxn ang="0">
+                  <a:pos x="T4" y="T5"/>
+                </a:cxn>
+                <a:cxn ang="0">
+                  <a:pos x="T6" y="T7"/>
+                </a:cxn>
+                <a:cxn ang="0">
+                  <a:pos x="T8" y="T9"/>
+                </a:cxn>
+                <a:cxn ang="0">
+                  <a:pos x="T10" y="T11"/>
+                </a:cxn>
+                <a:cxn ang="0">
+                  <a:pos x="T12" y="T13"/>
+                </a:cxn>
+                <a:cxn ang="0">
+                  <a:pos x="T14" y="T15"/>
+                </a:cxn>
+                <a:cxn ang="0">
+                  <a:pos x="T16" y="T17"/>
+                </a:cxn>
+                <a:cxn ang="0">
+                  <a:pos x="T18" y="T19"/>
+                </a:cxn>
+                <a:cxn ang="0">
+                  <a:pos x="T20" y="T21"/>
+                </a:cxn>
+                <a:cxn ang="0">
+                  <a:pos x="T22" y="T23"/>
+                </a:cxn>
+                <a:cxn ang="0">
+                  <a:pos x="T24" y="T25"/>
+                </a:cxn>
+              </a:cxnLst>
+              <a:rect l="0" t="0" r="r" b="b"/>
+              <a:pathLst>
+                <a:path w="47" h="50">
+                  <a:moveTo>
+                    <a:pt x="3" y="0"/>
+                  </a:moveTo>
+                  <a:lnTo>
+                    <a:pt x="0" y="3"/>
+                  </a:lnTo>
+                  <a:lnTo>
+                    <a:pt x="20" y="25"/>
+                  </a:lnTo>
+                  <a:lnTo>
+                    <a:pt x="0" y="46"/>
+                  </a:lnTo>
+                  <a:lnTo>
+                    <a:pt x="3" y="50"/>
+                  </a:lnTo>
+                  <a:lnTo>
+                    <a:pt x="23" y="28"/>
+                  </a:lnTo>
+                  <a:lnTo>
+                    <a:pt x="44" y="49"/>
+                  </a:lnTo>
+                  <a:lnTo>
+                    <a:pt x="47" y="46"/>
+                  </a:lnTo>
+                  <a:lnTo>
+                    <a:pt x="27" y="25"/>
+                  </a:lnTo>
+                  <a:lnTo>
+                    <a:pt x="47" y="3"/>
+                  </a:lnTo>
+                  <a:lnTo>
+                    <a:pt x="44" y="0"/>
+                  </a:lnTo>
+                  <a:lnTo>
+                    <a:pt x="24" y="21"/>
+                  </a:lnTo>
+                  <a:lnTo>
+                    <a:pt x="3" y="0"/>
+                  </a:lnTo>
+                  <a:close/>
+                </a:path>
+              </a:pathLst>
+            </a:custGeom>
+            <a:solidFill>
+              <a:srgbClr val="000000"/>
+            </a:solidFill>
+            <a:ln w="9525">
+              <a:noFill/>
+              <a:round/>
+              <a:headEnd/>
+              <a:tailEnd/>
+            </a:ln>
+          </p:spPr>
+          <p:txBody>
+            <a:bodyPr vert="horz" wrap="square" lIns="91440" tIns="45720" rIns="91440" bIns="45720" numCol="1" anchor="t" anchorCtr="0" compatLnSpc="1">
+              <a:prstTxWarp prst="textNoShape">
+                <a:avLst/>
+              </a:prstTxWarp>
+            </a:bodyPr>
+            <a:lstStyle>
+              <a:defPPr>
+                <a:defRPr lang="en-US"/>
+              </a:defPPr>
+              <a:lvl1pPr marL="0" algn="l" defTabSz="914400" rtl="0" eaLnBrk="1" latinLnBrk="0" hangingPunct="1">
+                <a:defRPr sz="1800" kern="1200">
+                  <a:solidFill>
+                    <a:schemeClr val="tx1"/>
+                  </a:solidFill>
+                  <a:latin typeface="+mn-lt"/>
+                  <a:ea typeface="+mn-ea"/>
+                  <a:cs typeface="+mn-cs"/>
+                </a:defRPr>
+              </a:lvl1pPr>
+              <a:lvl2pPr marL="457200" algn="l" defTabSz="914400" rtl="0" eaLnBrk="1" latinLnBrk="0" hangingPunct="1">
+                <a:defRPr sz="1800" kern="1200">
+                  <a:solidFill>
+                    <a:schemeClr val="tx1"/>
+                  </a:solidFill>
+                  <a:latin typeface="+mn-lt"/>
+                  <a:ea typeface="+mn-ea"/>
+                  <a:cs typeface="+mn-cs"/>
+                </a:defRPr>
+              </a:lvl2pPr>
+              <a:lvl3pPr marL="914400" algn="l" defTabSz="914400" rtl="0" eaLnBrk="1" latinLnBrk="0" hangingPunct="1">
+                <a:defRPr sz="1800" kern="1200">
+                  <a:solidFill>
+                    <a:schemeClr val="tx1"/>
+                  </a:solidFill>
+                  <a:latin typeface="+mn-lt"/>
+                  <a:ea typeface="+mn-ea"/>
+                  <a:cs typeface="+mn-cs"/>
+                </a:defRPr>
+              </a:lvl3pPr>
+              <a:lvl4pPr marL="1371600" algn="l" defTabSz="914400" rtl="0" eaLnBrk="1" latinLnBrk="0" hangingPunct="1">
+                <a:defRPr sz="1800" kern="1200">
+                  <a:solidFill>
+                    <a:schemeClr val="tx1"/>
+                  </a:solidFill>
+                  <a:latin typeface="+mn-lt"/>
+                  <a:ea typeface="+mn-ea"/>
+                  <a:cs typeface="+mn-cs"/>
+                </a:defRPr>
+              </a:lvl4pPr>
+              <a:lvl5pPr marL="1828800" algn="l" defTabSz="914400" rtl="0" eaLnBrk="1" latinLnBrk="0" hangingPunct="1">
+                <a:defRPr sz="1800" kern="1200">
+                  <a:solidFill>
+                    <a:schemeClr val="tx1"/>
+                  </a:solidFill>
+                  <a:latin typeface="+mn-lt"/>
+                  <a:ea typeface="+mn-ea"/>
+                  <a:cs typeface="+mn-cs"/>
+                </a:defRPr>
+              </a:lvl5pPr>
+              <a:lvl6pPr marL="2286000" algn="l" defTabSz="914400" rtl="0" eaLnBrk="1" latinLnBrk="0" hangingPunct="1">
+                <a:defRPr sz="1800" kern="1200">
+                  <a:solidFill>
+                    <a:schemeClr val="tx1"/>
+                  </a:solidFill>
+                  <a:latin typeface="+mn-lt"/>
+                  <a:ea typeface="+mn-ea"/>
+                  <a:cs typeface="+mn-cs"/>
+                </a:defRPr>
+              </a:lvl6pPr>
+              <a:lvl7pPr marL="2743200" algn="l" defTabSz="914400" rtl="0" eaLnBrk="1" latinLnBrk="0" hangingPunct="1">
+                <a:defRPr sz="1800" kern="1200">
+                  <a:solidFill>
+                    <a:schemeClr val="tx1"/>
+                  </a:solidFill>
+                  <a:latin typeface="+mn-lt"/>
+                  <a:ea typeface="+mn-ea"/>
+                  <a:cs typeface="+mn-cs"/>
+                </a:defRPr>
+              </a:lvl7pPr>
+              <a:lvl8pPr marL="3200400" algn="l" defTabSz="914400" rtl="0" eaLnBrk="1" latinLnBrk="0" hangingPunct="1">
+                <a:defRPr sz="1800" kern="1200">
+                  <a:solidFill>
+                    <a:schemeClr val="tx1"/>
+                  </a:solidFill>
+                  <a:latin typeface="+mn-lt"/>
+                  <a:ea typeface="+mn-ea"/>
+                  <a:cs typeface="+mn-cs"/>
+                </a:defRPr>
+              </a:lvl8pPr>
+              <a:lvl9pPr marL="3657600" algn="l" defTabSz="914400" rtl="0" eaLnBrk="1" latinLnBrk="0" hangingPunct="1">
+                <a:defRPr sz="1800" kern="1200">
+                  <a:solidFill>
+                    <a:schemeClr val="tx1"/>
+                  </a:solidFill>
+                  <a:latin typeface="+mn-lt"/>
+                  <a:ea typeface="+mn-ea"/>
+                  <a:cs typeface="+mn-cs"/>
+                </a:defRPr>
+              </a:lvl9pPr>
+            </a:lstStyle>
+            <a:p>
+              <a:endParaRPr lang="en-US" sz="850">
                 <a:solidFill>
                   <a:srgbClr val="000000"/>
                 </a:solidFill>
@@ -5318,6 +5142,162 @@
           </p:txBody>
         </p:sp>
       </p:grpSp>
+      <p:sp>
+        <p:nvSpPr>
+          <p:cNvPr id="5" name="Window Frame" descr="&lt;SmartSettings&gt;&lt;SmartResize anchorLeft=&quot;Absolute&quot; anchorTop=&quot;Absolute&quot; anchorRight=&quot;Absolute&quot; anchorBottom=&quot;Absolute&quot; /&gt;&lt;/SmartSettings&gt;">
+            <a:extLst>
+              <a:ext uri="{FF2B5EF4-FFF2-40B4-BE49-F238E27FC236}">
+                <a16:creationId xmlns:a16="http://schemas.microsoft.com/office/drawing/2014/main" id="{B4B09DAA-3370-4663-9C86-13AD429D1095}"/>
+              </a:ext>
+            </a:extLst>
+          </p:cNvPr>
+          <p:cNvSpPr/>
+          <p:nvPr>
+            <p:custDataLst>
+              <p:tags r:id="rId2"/>
+            </p:custDataLst>
+          </p:nvPr>
+        </p:nvSpPr>
+        <p:spPr>
+          <a:xfrm>
+            <a:off x="5451660" y="1157604"/>
+            <a:ext cx="5675211" cy="4157976"/>
+          </a:xfrm>
+          <a:prstGeom prst="rect">
+            <a:avLst/>
+          </a:prstGeom>
+          <a:noFill/>
+          <a:ln w="6350">
+            <a:solidFill>
+              <a:srgbClr val="0078D7"/>
+            </a:solidFill>
+          </a:ln>
+          <a:effectLst/>
+        </p:spPr>
+        <p:style>
+          <a:lnRef idx="2">
+            <a:schemeClr val="accent1">
+              <a:shade val="50000"/>
+            </a:schemeClr>
+          </a:lnRef>
+          <a:fillRef idx="1">
+            <a:schemeClr val="accent1"/>
+          </a:fillRef>
+          <a:effectRef idx="0">
+            <a:schemeClr val="accent1"/>
+          </a:effectRef>
+          <a:fontRef idx="minor">
+            <a:schemeClr val="lt1"/>
+          </a:fontRef>
+        </p:style>
+        <p:txBody>
+          <a:bodyPr tIns="54864" rtlCol="0" anchor="t" anchorCtr="0"/>
+          <a:lstStyle>
+            <a:defPPr>
+              <a:defRPr lang="en-US"/>
+            </a:defPPr>
+            <a:lvl1pPr marL="0" algn="l" defTabSz="914400" rtl="0" eaLnBrk="1" latinLnBrk="0" hangingPunct="1">
+              <a:defRPr sz="1800" kern="1200">
+                <a:solidFill>
+                  <a:schemeClr val="lt1"/>
+                </a:solidFill>
+                <a:latin typeface="+mn-lt"/>
+                <a:ea typeface="+mn-ea"/>
+                <a:cs typeface="+mn-cs"/>
+              </a:defRPr>
+            </a:lvl1pPr>
+            <a:lvl2pPr marL="457200" algn="l" defTabSz="914400" rtl="0" eaLnBrk="1" latinLnBrk="0" hangingPunct="1">
+              <a:defRPr sz="1800" kern="1200">
+                <a:solidFill>
+                  <a:schemeClr val="lt1"/>
+                </a:solidFill>
+                <a:latin typeface="+mn-lt"/>
+                <a:ea typeface="+mn-ea"/>
+                <a:cs typeface="+mn-cs"/>
+              </a:defRPr>
+            </a:lvl2pPr>
+            <a:lvl3pPr marL="914400" algn="l" defTabSz="914400" rtl="0" eaLnBrk="1" latinLnBrk="0" hangingPunct="1">
+              <a:defRPr sz="1800" kern="1200">
+                <a:solidFill>
+                  <a:schemeClr val="lt1"/>
+                </a:solidFill>
+                <a:latin typeface="+mn-lt"/>
+                <a:ea typeface="+mn-ea"/>
+                <a:cs typeface="+mn-cs"/>
+              </a:defRPr>
+            </a:lvl3pPr>
+            <a:lvl4pPr marL="1371600" algn="l" defTabSz="914400" rtl="0" eaLnBrk="1" latinLnBrk="0" hangingPunct="1">
+              <a:defRPr sz="1800" kern="1200">
+                <a:solidFill>
+                  <a:schemeClr val="lt1"/>
+                </a:solidFill>
+                <a:latin typeface="+mn-lt"/>
+                <a:ea typeface="+mn-ea"/>
+                <a:cs typeface="+mn-cs"/>
+              </a:defRPr>
+            </a:lvl4pPr>
+            <a:lvl5pPr marL="1828800" algn="l" defTabSz="914400" rtl="0" eaLnBrk="1" latinLnBrk="0" hangingPunct="1">
+              <a:defRPr sz="1800" kern="1200">
+                <a:solidFill>
+                  <a:schemeClr val="lt1"/>
+                </a:solidFill>
+                <a:latin typeface="+mn-lt"/>
+                <a:ea typeface="+mn-ea"/>
+                <a:cs typeface="+mn-cs"/>
+              </a:defRPr>
+            </a:lvl5pPr>
+            <a:lvl6pPr marL="2286000" algn="l" defTabSz="914400" rtl="0" eaLnBrk="1" latinLnBrk="0" hangingPunct="1">
+              <a:defRPr sz="1800" kern="1200">
+                <a:solidFill>
+                  <a:schemeClr val="lt1"/>
+                </a:solidFill>
+                <a:latin typeface="+mn-lt"/>
+                <a:ea typeface="+mn-ea"/>
+                <a:cs typeface="+mn-cs"/>
+              </a:defRPr>
+            </a:lvl6pPr>
+            <a:lvl7pPr marL="2743200" algn="l" defTabSz="914400" rtl="0" eaLnBrk="1" latinLnBrk="0" hangingPunct="1">
+              <a:defRPr sz="1800" kern="1200">
+                <a:solidFill>
+                  <a:schemeClr val="lt1"/>
+                </a:solidFill>
+                <a:latin typeface="+mn-lt"/>
+                <a:ea typeface="+mn-ea"/>
+                <a:cs typeface="+mn-cs"/>
+              </a:defRPr>
+            </a:lvl7pPr>
+            <a:lvl8pPr marL="3200400" algn="l" defTabSz="914400" rtl="0" eaLnBrk="1" latinLnBrk="0" hangingPunct="1">
+              <a:defRPr sz="1800" kern="1200">
+                <a:solidFill>
+                  <a:schemeClr val="lt1"/>
+                </a:solidFill>
+                <a:latin typeface="+mn-lt"/>
+                <a:ea typeface="+mn-ea"/>
+                <a:cs typeface="+mn-cs"/>
+              </a:defRPr>
+            </a:lvl8pPr>
+            <a:lvl9pPr marL="3657600" algn="l" defTabSz="914400" rtl="0" eaLnBrk="1" latinLnBrk="0" hangingPunct="1">
+              <a:defRPr sz="1800" kern="1200">
+                <a:solidFill>
+                  <a:schemeClr val="lt1"/>
+                </a:solidFill>
+                <a:latin typeface="+mn-lt"/>
+                <a:ea typeface="+mn-ea"/>
+                <a:cs typeface="+mn-cs"/>
+              </a:defRPr>
+            </a:lvl9pPr>
+          </a:lstStyle>
+          <a:p>
+            <a:endParaRPr lang="en-US" sz="680" dirty="0">
+              <a:solidFill>
+                <a:srgbClr val="000000"/>
+              </a:solidFill>
+              <a:latin typeface="Segoe UI" panose="020B0502040204020203" pitchFamily="34" charset="0"/>
+              <a:cs typeface="Segoe UI" panose="020B0502040204020203" pitchFamily="34" charset="0"/>
+            </a:endParaRPr>
+          </a:p>
+        </p:txBody>
+      </p:sp>
       <p:grpSp>
         <p:nvGrpSpPr>
           <p:cNvPr id="56" name="Checkbox" descr="&lt;SmartSettings&gt;&lt;SmartOptions&gt;&lt;Code&gt;H4sIAAAAAAAEAO29B2AcSZYlJi9tynt/SvVK1+B0oQiAYBMk2JBAEOzBiM3mkuwdaUcjKasqgcplVmVdZhZAzO2dvPfee++999577733ujudTif33/8/XGZkAWz2zkrayZ4hgKrIHz9+fB8/ItZNsbxIvyimddVU5+34y/PzYpqPz5ZtXler8cvqKq9fVsWyPfyNE2n7+rpp80Xnz/FJVZb5tC2qZTP+PF/mdTHtNnm1XrbFwsJ+ndeX1FXTbfYmf+c6++66PGe8GJEvqunb9Wr8epHV7em7Nl821J/AO8+m+dd7i1BftnVVOkTe7/XTy3zZ4uXfOFlmi7xZ0Ydp2Po3Tn7xb5yk9KzWk7KYptMyaxpp8+WKaZY+Cv58kjW5vKEv8st1cZm1ecodfjtbzsq8/m6drVZ5nU7n+fRtPjuZZ8uLfOa3SD9Ll+uyZPwsJEGjuszrupjl6aSqyvRsWbRbZz4Wz6p6kTadD0bp2fFqlVK3dxxAD0s8E0J/zPD6b+PFABk8QvetE4ziSfXu9Txb5Y0Myv1JA8mv0rDNFoEbv87BevlMPpIuPOQiCOIpztOtsIfxWWOh08xNi7IDZQASnrt3mYBFVhY/0Ok3U3tO446/dGa6s0OlQXZJNj6ezUy7rY/4t3z2EWgYA2kAjbUhAYwPMp/1ZsE8NJbjts2m8zQHI6Vz4aQNHQ5yHk1YhF3tRP/+ioq+fdtBafP0Ex1ctPux/8fgWOu8XdfLtK3XeaTzXxJ+9Eu6UPTt86xs/NeDdkZsL6tiZrm3M/CtavLTxMJpky9neT0Smh3XF02aD0tZnHsYQpo17uve2H3OT39X0Q83y0tbX99aGpjVXmFohJAvnIRhX2IHZj3aIZ6BTvEQ6361moHc7Zz6Bvjhxl9f64SDimoc/9mAMJ4hAfVk13D+IB+bhwjwRfaWhr6uDe1JkaRFQ7zatFVNULNzMl1Em+qKhn93XsxABSZVsxl2OGqdxK2e73BCvYy/aKo3dfG6pakYL/D7Oh+SbjwdQbvh4/NimZXl+3PHF1lN4yzHrwhzMlEn1eJLlrvOfA4hGsEm8tE0a0lzbp2+m+asxNP83e3NCITjeXVxAfVV11W99dGzrChp0toqXQtjW6nnKRt/NEIHt9Jd3q/uj7vEMY+b9YKszvVR+LFxLsiAiTgplZRZxh0gd/tQjO4Th6cjaI/Ss6dFs6qabFJ6UtqhjAFhvA7nz8RaMWiRGvk14v1we/GAOmLtqy37a9ThwRPTkfOiGQuS9G9UWOElPKurhetry/XVnceewRmYLfPV53nbpFfznGZLp0xInU3bNSQmneRlRdJO3JQJlcj3e+dNpO0jMpl4lG7iMHa9pRvJc5G36S82RtObJLVBhzfa29sMvzonRu2QwQ4VilBdhg8bdT67zWhvLfdKkx5J01/4C+Mv4HEUHP9k0RQkRelnn/VjuSF9fLPOwNO8xyjgWNzGh8azQU3HxpVeZuU6T3+P4bfw3Hrs6aNvANCzjtvnPzfbih5zK5exnyiKMd+6WeWckCmrtz5UcbjYpWGBuTKqnzQVf3BRkEuaunRA3wbYXoaEyPeDI1owqnzfZ/z978CPDhaEI+LqmkdEMArnfVzfsM/xm+vVZqnkYaMVOOrzulqvSOY9ClBDypsAxC6+YO8ZX37VFiVSLe0LSjr4JgRNJUwkfffR+0sf46Am+gK/n1FWBn6wh9Pn9vMNPh0o4QGIBxr+c4ObPBgPmOeG9/HAldkC+xY0oN1D+vH4M2+UQmz6+JNPNuBpnlv0h0dsHFMv9Tv7XvH9DdTzHzY802ypfqvxbAaC1thzI+3Mc8sx4bGc/p5M/qzOc+REbkFh87wHVnhsgKuUEs6zcjWGyDgxGZKRoec9kcETOKSMwy3nzX/6DNDNO9zmGQipYs8tm96y2cagrfu8B415skPSvOeEDoeFDOyWBL4FGW5ocsPXtyLgLQg3OFynmm4a8wZMbx/JD8fOJ19+8c2Hz4VLz/7inV9CfzZttqRUPbs43dCWo+oRAgpora07rDLiTgaeuBOG5wMjmlc5xzLwwB43OQUydX7+2UfWw2ZkP7p7ZEfzdf0xHUDYIkLkjmYdtukDEzTIew7oxiSw0XyRFACejTkP/fFL/h/lZs938xoAAA==&lt;/Code&gt;&lt;CodeSignature&gt;d3kCEg6CNVFi2DvMhF9orNSR8JigTVVnr1qA2qGxMwPGndM9hx5SlO3leKxzALstVHwTTJXX2kvwsxUB1cG0Qf4/Kk7Y93Iss4hkBE2rfol7iCQWS+vXaXYLtrJhhcemPIz0Bza94C3z/zAImSF8yPngEcj5H3c6fcqj4bWdCATNk6iT0WDJhky0sBjiyFo36TcPmNUN86tBx3FRsMeeuTXe/nHKkuGDI6ELGSA2v97RHo3LlQ0EWbYoO8JODgX3HFYwd7t6G/Qfv9jY/ZbP6J8IaSXGbRDUtXTW4m2i3nhgNC2znqNKGFqQHhbJmMxKGKCWLKRTI3/u5FOvu6CngQ==&lt;/CodeSignature&gt;&lt;/SmartOptions&gt;&lt;SmartResize enabled=&quot;True&quot; minWidth=&quot;10.4&quot; minHeight=&quot;10.4&quot; /&gt;&lt;/SmartSettings&gt;">
@@ -5330,7 +5310,7 @@
           <p:cNvGrpSpPr/>
           <p:nvPr>
             <p:custDataLst>
-              <p:tags r:id="rId2"/>
+              <p:tags r:id="rId3"/>
             </p:custDataLst>
           </p:nvPr>
         </p:nvGrpSpPr>
@@ -6054,7 +6034,7 @@
             <p:cNvGrpSpPr/>
             <p:nvPr>
               <p:custDataLst>
-                <p:tags r:id="rId9"/>
+                <p:tags r:id="rId10"/>
               </p:custDataLst>
             </p:nvPr>
           </p:nvGrpSpPr>
@@ -6857,173 +6837,79 @@
           </a:p>
         </p:txBody>
       </p:sp>
-      <p:grpSp>
-        <p:nvGrpSpPr>
-          <p:cNvPr id="115" name="그룹 114">
+      <p:sp>
+        <p:nvSpPr>
+          <p:cNvPr id="116" name="직사각형 115">
             <a:extLst>
               <a:ext uri="{FF2B5EF4-FFF2-40B4-BE49-F238E27FC236}">
-                <a16:creationId xmlns:a16="http://schemas.microsoft.com/office/drawing/2014/main" id="{C590FEC1-D42A-4AA2-8AD2-6498DD185A0D}"/>
+                <a16:creationId xmlns:a16="http://schemas.microsoft.com/office/drawing/2014/main" id="{97611B82-3D24-4FF3-8326-DE4CEB1BEC3B}"/>
               </a:ext>
             </a:extLst>
           </p:cNvPr>
-          <p:cNvGrpSpPr/>
+          <p:cNvSpPr/>
           <p:nvPr/>
-        </p:nvGrpSpPr>
-        <p:grpSpPr>
+        </p:nvSpPr>
+        <p:spPr>
           <a:xfrm>
             <a:off x="5617506" y="3821786"/>
-            <a:ext cx="1487005" cy="949661"/>
-            <a:chOff x="2150348" y="1976224"/>
-            <a:chExt cx="1794061" cy="949661"/>
+            <a:ext cx="549685" cy="949661"/>
           </a:xfrm>
-        </p:grpSpPr>
-        <p:sp>
-          <p:nvSpPr>
-            <p:cNvPr id="116" name="직사각형 115">
-              <a:extLst>
-                <a:ext uri="{FF2B5EF4-FFF2-40B4-BE49-F238E27FC236}">
-                  <a16:creationId xmlns:a16="http://schemas.microsoft.com/office/drawing/2014/main" id="{97611B82-3D24-4FF3-8326-DE4CEB1BEC3B}"/>
-                </a:ext>
-              </a:extLst>
-            </p:cNvPr>
-            <p:cNvSpPr/>
-            <p:nvPr/>
-          </p:nvSpPr>
-          <p:spPr>
-            <a:xfrm>
-              <a:off x="2150348" y="1976224"/>
-              <a:ext cx="663191" cy="949661"/>
-            </a:xfrm>
-            <a:prstGeom prst="rect">
-              <a:avLst/>
-            </a:prstGeom>
+          <a:prstGeom prst="rect">
+            <a:avLst/>
+          </a:prstGeom>
+          <a:noFill/>
+          <a:ln>
             <a:noFill/>
-            <a:ln>
-              <a:noFill/>
-            </a:ln>
-          </p:spPr>
-          <p:style>
-            <a:lnRef idx="0">
-              <a:scrgbClr r="0" g="0" b="0"/>
-            </a:lnRef>
-            <a:fillRef idx="0">
-              <a:scrgbClr r="0" g="0" b="0"/>
-            </a:fillRef>
-            <a:effectRef idx="0">
-              <a:scrgbClr r="0" g="0" b="0"/>
-            </a:effectRef>
-            <a:fontRef idx="minor">
-              <a:schemeClr val="dk1"/>
-            </a:fontRef>
-          </p:style>
-          <p:txBody>
-            <a:bodyPr rtlCol="0" anchor="ctr"/>
-            <a:lstStyle/>
-            <a:p>
-              <a:pPr algn="ctr"/>
-              <a:r>
-                <a:rPr lang="en-US" altLang="ko-KR" sz="1400" dirty="0"/>
-                <a:t>R  </a:t>
-              </a:r>
-            </a:p>
-            <a:p>
-              <a:pPr algn="ctr"/>
-              <a:r>
-                <a:rPr lang="en-US" altLang="ko-KR" sz="1400" dirty="0"/>
-                <a:t>G</a:t>
-              </a:r>
-            </a:p>
-            <a:p>
-              <a:pPr algn="ctr"/>
-              <a:r>
-                <a:rPr lang="en-US" altLang="ko-KR" sz="1400" dirty="0"/>
-                <a:t>B</a:t>
-              </a:r>
-            </a:p>
-            <a:p>
-              <a:pPr algn="ctr"/>
-              <a:r>
-                <a:rPr lang="en-US" altLang="ko-KR" sz="1400" dirty="0"/>
-                <a:t>Hex</a:t>
-              </a:r>
-              <a:endParaRPr lang="ko-KR" altLang="en-US" sz="1400" dirty="0"/>
-            </a:p>
-          </p:txBody>
-        </p:sp>
-        <p:sp>
-          <p:nvSpPr>
-            <p:cNvPr id="117" name="직사각형 116">
-              <a:extLst>
-                <a:ext uri="{FF2B5EF4-FFF2-40B4-BE49-F238E27FC236}">
-                  <a16:creationId xmlns:a16="http://schemas.microsoft.com/office/drawing/2014/main" id="{53B89005-930E-4073-820F-C2F8757DA6D8}"/>
-                </a:ext>
-              </a:extLst>
-            </p:cNvPr>
-            <p:cNvSpPr/>
-            <p:nvPr/>
-          </p:nvSpPr>
-          <p:spPr>
-            <a:xfrm>
-              <a:off x="2845492" y="1976224"/>
-              <a:ext cx="1098917" cy="949661"/>
-            </a:xfrm>
-            <a:prstGeom prst="rect">
-              <a:avLst/>
-            </a:prstGeom>
-            <a:noFill/>
-            <a:ln>
-              <a:noFill/>
-            </a:ln>
-          </p:spPr>
-          <p:style>
-            <a:lnRef idx="0">
-              <a:scrgbClr r="0" g="0" b="0"/>
-            </a:lnRef>
-            <a:fillRef idx="0">
-              <a:scrgbClr r="0" g="0" b="0"/>
-            </a:fillRef>
-            <a:effectRef idx="0">
-              <a:scrgbClr r="0" g="0" b="0"/>
-            </a:effectRef>
-            <a:fontRef idx="minor">
-              <a:schemeClr val="dk1"/>
-            </a:fontRef>
-          </p:style>
-          <p:txBody>
-            <a:bodyPr rtlCol="0" anchor="ctr"/>
-            <a:lstStyle/>
-            <a:p>
-              <a:pPr algn="ctr"/>
-              <a:r>
-                <a:rPr lang="en-US" altLang="ko-KR" sz="1400" dirty="0"/>
-                <a:t>0  </a:t>
-              </a:r>
-            </a:p>
-            <a:p>
-              <a:pPr algn="ctr"/>
-              <a:r>
-                <a:rPr lang="en-US" altLang="ko-KR" sz="1400" dirty="0"/>
-                <a:t>0</a:t>
-              </a:r>
-            </a:p>
-            <a:p>
-              <a:pPr algn="ctr"/>
-              <a:r>
-                <a:rPr lang="en-US" altLang="ko-KR" sz="1400" dirty="0"/>
-                <a:t>0</a:t>
-              </a:r>
-            </a:p>
-            <a:p>
-              <a:pPr algn="ctr"/>
-              <a:r>
-                <a:rPr lang="en-US" altLang="ko-KR" sz="1400" dirty="0"/>
-                <a:t>#000000</a:t>
-              </a:r>
-              <a:endParaRPr lang="ko-KR" altLang="en-US" sz="1400" dirty="0"/>
-            </a:p>
-          </p:txBody>
-        </p:sp>
-      </p:grpSp>
+          </a:ln>
+        </p:spPr>
+        <p:style>
+          <a:lnRef idx="0">
+            <a:scrgbClr r="0" g="0" b="0"/>
+          </a:lnRef>
+          <a:fillRef idx="0">
+            <a:scrgbClr r="0" g="0" b="0"/>
+          </a:fillRef>
+          <a:effectRef idx="0">
+            <a:scrgbClr r="0" g="0" b="0"/>
+          </a:effectRef>
+          <a:fontRef idx="minor">
+            <a:schemeClr val="dk1"/>
+          </a:fontRef>
+        </p:style>
+        <p:txBody>
+          <a:bodyPr rtlCol="0" anchor="ctr"/>
+          <a:lstStyle/>
+          <a:p>
+            <a:pPr algn="ctr"/>
+            <a:r>
+              <a:rPr lang="en-US" altLang="ko-KR" sz="1400" dirty="0"/>
+              <a:t>R  </a:t>
+            </a:r>
+          </a:p>
+          <a:p>
+            <a:pPr algn="ctr"/>
+            <a:r>
+              <a:rPr lang="en-US" altLang="ko-KR" sz="1400" dirty="0"/>
+              <a:t>G</a:t>
+            </a:r>
+          </a:p>
+          <a:p>
+            <a:pPr algn="ctr"/>
+            <a:r>
+              <a:rPr lang="en-US" altLang="ko-KR" sz="1400" dirty="0"/>
+              <a:t>B</a:t>
+            </a:r>
+          </a:p>
+          <a:p>
+            <a:pPr algn="ctr"/>
+            <a:r>
+              <a:rPr lang="en-US" altLang="ko-KR" sz="1400" dirty="0"/>
+              <a:t>Hex</a:t>
+            </a:r>
+            <a:endParaRPr lang="ko-KR" altLang="en-US" sz="1400" dirty="0"/>
+          </a:p>
+        </p:txBody>
+      </p:sp>
       <p:grpSp>
         <p:nvGrpSpPr>
           <p:cNvPr id="118" name="Grid View" descr="&lt;SmartSettings&gt;&lt;SmartResize enabled=&quot;True&quot; minWidth=&quot;100&quot; minHeight=&quot;100&quot; /&gt;&lt;/SmartSettings&gt;">
@@ -7036,7 +6922,7 @@
           <p:cNvGrpSpPr/>
           <p:nvPr>
             <p:custDataLst>
-              <p:tags r:id="rId3"/>
+              <p:tags r:id="rId4"/>
             </p:custDataLst>
           </p:nvPr>
         </p:nvGrpSpPr>
@@ -7060,7 +6946,7 @@
             <p:cNvSpPr/>
             <p:nvPr>
               <p:custDataLst>
-                <p:tags r:id="rId4"/>
+                <p:tags r:id="rId5"/>
               </p:custDataLst>
             </p:nvPr>
           </p:nvSpPr>
@@ -7236,7 +7122,7 @@
               <p:cNvSpPr/>
               <p:nvPr>
                 <p:custDataLst>
-                  <p:tags r:id="rId5"/>
+                  <p:tags r:id="rId6"/>
                 </p:custDataLst>
               </p:nvPr>
             </p:nvSpPr>
@@ -7392,7 +7278,7 @@
               <p:cNvSpPr/>
               <p:nvPr>
                 <p:custDataLst>
-                  <p:tags r:id="rId6"/>
+                  <p:tags r:id="rId7"/>
                 </p:custDataLst>
               </p:nvPr>
             </p:nvSpPr>
@@ -7550,7 +7436,7 @@
               </p:cNvSpPr>
               <p:nvPr>
                 <p:custDataLst>
-                  <p:tags r:id="rId7"/>
+                  <p:tags r:id="rId8"/>
                 </p:custDataLst>
               </p:nvPr>
             </p:nvSpPr>
@@ -7770,7 +7656,7 @@
               </p:cNvSpPr>
               <p:nvPr>
                 <p:custDataLst>
-                  <p:tags r:id="rId8"/>
+                  <p:tags r:id="rId9"/>
                 </p:custDataLst>
               </p:nvPr>
             </p:nvSpPr>
@@ -12668,6 +12554,198 @@
           </a:p>
         </p:txBody>
       </p:sp>
+      <p:sp>
+        <p:nvSpPr>
+          <p:cNvPr id="11" name="직사각형 10"/>
+          <p:cNvSpPr/>
+          <p:nvPr/>
+        </p:nvSpPr>
+        <p:spPr>
+          <a:xfrm>
+            <a:off x="6097802" y="3870422"/>
+            <a:ext cx="870499" cy="179901"/>
+          </a:xfrm>
+          <a:prstGeom prst="rect">
+            <a:avLst/>
+          </a:prstGeom>
+          <a:noFill/>
+          <a:ln w="9525" cap="flat" cmpd="sng" algn="ctr">
+            <a:solidFill>
+              <a:schemeClr val="accent3"/>
+            </a:solidFill>
+            <a:prstDash val="solid"/>
+            <a:round/>
+            <a:headEnd type="none" w="med" len="med"/>
+            <a:tailEnd type="none" w="med" len="med"/>
+          </a:ln>
+        </p:spPr>
+        <p:style>
+          <a:lnRef idx="0">
+            <a:scrgbClr r="0" g="0" b="0"/>
+          </a:lnRef>
+          <a:fillRef idx="0">
+            <a:scrgbClr r="0" g="0" b="0"/>
+          </a:fillRef>
+          <a:effectRef idx="0">
+            <a:scrgbClr r="0" g="0" b="0"/>
+          </a:effectRef>
+          <a:fontRef idx="minor">
+            <a:schemeClr val="accent3"/>
+          </a:fontRef>
+        </p:style>
+        <p:txBody>
+          <a:bodyPr rtlCol="0" anchor="ctr"/>
+          <a:lstStyle/>
+          <a:p>
+            <a:pPr algn="ctr"/>
+            <a:endParaRPr lang="ko-KR" altLang="en-US"/>
+          </a:p>
+        </p:txBody>
+      </p:sp>
+      <p:sp>
+        <p:nvSpPr>
+          <p:cNvPr id="75" name="직사각형 74"/>
+          <p:cNvSpPr/>
+          <p:nvPr/>
+        </p:nvSpPr>
+        <p:spPr>
+          <a:xfrm>
+            <a:off x="6097802" y="4091879"/>
+            <a:ext cx="870499" cy="179901"/>
+          </a:xfrm>
+          <a:prstGeom prst="rect">
+            <a:avLst/>
+          </a:prstGeom>
+          <a:noFill/>
+          <a:ln w="9525" cap="flat" cmpd="sng" algn="ctr">
+            <a:solidFill>
+              <a:schemeClr val="accent3"/>
+            </a:solidFill>
+            <a:prstDash val="solid"/>
+            <a:round/>
+            <a:headEnd type="none" w="med" len="med"/>
+            <a:tailEnd type="none" w="med" len="med"/>
+          </a:ln>
+        </p:spPr>
+        <p:style>
+          <a:lnRef idx="0">
+            <a:scrgbClr r="0" g="0" b="0"/>
+          </a:lnRef>
+          <a:fillRef idx="0">
+            <a:scrgbClr r="0" g="0" b="0"/>
+          </a:fillRef>
+          <a:effectRef idx="0">
+            <a:scrgbClr r="0" g="0" b="0"/>
+          </a:effectRef>
+          <a:fontRef idx="minor">
+            <a:schemeClr val="accent3"/>
+          </a:fontRef>
+        </p:style>
+        <p:txBody>
+          <a:bodyPr rtlCol="0" anchor="ctr"/>
+          <a:lstStyle/>
+          <a:p>
+            <a:pPr algn="ctr"/>
+            <a:endParaRPr lang="ko-KR" altLang="en-US"/>
+          </a:p>
+        </p:txBody>
+      </p:sp>
+      <p:sp>
+        <p:nvSpPr>
+          <p:cNvPr id="76" name="직사각형 75"/>
+          <p:cNvSpPr/>
+          <p:nvPr/>
+        </p:nvSpPr>
+        <p:spPr>
+          <a:xfrm>
+            <a:off x="6097802" y="4313336"/>
+            <a:ext cx="870499" cy="179901"/>
+          </a:xfrm>
+          <a:prstGeom prst="rect">
+            <a:avLst/>
+          </a:prstGeom>
+          <a:noFill/>
+          <a:ln w="9525" cap="flat" cmpd="sng" algn="ctr">
+            <a:solidFill>
+              <a:schemeClr val="accent3"/>
+            </a:solidFill>
+            <a:prstDash val="solid"/>
+            <a:round/>
+            <a:headEnd type="none" w="med" len="med"/>
+            <a:tailEnd type="none" w="med" len="med"/>
+          </a:ln>
+        </p:spPr>
+        <p:style>
+          <a:lnRef idx="0">
+            <a:scrgbClr r="0" g="0" b="0"/>
+          </a:lnRef>
+          <a:fillRef idx="0">
+            <a:scrgbClr r="0" g="0" b="0"/>
+          </a:fillRef>
+          <a:effectRef idx="0">
+            <a:scrgbClr r="0" g="0" b="0"/>
+          </a:effectRef>
+          <a:fontRef idx="minor">
+            <a:schemeClr val="accent3"/>
+          </a:fontRef>
+        </p:style>
+        <p:txBody>
+          <a:bodyPr rtlCol="0" anchor="ctr"/>
+          <a:lstStyle/>
+          <a:p>
+            <a:pPr algn="ctr"/>
+            <a:endParaRPr lang="ko-KR" altLang="en-US"/>
+          </a:p>
+        </p:txBody>
+      </p:sp>
+      <p:sp>
+        <p:nvSpPr>
+          <p:cNvPr id="77" name="직사각형 76"/>
+          <p:cNvSpPr/>
+          <p:nvPr/>
+        </p:nvSpPr>
+        <p:spPr>
+          <a:xfrm>
+            <a:off x="6097802" y="4534792"/>
+            <a:ext cx="870499" cy="179901"/>
+          </a:xfrm>
+          <a:prstGeom prst="rect">
+            <a:avLst/>
+          </a:prstGeom>
+          <a:noFill/>
+          <a:ln w="9525" cap="flat" cmpd="sng" algn="ctr">
+            <a:solidFill>
+              <a:schemeClr val="accent3"/>
+            </a:solidFill>
+            <a:prstDash val="solid"/>
+            <a:round/>
+            <a:headEnd type="none" w="med" len="med"/>
+            <a:tailEnd type="none" w="med" len="med"/>
+          </a:ln>
+        </p:spPr>
+        <p:style>
+          <a:lnRef idx="0">
+            <a:scrgbClr r="0" g="0" b="0"/>
+          </a:lnRef>
+          <a:fillRef idx="0">
+            <a:scrgbClr r="0" g="0" b="0"/>
+          </a:fillRef>
+          <a:effectRef idx="0">
+            <a:scrgbClr r="0" g="0" b="0"/>
+          </a:effectRef>
+          <a:fontRef idx="minor">
+            <a:schemeClr val="accent3"/>
+          </a:fontRef>
+        </p:style>
+        <p:txBody>
+          <a:bodyPr rtlCol="0" anchor="ctr"/>
+          <a:lstStyle/>
+          <a:p>
+            <a:pPr algn="ctr"/>
+            <a:endParaRPr lang="ko-KR" altLang="en-US"/>
+          </a:p>
+        </p:txBody>
+      </p:sp>
     </p:spTree>
     <p:extLst>
       <p:ext uri="{BB962C8B-B14F-4D97-AF65-F5344CB8AC3E}">
@@ -15312,173 +15390,79 @@
           </p:txBody>
         </p:sp>
       </p:grpSp>
-      <p:grpSp>
-        <p:nvGrpSpPr>
-          <p:cNvPr id="115" name="그룹 114">
+      <p:sp>
+        <p:nvSpPr>
+          <p:cNvPr id="116" name="직사각형 115">
             <a:extLst>
               <a:ext uri="{FF2B5EF4-FFF2-40B4-BE49-F238E27FC236}">
-                <a16:creationId xmlns:a16="http://schemas.microsoft.com/office/drawing/2014/main" id="{C590FEC1-D42A-4AA2-8AD2-6498DD185A0D}"/>
+                <a16:creationId xmlns:a16="http://schemas.microsoft.com/office/drawing/2014/main" id="{97611B82-3D24-4FF3-8326-DE4CEB1BEC3B}"/>
               </a:ext>
             </a:extLst>
           </p:cNvPr>
-          <p:cNvGrpSpPr/>
+          <p:cNvSpPr/>
           <p:nvPr/>
-        </p:nvGrpSpPr>
-        <p:grpSpPr>
+        </p:nvSpPr>
+        <p:spPr>
           <a:xfrm>
             <a:off x="5617506" y="3821786"/>
-            <a:ext cx="1487005" cy="949661"/>
-            <a:chOff x="2150348" y="1976224"/>
-            <a:chExt cx="1794061" cy="949661"/>
+            <a:ext cx="549685" cy="949661"/>
           </a:xfrm>
-        </p:grpSpPr>
-        <p:sp>
-          <p:nvSpPr>
-            <p:cNvPr id="116" name="직사각형 115">
-              <a:extLst>
-                <a:ext uri="{FF2B5EF4-FFF2-40B4-BE49-F238E27FC236}">
-                  <a16:creationId xmlns:a16="http://schemas.microsoft.com/office/drawing/2014/main" id="{97611B82-3D24-4FF3-8326-DE4CEB1BEC3B}"/>
-                </a:ext>
-              </a:extLst>
-            </p:cNvPr>
-            <p:cNvSpPr/>
-            <p:nvPr/>
-          </p:nvSpPr>
-          <p:spPr>
-            <a:xfrm>
-              <a:off x="2150348" y="1976224"/>
-              <a:ext cx="663191" cy="949661"/>
-            </a:xfrm>
-            <a:prstGeom prst="rect">
-              <a:avLst/>
-            </a:prstGeom>
+          <a:prstGeom prst="rect">
+            <a:avLst/>
+          </a:prstGeom>
+          <a:noFill/>
+          <a:ln>
             <a:noFill/>
-            <a:ln>
-              <a:noFill/>
-            </a:ln>
-          </p:spPr>
-          <p:style>
-            <a:lnRef idx="0">
-              <a:scrgbClr r="0" g="0" b="0"/>
-            </a:lnRef>
-            <a:fillRef idx="0">
-              <a:scrgbClr r="0" g="0" b="0"/>
-            </a:fillRef>
-            <a:effectRef idx="0">
-              <a:scrgbClr r="0" g="0" b="0"/>
-            </a:effectRef>
-            <a:fontRef idx="minor">
-              <a:schemeClr val="dk1"/>
-            </a:fontRef>
-          </p:style>
-          <p:txBody>
-            <a:bodyPr rtlCol="0" anchor="ctr"/>
-            <a:lstStyle/>
-            <a:p>
-              <a:pPr algn="ctr"/>
-              <a:r>
-                <a:rPr lang="en-US" altLang="ko-KR" sz="1400" dirty="0"/>
-                <a:t>R  </a:t>
-              </a:r>
-            </a:p>
-            <a:p>
-              <a:pPr algn="ctr"/>
-              <a:r>
-                <a:rPr lang="en-US" altLang="ko-KR" sz="1400" dirty="0"/>
-                <a:t>G</a:t>
-              </a:r>
-            </a:p>
-            <a:p>
-              <a:pPr algn="ctr"/>
-              <a:r>
-                <a:rPr lang="en-US" altLang="ko-KR" sz="1400" dirty="0"/>
-                <a:t>B</a:t>
-              </a:r>
-            </a:p>
-            <a:p>
-              <a:pPr algn="ctr"/>
-              <a:r>
-                <a:rPr lang="en-US" altLang="ko-KR" sz="1400" dirty="0"/>
-                <a:t>Hex</a:t>
-              </a:r>
-              <a:endParaRPr lang="ko-KR" altLang="en-US" sz="1400" dirty="0"/>
-            </a:p>
-          </p:txBody>
-        </p:sp>
-        <p:sp>
-          <p:nvSpPr>
-            <p:cNvPr id="117" name="직사각형 116">
-              <a:extLst>
-                <a:ext uri="{FF2B5EF4-FFF2-40B4-BE49-F238E27FC236}">
-                  <a16:creationId xmlns:a16="http://schemas.microsoft.com/office/drawing/2014/main" id="{53B89005-930E-4073-820F-C2F8757DA6D8}"/>
-                </a:ext>
-              </a:extLst>
-            </p:cNvPr>
-            <p:cNvSpPr/>
-            <p:nvPr/>
-          </p:nvSpPr>
-          <p:spPr>
-            <a:xfrm>
-              <a:off x="2845492" y="1976224"/>
-              <a:ext cx="1098917" cy="949661"/>
-            </a:xfrm>
-            <a:prstGeom prst="rect">
-              <a:avLst/>
-            </a:prstGeom>
-            <a:noFill/>
-            <a:ln>
-              <a:noFill/>
-            </a:ln>
-          </p:spPr>
-          <p:style>
-            <a:lnRef idx="0">
-              <a:scrgbClr r="0" g="0" b="0"/>
-            </a:lnRef>
-            <a:fillRef idx="0">
-              <a:scrgbClr r="0" g="0" b="0"/>
-            </a:fillRef>
-            <a:effectRef idx="0">
-              <a:scrgbClr r="0" g="0" b="0"/>
-            </a:effectRef>
-            <a:fontRef idx="minor">
-              <a:schemeClr val="dk1"/>
-            </a:fontRef>
-          </p:style>
-          <p:txBody>
-            <a:bodyPr rtlCol="0" anchor="ctr"/>
-            <a:lstStyle/>
-            <a:p>
-              <a:pPr algn="ctr"/>
-              <a:r>
-                <a:rPr lang="en-US" altLang="ko-KR" sz="1400" dirty="0"/>
-                <a:t>0  </a:t>
-              </a:r>
-            </a:p>
-            <a:p>
-              <a:pPr algn="ctr"/>
-              <a:r>
-                <a:rPr lang="en-US" altLang="ko-KR" sz="1400" dirty="0"/>
-                <a:t>0</a:t>
-              </a:r>
-            </a:p>
-            <a:p>
-              <a:pPr algn="ctr"/>
-              <a:r>
-                <a:rPr lang="en-US" altLang="ko-KR" sz="1400" dirty="0"/>
-                <a:t>0</a:t>
-              </a:r>
-            </a:p>
-            <a:p>
-              <a:pPr algn="ctr"/>
-              <a:r>
-                <a:rPr lang="en-US" altLang="ko-KR" sz="1400" dirty="0"/>
-                <a:t>#000000</a:t>
-              </a:r>
-              <a:endParaRPr lang="ko-KR" altLang="en-US" sz="1400" dirty="0"/>
-            </a:p>
-          </p:txBody>
-        </p:sp>
-      </p:grpSp>
+          </a:ln>
+        </p:spPr>
+        <p:style>
+          <a:lnRef idx="0">
+            <a:scrgbClr r="0" g="0" b="0"/>
+          </a:lnRef>
+          <a:fillRef idx="0">
+            <a:scrgbClr r="0" g="0" b="0"/>
+          </a:fillRef>
+          <a:effectRef idx="0">
+            <a:scrgbClr r="0" g="0" b="0"/>
+          </a:effectRef>
+          <a:fontRef idx="minor">
+            <a:schemeClr val="dk1"/>
+          </a:fontRef>
+        </p:style>
+        <p:txBody>
+          <a:bodyPr rtlCol="0" anchor="ctr"/>
+          <a:lstStyle/>
+          <a:p>
+            <a:pPr algn="ctr"/>
+            <a:r>
+              <a:rPr lang="en-US" altLang="ko-KR" sz="1400" dirty="0"/>
+              <a:t>R  </a:t>
+            </a:r>
+          </a:p>
+          <a:p>
+            <a:pPr algn="ctr"/>
+            <a:r>
+              <a:rPr lang="en-US" altLang="ko-KR" sz="1400" dirty="0"/>
+              <a:t>G</a:t>
+            </a:r>
+          </a:p>
+          <a:p>
+            <a:pPr algn="ctr"/>
+            <a:r>
+              <a:rPr lang="en-US" altLang="ko-KR" sz="1400" dirty="0"/>
+              <a:t>B</a:t>
+            </a:r>
+          </a:p>
+          <a:p>
+            <a:pPr algn="ctr"/>
+            <a:r>
+              <a:rPr lang="en-US" altLang="ko-KR" sz="1400" dirty="0"/>
+              <a:t>Hex</a:t>
+            </a:r>
+            <a:endParaRPr lang="ko-KR" altLang="en-US" sz="1400" dirty="0"/>
+          </a:p>
+        </p:txBody>
+      </p:sp>
       <p:grpSp>
         <p:nvGrpSpPr>
           <p:cNvPr id="71" name="Tab Bar" descr="&lt;SmartSettings&gt;&lt;SmartOptions&gt;&lt;Code&gt;H4sIAAAAAAAEAO29B2AcSZYlJi9tynt/SvVK1+B0oQiAYBMk2JBAEOzBiM3mkuwdaUcjKasqgcplVmVdZhZAzO2dvPfee++999577733ujudTif33/8/XGZkAWz2zkrayZ4hgKrIHz9+fB8/ItZNsbxIvyimddVU5+34y/PzYpqPz5ZtXler8cvqKq9fVsWyPfyNE2n7+rpp80Xnz/FJVZb5tC2qZTP+PF/mdTHd1OTLyU/Tr19Us7zsNnu1XrbFwqLwOq8vCaOm2+xN/s7h9N11ec7oM75fVNO369X49SKr29N3bb5sqE+Bd55N86/3FqG/bOuqdIi83+unl/myxcu/cbLMFnmzog/TsPVvnPzi3zhJ6VmtJ2UxTadl1jTS5ssV0y19FPz5JGtyeUNfxHP37t30cbNeULvro/DjN/M8nRW1TEJanactfdCsV6uqbvNZ2maTdJLV4w6su31gq7q4zNo8nRISbfommzzJ6jfXq9z79Sezcp2nn3mfjN9UKx7/LTFdZO+KxXqRLteLSV4zutmkeW/siHfTL7J3hEdD6OzufBgK03lWZ1Oa1CY9r+o0Y6K1xIsfgBdY+Xm+vGjnhOC9EEHzDrPPt7PlrMzr79bZakXooNuTeba8yGf+1wRkuS7LEIxwVHWZ13Uxy9NJVZXp2bJot858hnpW1Yu06XwwSs+OV6uU+rzjAHoMh2dCnDhmeP238WKADB4RoS3hjtfzbJU3IKX7gwaRXyn3yEfa2DIXQx6/zqFU8pm0kd48PCO44inO0y2/u/FZI9A7rw68jocm+Xg2AxcsMKOsG+ItuyQZ03vPs0lebn0Ernz0EcgTe/EMnHFc5xlPNf/yWRSaabf10UejdG9nZwigATP+bjFjbqO2NzUFbGoZUOtN9bqtaQK3+hNrHpCnbbPpPM3Bm+lcmHO4swFOJiaI8P6WGfHv/8a9euOovbbpJ58N9Tr2/xgcX52363qZtvU6j3T7S/of5aVR1v4zwFwK/Tyjl24G7/35SzZJ/WVVzNKnRbOqmnxrWJhZOAZm5HcV5XKzhA0R13YfGdaNCs1vHIwUD+ugGPiQJqpQmRYxLtqq2DdJm3w5y+uRcN9xfdGk+TDJ2vr6Ror8MFXeAAp43kf1mSdo/9VqRgR8VlcLUG1ra8uqqTtCszssaLEJHuZbPNOsJXWxdfpumrN6S/N3N/MZCPK8uriA3NZ1VW999CwrSngzVbpmTEHRlNBPG+A/Jg1JcPvM5P3q/tjgH7wuFquyOC9o4rIpOagNeuQuGjgKWfqR9vvR+7gG7PIFLPIoPROmzialp0A6pDAAjKmOy4xp5Xlsrf11oO3zomkfMy5HaBzwqvddT6DN+/w1kagtLvM3+v5m7KRJWSzz3fdqvddpHbYfmErzFZyXIiuLH2A+eXCPm5wmpM7PP/vIn5CP7h6R79a02ZIc+HOSAvGiV/kUzDDrQxae8JjAYhNhBDyqtgcUgTdjIxn8K+gt6YZ/jTpseGJqel40Y+EX+jemk9HAdWk9AeWY/gsgJJSDQ23LoRaRu+jYxT9VxXTjIC7yNv3FxmZ2OE0N1mFE97wXf3yetyTXpETwk2ecwbfzrKWeV3XeIL7jb6bruqY/ymvFBRR7n+kPGPs4GM6HkKJHAjw0nP6HGyzH72pVAAfEGUnC1iVMU8wCmaed19UVyxTZ0fWCaGN1/NZHMsyiSZdVS5K3yE2oZfBuxh8Nu5nAqT/jglH8jYHB4elZcf/Z8B4eWISrAgaMVHUh0Tq5L+zTbH7zvKyIh4g6z/NzeNqM/Bh/RMQx+iIF1vY9CbI3vdaw687viWvPPgVI91VblEjftGzYhYg3AEMUS5DOyO6/E91gvAp88uW5g7IZjhs0EAom9DaksGPvv30zQTrjf+2PXz2uPnXCXu7cRCdLmO/1SdQB9X0zlzcSLUInMcy3oFifSvLq1yZXCHBk+Ov2hDFs9P3eHN5ICBI+8UrZD2huYFlSGZ5zEY9ous8N0o/HOdZiKLu5r/RnfsaznZ3vn1RtWy1uQMI8DnsbyBv1se1/eQs2wBOPTGOPB/vbeXExV3bD4IKOb2aiiCnyHzNH6tL9f2yOboEIHjdAO41fZO18TFlBb/Ai1p/0W297ky76jz8fUY7z/CapM0+3G8dIn/gwbwHthgnFczs+e3/iWVaMUQ+TGhBPW287xpWByudfl3q+/rS0E5C3AHYD8TZ8veErDadPvvxiQ0TtPzdQPrs50vb83WiY7T8DmEc+vslz76a51MFxScqweWSY0vDJuigpfZE2Ew1vg48Hcp3QKO+fPKascZ5hdkS/GSNI7pQziO/vvwKXZjLWtYSjdOcGXUVtKVCknM1zYuQNuVw8qjkFzc+6Fvrrc5XFYeujd+lgJhxPb979R+e8ldWUYafWDGFTRzpUtB+/binb3ny3aOeE30ebghw8/mBoLOyYnDZTkKzMsxkwfLdxFPZ97X8IzbiU9D/UQJDgBin7je+pOHGCtJPrM1QGZjcKlTT+3vfFJ0NwwASlpFm7Bemy3//i9KPft/59l6Qx6Cf/u/wo/SUjFT9+Qdc7xi+q5UAwQZR+VlC85VRQRFYpWLF8a0KW7d0IjbG2t4XmBbXYOaQfj9W6FEu2Lo1K2cisLdJsF598cnsNYDyc5nvF97tclv7CX5j+rvEvh3lwg5z1xlzYIfcbT0gzvf1AtsPij0k/YCoQ3tf5L1rT2nMnQYYniOEFxceDuks4OsoCLPJYHXuVN5THO10iYzqj4Q4to0Tj/QE62hDjbjbjpfIm3u4b5Bw8G2ZVhREwqSvDLjcq8SLQ3kzuG7Sa18P4Vb4gO7u1Q34SpfnrYsHcGV3NMQ/cPsvut+Vm8wz1feMw+Q1rCbsL7e/R6+v1RCiNjntwNuLRMe7RNLb/yPQ89rIoJ9V62VW1/nODcfW6tjCFRza9NRDgGwgjpsvXcO3w3BwDeDhjZTubbJnuvmm+DlOrHo2Gtd+gbhDeJO00Wy9nGYl/Q0t0MFnxN67m5Dk7h0onmhl1o6p4fy0hiD3PmhakfD9/ovvRebHMyvL2OnNQId9u1XyjZxJZxsYTweSEXK/6Zrfnhvz/64rUFuWnS1ryQna64XmDw541U/LYoIqrGuHD5BqrAEWdPp4eUTT4+O70SOLB91oD0kUAWmdqzZCBwpPrn8xr+iQrn1cU4CGD7i/QCVY300TajQFxa0bLyRfUl8Yi/NWuLi3JX3u3d2uMw8lAEBUTZy9WWZ2/qbYEFj6Mrg3/3MwQkh3f9BR9u6qLH2B15P8TkwQK9GcJn/6sTNNHL7O6oWVUXiq7IAW89FdaeUC8VIh1VjhTOo3hQhte7oNewbXA1AM03M5JVn+NCeWZjCxjul8FKVnRvHEanf7pf/c+HihH97bfsUlQflFM66qpaA6/PD8vpjlNZZ2Pv2gqRpcTl4um+ryu1ivEFR4EsTkEYrfzxauqZa7Fdzvn9GUcITz9MPtFtghWfAHkI7I9KSVIPnp/+8WIi5FML/D7WZsvEE16+H5uP7/BufIA3JxSvsm32rRYiOeG9/EEwcIuBwufeaOUGdoUHvjPLfrD46mM1O/sZr/QPLw4P82Wr0gnZU3+WkENGPXYcyPtzHPLMeGx4vGeknG8buWDjXwee6S3b2cN3ONnNfH9xl4pWqLgp+VO3xCtvmZ/L7QfyNSQPMWe9yAlHueakhcuhL1tWtw8fRYZCsSHnlssKpjHRplhYhKUgpx/TWK/Hys9q/OcRHrxNTv7ueSk9DXN1LTNZ//vZqnu5MpI3hPIzw1fuuXRHypPIrX/NTuy/MEwdn8WOcOnzf/HpnTv/8NTuvezPKWGNv/vntJbNhtMfsSe9yAWGKkz1veYFTxfUEA1z8qxgqBQ7svJT5Myfz8VewsyfP1lajy3IuAtCDc4XOfL3jTmzQvqw19qloFjSyZug1wC5aEKhEvD7+mKIkVARtLf2L+QD0l/5mfSwe+fVG1bLW7gicHEgzW6N6XobwO/l3u6EfrtEosEDYvhJ19+cfpumvNaXxpN3w6wB6LQ59XFRV6PT+u6qrc+epYVSDW2FeV/aHKykvKPSlRBmD6nxM1ymqfnFOVTulbcH53WMS1DEgLRmB1PPKeI56Yc5g3ZkWNe/kUaC0uk4DMaAtIZNoT+GgkNUaCaTX+vNVx/1d8lqWNrcwMzMxjpbRB0QbeUlLVR/haL73Xx2U53N0WuAoDS8dVy9qbSRHgPqh3bbvp7bOxr7/vpo5vWcfgVSRTRLJru5INbLQIFY/9dvWWNm8zDDeqTeOXpmtbTp+AKdOI02eYXI8PwcRxbqCQTm+Bs1LtDX1l/KzqJH5zICYgiXUDoPpA8MVx/9sn03kQwLwdE8Bbuv97gQ34Nhv1+sMY2OyOGcdhDDhrCSxYgpNQJTrnJbdxo8cF2vQF+MMvdmP+6hRsUw2yjhu4+t+gDj0iZ1xNUWKff723UwP7jFCpyAB6czQu8/vOz70yZ55YUwnNeVhkt+q6yKYxrXPwN35CFCZQnllrIskQ1xqbvvlvM2jlZo/3x3t7+3qfnt5wCPB7hpYuOPufPPgk/k+4+MYP8mr1hgjqd0Ue3BHaLGAXPze6seX5IM4xBD0zihq/M/N4b7+3f+6Zn92uCi0/fN8MqGxWx//gISUZDsuG37CcL16xe5y3Srr4yGol7fGuVRNbz9N0qI8cBaQ9a0jknHKd505BPfktd08kn3Wxi/Oc92PiHpz3xvAdieEIiWC3kPhHGetzn8E+Cjwz/7e6cvwey5un1Fxi8G/ojYe6M4JZcieeW+g3P7XUcng+bB5Vw98G38+Ji3nbmQVr5n2izb2AeFFI4EZs7DCfi9jYGzy3n4dYKq87bdb30Ub0FMv8vz7Z1fcAPy7m9x8e3Thbh2TDCTUmjbDbzUjANs5BNCcWAxfNc/Q8NJ/RzAO+bKXqVL6pLymMhOWRjVc5lfWi66LIqZgpe/ZGtr5sp2v3/X6YomhPaALWXz/nsPfI5eI57a54RDDcgECZqSIxviMPd+IQHAuw3vTioKm4D4OdQ2GseZihIX1vkO3++p0g3eSsS/bjJ83Ra5+efQZJt1vqju0c2cf11JVtz1zdK9HlVkydLDF5EEqUkSof0xdFn6Q793N6+vZwPcomTsOL7QzTv8uZxu1UMZOHjKspbaR52sd8Xcwd0CO9ggXsgARzhp1sHBV8H470bMdZuN2Hc/zDUbfGXvaEGMAbkAx+/XuXT4rxQgzcrahoGlEF1ToYaEjvJak8ihqTBSEK+XC+8yMY16FDyBol9M+c0Ka3X1ECqWZXZNSmVbGIUCmnqNl+27yGr5KmO3lNvDGAxycvq6mtiIZHeN4RIiYhJ17HeHxXEUN8QIjWHB18bk1d4PWBd/fFL/h/0QEWyR1cAAA==&lt;/Code&gt;&lt;CodeSignature&gt;jCu+5ge7H3MmU+YJ8OVg5UfykE4rOnzmp5RsiEZm+GW/oOFA4Ls33pmDI3q9blBI/Dk74wejzG7FY4C4vOdaS6iR2PA4epListS9pOdEl2Bnl9mQD5WlY4XegJIofLU3Qx5j8gyCWGYlqrXqYrGlV474IaRsay6ULCtEGqvabvwrzICYpXApQXQ4Z0tHpnTJSAqwYx5L0Y63faAhBE5o1gVoynBULr+GxsFyWEIuJVTDfzXg/i82Atowvhe87/oZWKS89ognxHa6fk74HNBu0jgPB0cr4/PgruWujwdENusfo4pJLLjrBEiW5fBuRAzsTtoLzxHklpTV2CZz4qUefA==&lt;/CodeSignature&gt;&lt;/SmartOptions&gt;&lt;SmartResize enabled=&quot;True&quot; minWidth=&quot;0&quot; minHeight=&quot;0&quot; /&gt;&lt;/SmartSettings&gt;">
@@ -18043,6 +18027,198 @@
           </a:p>
         </p:txBody>
       </p:sp>
+      <p:sp>
+        <p:nvSpPr>
+          <p:cNvPr id="46" name="직사각형 45"/>
+          <p:cNvSpPr/>
+          <p:nvPr/>
+        </p:nvSpPr>
+        <p:spPr>
+          <a:xfrm>
+            <a:off x="6097802" y="3870422"/>
+            <a:ext cx="870499" cy="179901"/>
+          </a:xfrm>
+          <a:prstGeom prst="rect">
+            <a:avLst/>
+          </a:prstGeom>
+          <a:noFill/>
+          <a:ln w="9525" cap="flat" cmpd="sng" algn="ctr">
+            <a:solidFill>
+              <a:schemeClr val="accent3"/>
+            </a:solidFill>
+            <a:prstDash val="solid"/>
+            <a:round/>
+            <a:headEnd type="none" w="med" len="med"/>
+            <a:tailEnd type="none" w="med" len="med"/>
+          </a:ln>
+        </p:spPr>
+        <p:style>
+          <a:lnRef idx="0">
+            <a:scrgbClr r="0" g="0" b="0"/>
+          </a:lnRef>
+          <a:fillRef idx="0">
+            <a:scrgbClr r="0" g="0" b="0"/>
+          </a:fillRef>
+          <a:effectRef idx="0">
+            <a:scrgbClr r="0" g="0" b="0"/>
+          </a:effectRef>
+          <a:fontRef idx="minor">
+            <a:schemeClr val="accent3"/>
+          </a:fontRef>
+        </p:style>
+        <p:txBody>
+          <a:bodyPr rtlCol="0" anchor="ctr"/>
+          <a:lstStyle/>
+          <a:p>
+            <a:pPr algn="ctr"/>
+            <a:endParaRPr lang="ko-KR" altLang="en-US"/>
+          </a:p>
+        </p:txBody>
+      </p:sp>
+      <p:sp>
+        <p:nvSpPr>
+          <p:cNvPr id="47" name="직사각형 46"/>
+          <p:cNvSpPr/>
+          <p:nvPr/>
+        </p:nvSpPr>
+        <p:spPr>
+          <a:xfrm>
+            <a:off x="6097802" y="4091879"/>
+            <a:ext cx="870499" cy="179901"/>
+          </a:xfrm>
+          <a:prstGeom prst="rect">
+            <a:avLst/>
+          </a:prstGeom>
+          <a:noFill/>
+          <a:ln w="9525" cap="flat" cmpd="sng" algn="ctr">
+            <a:solidFill>
+              <a:schemeClr val="accent3"/>
+            </a:solidFill>
+            <a:prstDash val="solid"/>
+            <a:round/>
+            <a:headEnd type="none" w="med" len="med"/>
+            <a:tailEnd type="none" w="med" len="med"/>
+          </a:ln>
+        </p:spPr>
+        <p:style>
+          <a:lnRef idx="0">
+            <a:scrgbClr r="0" g="0" b="0"/>
+          </a:lnRef>
+          <a:fillRef idx="0">
+            <a:scrgbClr r="0" g="0" b="0"/>
+          </a:fillRef>
+          <a:effectRef idx="0">
+            <a:scrgbClr r="0" g="0" b="0"/>
+          </a:effectRef>
+          <a:fontRef idx="minor">
+            <a:schemeClr val="accent3"/>
+          </a:fontRef>
+        </p:style>
+        <p:txBody>
+          <a:bodyPr rtlCol="0" anchor="ctr"/>
+          <a:lstStyle/>
+          <a:p>
+            <a:pPr algn="ctr"/>
+            <a:endParaRPr lang="ko-KR" altLang="en-US"/>
+          </a:p>
+        </p:txBody>
+      </p:sp>
+      <p:sp>
+        <p:nvSpPr>
+          <p:cNvPr id="48" name="직사각형 47"/>
+          <p:cNvSpPr/>
+          <p:nvPr/>
+        </p:nvSpPr>
+        <p:spPr>
+          <a:xfrm>
+            <a:off x="6097802" y="4313336"/>
+            <a:ext cx="870499" cy="179901"/>
+          </a:xfrm>
+          <a:prstGeom prst="rect">
+            <a:avLst/>
+          </a:prstGeom>
+          <a:noFill/>
+          <a:ln w="9525" cap="flat" cmpd="sng" algn="ctr">
+            <a:solidFill>
+              <a:schemeClr val="accent3"/>
+            </a:solidFill>
+            <a:prstDash val="solid"/>
+            <a:round/>
+            <a:headEnd type="none" w="med" len="med"/>
+            <a:tailEnd type="none" w="med" len="med"/>
+          </a:ln>
+        </p:spPr>
+        <p:style>
+          <a:lnRef idx="0">
+            <a:scrgbClr r="0" g="0" b="0"/>
+          </a:lnRef>
+          <a:fillRef idx="0">
+            <a:scrgbClr r="0" g="0" b="0"/>
+          </a:fillRef>
+          <a:effectRef idx="0">
+            <a:scrgbClr r="0" g="0" b="0"/>
+          </a:effectRef>
+          <a:fontRef idx="minor">
+            <a:schemeClr val="accent3"/>
+          </a:fontRef>
+        </p:style>
+        <p:txBody>
+          <a:bodyPr rtlCol="0" anchor="ctr"/>
+          <a:lstStyle/>
+          <a:p>
+            <a:pPr algn="ctr"/>
+            <a:endParaRPr lang="ko-KR" altLang="en-US"/>
+          </a:p>
+        </p:txBody>
+      </p:sp>
+      <p:sp>
+        <p:nvSpPr>
+          <p:cNvPr id="49" name="직사각형 48"/>
+          <p:cNvSpPr/>
+          <p:nvPr/>
+        </p:nvSpPr>
+        <p:spPr>
+          <a:xfrm>
+            <a:off x="6097802" y="4534792"/>
+            <a:ext cx="870499" cy="179901"/>
+          </a:xfrm>
+          <a:prstGeom prst="rect">
+            <a:avLst/>
+          </a:prstGeom>
+          <a:noFill/>
+          <a:ln w="9525" cap="flat" cmpd="sng" algn="ctr">
+            <a:solidFill>
+              <a:schemeClr val="accent3"/>
+            </a:solidFill>
+            <a:prstDash val="solid"/>
+            <a:round/>
+            <a:headEnd type="none" w="med" len="med"/>
+            <a:tailEnd type="none" w="med" len="med"/>
+          </a:ln>
+        </p:spPr>
+        <p:style>
+          <a:lnRef idx="0">
+            <a:scrgbClr r="0" g="0" b="0"/>
+          </a:lnRef>
+          <a:fillRef idx="0">
+            <a:scrgbClr r="0" g="0" b="0"/>
+          </a:fillRef>
+          <a:effectRef idx="0">
+            <a:scrgbClr r="0" g="0" b="0"/>
+          </a:effectRef>
+          <a:fontRef idx="minor">
+            <a:schemeClr val="accent3"/>
+          </a:fontRef>
+        </p:style>
+        <p:txBody>
+          <a:bodyPr rtlCol="0" anchor="ctr"/>
+          <a:lstStyle/>
+          <a:p>
+            <a:pPr algn="ctr"/>
+            <a:endParaRPr lang="ko-KR" altLang="en-US"/>
+          </a:p>
+        </p:txBody>
+      </p:sp>
     </p:spTree>
     <p:extLst>
       <p:ext uri="{BB962C8B-B14F-4D97-AF65-F5344CB8AC3E}">
@@ -20687,173 +20863,79 @@
           </p:txBody>
         </p:sp>
       </p:grpSp>
-      <p:grpSp>
-        <p:nvGrpSpPr>
-          <p:cNvPr id="115" name="그룹 114">
+      <p:sp>
+        <p:nvSpPr>
+          <p:cNvPr id="116" name="직사각형 115">
             <a:extLst>
               <a:ext uri="{FF2B5EF4-FFF2-40B4-BE49-F238E27FC236}">
-                <a16:creationId xmlns:a16="http://schemas.microsoft.com/office/drawing/2014/main" id="{C590FEC1-D42A-4AA2-8AD2-6498DD185A0D}"/>
+                <a16:creationId xmlns:a16="http://schemas.microsoft.com/office/drawing/2014/main" id="{97611B82-3D24-4FF3-8326-DE4CEB1BEC3B}"/>
               </a:ext>
             </a:extLst>
           </p:cNvPr>
-          <p:cNvGrpSpPr/>
+          <p:cNvSpPr/>
           <p:nvPr/>
-        </p:nvGrpSpPr>
-        <p:grpSpPr>
+        </p:nvSpPr>
+        <p:spPr>
           <a:xfrm>
             <a:off x="5617506" y="3821786"/>
-            <a:ext cx="1487005" cy="949661"/>
-            <a:chOff x="2150348" y="1976224"/>
-            <a:chExt cx="1794061" cy="949661"/>
+            <a:ext cx="549685" cy="949661"/>
           </a:xfrm>
-        </p:grpSpPr>
-        <p:sp>
-          <p:nvSpPr>
-            <p:cNvPr id="116" name="직사각형 115">
-              <a:extLst>
-                <a:ext uri="{FF2B5EF4-FFF2-40B4-BE49-F238E27FC236}">
-                  <a16:creationId xmlns:a16="http://schemas.microsoft.com/office/drawing/2014/main" id="{97611B82-3D24-4FF3-8326-DE4CEB1BEC3B}"/>
-                </a:ext>
-              </a:extLst>
-            </p:cNvPr>
-            <p:cNvSpPr/>
-            <p:nvPr/>
-          </p:nvSpPr>
-          <p:spPr>
-            <a:xfrm>
-              <a:off x="2150348" y="1976224"/>
-              <a:ext cx="663191" cy="949661"/>
-            </a:xfrm>
-            <a:prstGeom prst="rect">
-              <a:avLst/>
-            </a:prstGeom>
+          <a:prstGeom prst="rect">
+            <a:avLst/>
+          </a:prstGeom>
+          <a:noFill/>
+          <a:ln>
             <a:noFill/>
-            <a:ln>
-              <a:noFill/>
-            </a:ln>
-          </p:spPr>
-          <p:style>
-            <a:lnRef idx="0">
-              <a:scrgbClr r="0" g="0" b="0"/>
-            </a:lnRef>
-            <a:fillRef idx="0">
-              <a:scrgbClr r="0" g="0" b="0"/>
-            </a:fillRef>
-            <a:effectRef idx="0">
-              <a:scrgbClr r="0" g="0" b="0"/>
-            </a:effectRef>
-            <a:fontRef idx="minor">
-              <a:schemeClr val="dk1"/>
-            </a:fontRef>
-          </p:style>
-          <p:txBody>
-            <a:bodyPr rtlCol="0" anchor="ctr"/>
-            <a:lstStyle/>
-            <a:p>
-              <a:pPr algn="ctr"/>
-              <a:r>
-                <a:rPr lang="en-US" altLang="ko-KR" sz="1400" dirty="0"/>
-                <a:t>R  </a:t>
-              </a:r>
-            </a:p>
-            <a:p>
-              <a:pPr algn="ctr"/>
-              <a:r>
-                <a:rPr lang="en-US" altLang="ko-KR" sz="1400" dirty="0"/>
-                <a:t>G</a:t>
-              </a:r>
-            </a:p>
-            <a:p>
-              <a:pPr algn="ctr"/>
-              <a:r>
-                <a:rPr lang="en-US" altLang="ko-KR" sz="1400" dirty="0"/>
-                <a:t>B</a:t>
-              </a:r>
-            </a:p>
-            <a:p>
-              <a:pPr algn="ctr"/>
-              <a:r>
-                <a:rPr lang="en-US" altLang="ko-KR" sz="1400" dirty="0"/>
-                <a:t>Hex</a:t>
-              </a:r>
-              <a:endParaRPr lang="ko-KR" altLang="en-US" sz="1400" dirty="0"/>
-            </a:p>
-          </p:txBody>
-        </p:sp>
-        <p:sp>
-          <p:nvSpPr>
-            <p:cNvPr id="117" name="직사각형 116">
-              <a:extLst>
-                <a:ext uri="{FF2B5EF4-FFF2-40B4-BE49-F238E27FC236}">
-                  <a16:creationId xmlns:a16="http://schemas.microsoft.com/office/drawing/2014/main" id="{53B89005-930E-4073-820F-C2F8757DA6D8}"/>
-                </a:ext>
-              </a:extLst>
-            </p:cNvPr>
-            <p:cNvSpPr/>
-            <p:nvPr/>
-          </p:nvSpPr>
-          <p:spPr>
-            <a:xfrm>
-              <a:off x="2845492" y="1976224"/>
-              <a:ext cx="1098917" cy="949661"/>
-            </a:xfrm>
-            <a:prstGeom prst="rect">
-              <a:avLst/>
-            </a:prstGeom>
-            <a:noFill/>
-            <a:ln>
-              <a:noFill/>
-            </a:ln>
-          </p:spPr>
-          <p:style>
-            <a:lnRef idx="0">
-              <a:scrgbClr r="0" g="0" b="0"/>
-            </a:lnRef>
-            <a:fillRef idx="0">
-              <a:scrgbClr r="0" g="0" b="0"/>
-            </a:fillRef>
-            <a:effectRef idx="0">
-              <a:scrgbClr r="0" g="0" b="0"/>
-            </a:effectRef>
-            <a:fontRef idx="minor">
-              <a:schemeClr val="dk1"/>
-            </a:fontRef>
-          </p:style>
-          <p:txBody>
-            <a:bodyPr rtlCol="0" anchor="ctr"/>
-            <a:lstStyle/>
-            <a:p>
-              <a:pPr algn="ctr"/>
-              <a:r>
-                <a:rPr lang="en-US" altLang="ko-KR" sz="1400" dirty="0"/>
-                <a:t>0  </a:t>
-              </a:r>
-            </a:p>
-            <a:p>
-              <a:pPr algn="ctr"/>
-              <a:r>
-                <a:rPr lang="en-US" altLang="ko-KR" sz="1400" dirty="0"/>
-                <a:t>0</a:t>
-              </a:r>
-            </a:p>
-            <a:p>
-              <a:pPr algn="ctr"/>
-              <a:r>
-                <a:rPr lang="en-US" altLang="ko-KR" sz="1400" dirty="0"/>
-                <a:t>0</a:t>
-              </a:r>
-            </a:p>
-            <a:p>
-              <a:pPr algn="ctr"/>
-              <a:r>
-                <a:rPr lang="en-US" altLang="ko-KR" sz="1400" dirty="0"/>
-                <a:t>#000000</a:t>
-              </a:r>
-              <a:endParaRPr lang="ko-KR" altLang="en-US" sz="1400" dirty="0"/>
-            </a:p>
-          </p:txBody>
-        </p:sp>
-      </p:grpSp>
+          </a:ln>
+        </p:spPr>
+        <p:style>
+          <a:lnRef idx="0">
+            <a:scrgbClr r="0" g="0" b="0"/>
+          </a:lnRef>
+          <a:fillRef idx="0">
+            <a:scrgbClr r="0" g="0" b="0"/>
+          </a:fillRef>
+          <a:effectRef idx="0">
+            <a:scrgbClr r="0" g="0" b="0"/>
+          </a:effectRef>
+          <a:fontRef idx="minor">
+            <a:schemeClr val="dk1"/>
+          </a:fontRef>
+        </p:style>
+        <p:txBody>
+          <a:bodyPr rtlCol="0" anchor="ctr"/>
+          <a:lstStyle/>
+          <a:p>
+            <a:pPr algn="ctr"/>
+            <a:r>
+              <a:rPr lang="en-US" altLang="ko-KR" sz="1400" dirty="0"/>
+              <a:t>R  </a:t>
+            </a:r>
+          </a:p>
+          <a:p>
+            <a:pPr algn="ctr"/>
+            <a:r>
+              <a:rPr lang="en-US" altLang="ko-KR" sz="1400" dirty="0"/>
+              <a:t>G</a:t>
+            </a:r>
+          </a:p>
+          <a:p>
+            <a:pPr algn="ctr"/>
+            <a:r>
+              <a:rPr lang="en-US" altLang="ko-KR" sz="1400" dirty="0"/>
+              <a:t>B</a:t>
+            </a:r>
+          </a:p>
+          <a:p>
+            <a:pPr algn="ctr"/>
+            <a:r>
+              <a:rPr lang="en-US" altLang="ko-KR" sz="1400" dirty="0"/>
+              <a:t>Hex</a:t>
+            </a:r>
+            <a:endParaRPr lang="ko-KR" altLang="en-US" sz="1400" dirty="0"/>
+          </a:p>
+        </p:txBody>
+      </p:sp>
       <p:grpSp>
         <p:nvGrpSpPr>
           <p:cNvPr id="36" name="Tab Bar" descr="&lt;SmartSettings&gt;&lt;SmartOptions&gt;&lt;Code&gt;H4sIAAAAAAAEAO29B2AcSZYlJi9tynt/SvVK1+B0oQiAYBMk2JBAEOzBiM3mkuwdaUcjKasqgcplVmVdZhZAzO2dvPfee++999577733ujudTif33/8/XGZkAWz2zkrayZ4hgKrIHz9+fB8/ItZNsbxIvyimddVU5+34y/PzYpqPz5ZtXler8cvqKq9fVsWyPfyNE2n7+rpp80Xnz/FJVZb5tC2qZTP+PF/mdTHd1OTLyU/Tr19Us7zsNnu1XrbFwqLwOq8vCaOm2+xN/s7h9N11ec7oM75fVNO369X49SKr29N3bb5sqE+Bd55N86/3FqG/bOuqdIi83+unl/myxcu/cbLMFnmzog/TsPVvnPzi3zhJ6VmtJ2UxTadl1jTS5ssV0y19FPz5JGtyeUNfxHP37t30cbNeULvro/DjN/M8nRW1TEJanactfdCsV6uqbvNZ2maTdJLV4w6su31gq7q4zNo8nRISbfommzzJ6jfXq9z79Sezcp2nn3mfjN9UKx7/LTFdZO+KxXqRLteLSV4zutmkeW/siHfTL7J3hEdD6OzufBgK03lWZ1Oa1CY9r+o0Y6K1xIsfgBdY+Xm+vGjnhOC9EEHzDrPPt7PlrMzr79bZakXooNuTeba8yGf+1wRkuS7LEIxwVHWZ13Uxy9NJVZXp2bJot858hnpW1Yu06XwwSs+OV6uU+rzjAHoMh2dCnDhmeP238WKADB4RoS3hjtfzbJU3IKX7gwaRXyn3yEfa2DIXQx6/zqFU8pm0kd48PCO44inO0y2/u/FZI9A7rw68jocm+Xg2AxcsMKOsG+ItuyQZ03vPs0lebn0Ernz0EcgTe/EMnHFc5xlPNf/yWRSaabf10UejdG9nZwigATP+bjFjbqO2NzUFbGoZUOtN9bqtaQK3+hNrHpCnbbPpPM3Bm+lcmHO4swFOJiaI8P6WGfHv/8a9euOovbbpJ58N9Tr2/xgcX52363qZtvU6j3T7S/of5aVR1v4zwFwK/Tyjl24G7/35SzZJ/WVVzNKnRbOqmnxrWJhZOAZm5HcV5XKzhA0R13YfGdaNCs1vHIwUD+ugGPiQJqpQmRYxLtqq2DdJm3w5y+uRcN9xfdGk+TDJ2vr6Ror8MFXeAAp43kf1mSdo/9VqRgR8VlcLUG1ra8uqqTtCszssaLEJHuZbPNOsJXWxdfpumrN6S/N3N/MZCPK8uriA3NZ1VW999CwrSngzVbpmTEHRlNBPG+A/Jg1JcPvM5P3q/tjgH7wuFquyOC9o4rIpOagNeuQuGjgKWfqR9vvR+7gG7PIFLPIoPROmzialp0A6pDAAjKmOy4xp5Xlsrf11oO3zomkfMy5HaBzwqvddT6DN+/w1kagtLvM3+v5m7KRJWSzz3fdqvddpHbYfmErzFZyXIiuLH2A+eXCPm5wmpM7PP/vIn5CP7h6R79a02ZIc+HOSAvGiV/kUzDDrQxae8JjAYhNhBDyqtgcUgTdjIxn8K+gt6YZ/jTpseGJqel40Y+EX+jemk9HAdWk9AeWY/gsgJJSDQ23LoRaRu+jYxT9VxXTjIC7yNv3FxmZ2OE0N1mFE97wXf3yetyTXpETwk2ecwbfzrKWeV3XeIL7jb6bruqY/ymvFBRR7n+kPGPs4GM6HkKJHAjw0nP6HGyzH72pVAAfEGUnC1iVMU8wCmaed19UVyxTZ0fWCaGN1/NZHMsyiSZdVS5K3yE2oZfBuxh8Nu5nAqT/jglH8jYHB4elZcf/Z8B4eWISrAgaMVHUh0Tq5L+zTbH7zvKyIh4g6z/NzeNqM/Bh/RMQx+iIF1vY9CbI3vdaw687viWvPPgVI91VblEjftGzYhYg3AEMUS5DOyO6/E91gvAp88uW5g7IZjhs0EAom9DaksGPvv30zQTrjf+2PXz2uPnXCXu7cRCdLmO/1SdQB9X0zlzcSLUInMcy3oFifSvLq1yZXCHBk+Ov2hDFs9P3eHN5ICBI+8UrZD2huYFlSGZ5zEY9ous8N0o/HOdZiKLu5r/RnfsaznZ3vn1RtWy1uQMI8DnsbyBv1se1/eQs2wBOPTGOPB/vbeXExV3bD4IKOb2aiiCnyHzNH6tL9f2yOboEIHjdAO41fZO18TFlBb/Ai1p/0W297ky76jz8fUY7z/CapM0+3G8dIn/gwbwHthgnFczs+e3/iWVaMUQ+TGhBPW287xpWByudfl3q+/rS0E5C3AHYD8TZ8veErDadPvvxiQ0TtPzdQPrs50vb83WiY7T8DmEc+vslz76a51MFxScqweWSY0vDJuigpfZE2Ew1vg48Hcp3QKO+fPKascZ5hdkS/GSNI7pQziO/vvwKXZjLWtYSjdOcGXUVtKVCknM1zYuQNuVw8qjkFzc+6Fvrrc5XFYeujd+lgJhxPb979R+e8ldWUYafWDGFTRzpUtB+/binb3ny3aOeE30ebghw8/mBoLOyYnDZTkKzMsxkwfLdxFPZ97X8IzbiU9D/UQJDgBin7je+pOHGCtJPrM1QGZjcKlTT+3vfFJ0NwwASlpFm7Bemy3//i9KPft/59l6Qx6Cf/u/wo/SUjFT9+Qdc7xi+q5UAwQZR+VlC85VRQRFYpWLF8a0KW7d0IjbG2t4XmBbXYOaQfj9W6FEu2Lo1K2cisLdJsF598cnsNYDyc5nvF97tclv7CX5j+rvEvh3lwg5z1xlzYIfcbT0gzvf1AtsPij0k/YCoQ3tf5L1rT2nMnQYYniOEFxceDuks4OsoCLPJYHXuVN5THO10iYzqj4Q4to0Tj/QE62hDjbjbjpfIm3u4b5Bw8G2ZVhREwqSvDLjcq8SLQ3kzuG7Sa18P4Vb4gO7u1Q34SpfnrYsHcGV3NMQ/cPsvut+Vm8wz1feMw+Q1rCbsL7e/R6+v1RCiNjntwNuLRMe7RNLb/yPQ89rIoJ9V62VW1/nODcfW6tjCFRza9NRDgGwgjpsvXcO3w3BwDeDhjZTubbJnuvmm+DlOrHo2Gtd+gbhDeJO00Wy9nGYl/Q0t0MFnxN67m5Dk7h0onmhl1o6p4fy0hiD3PmhakfD9/ovvRebHMyvL2OnNQId9u1XyjZxJZxsYTweSEXK/6Zrfnhvz/64rUFuWnS1ryQna64XmDw541U/LYoIqrGuHD5BqrAEWdPp4eUTT4+O70SOLB91oD0kUAWmdqzZCBwpPrn8xr+iQrn1cU4CGD7i/QCVY300TajQFxa0bLyRfUl8Yi/NWuLi3JX3u3d2uMw8lAEBUTZy9WWZ2/qbYEFj6Mrg3/3MwQkh3f9BR9u6qLH2B15P8TkwQK9GcJn/6sTNNHL7O6oWVUXiq7IAW89FdaeUC8VIh1VjhTOo3hQhte7oNewbXA1AM03M5JVn+NCeWZjCxjul8FKVnRvHEanf7pf/c+HihH97bfsUlQflFM66qpaA6/PD8vpjlNZZ2Pv2gqRpcTl4um+ryu1ivEFR4EsTkEYrfzxauqZa7Fdzvn9GUcITz9MPtFtghWfAHkI7I9KSVIPnp/+8WIi5FML/D7WZsvEE16+H5uP7/BufIA3JxSvsm32rRYiOeG9/EEwcIuBwufeaOUGdoUHvjPLfrD46mM1O/sZr/QPLw4P82Wr0gnZU3+WkENGPXYcyPtzHPLMeGx4vGeknG8buWDjXwee6S3b2cN3ONnNfH9xl4pWqLgp+VO3xCtvmZ/L7QfyNSQPMWe9yAlHueakhcuhL1tWtw8fRYZCsSHnlssKpjHRplhYhKUgpx/TWK/Hys9q/OcRHrxNTv7ueSk9DXN1LTNZ//vZqnu5MpI3hPIzw1fuuXRHypPIrX/NTuy/MEwdn8WOcOnzf/HpnTv/8NTuvezPKWGNv/vntJbNhtMfsSe9yAWGKkz1veYFTxfUEA1z8qxgqBQ7svJT5Myfz8VewsyfP1lajy3IuAtCDc4XOfL3jTmzQvqw19qloFjSyZug1wC5aEKhEvD7+mKIkVARtLf2L+QD0l/5mfSwe+fVG1bLW7gicHEgzW6N6XobwO/l3u6EfrtEosEDYvhJ19+cfpumvNaXxpN3w6wB6LQ59XFRV6PT+u6qrc+epYVSDW2FeV/aHKykvKPSlRBmD6nxM1ymqfnFOVTulbcH53WMS1DEgLRmB1PPKeI56Yc5g3ZkWNe/kUaC0uk4DMaAtIZNoT+GgkNUaCaTX+vNVx/1d8lqWNrcwMzMxjpbRB0QbeUlLVR/haL73Xx2U53N0WuAoDS8dVy9qbSRHgPqh3bbvp7bOxr7/vpo5vWcfgVSRTRLJru5INbLQIFY/9dvWWNm8zDDeqTeOXpmtbTp+AKdOI02eYXI8PwcRxbqCQTm+Bs1LtDX1l/KzqJH5zICYgiXUDoPpA8MVx/9sn03kQwLwdE8Bbuv97gQ34Nhv1+sMY2OyOGcdhDDhrCSxYgpNQJTrnJbdxo8cF2vQF+MMvdmP+6hRsUw2yjhu4+t+gDj0iZ1xNUWKff723UwP7jFCpyAB6czQu8/vOz70yZ55YUwnNeVhkt+q6yKYxrXPwN35CFCZQnllrIskQ1xqbvvlvM2jlZo/3x3t7+3qfnt5wCPB7hpYuOPufPPgk/k+4+MYP8mr1hgjqd0Ue3BHaLGAXPze6seX5IM4xBD0zihq/M/N4b7+3f+6Zn92uCi0/fN8MqGxWx//gISUZDsuG37CcL16xe5y3Srr4yGol7fGuVRNbz9N0qI8cBaQ9a0jknHKd505BPfktd08kn3Wxi/Oc92PiHpz3xvAdieEIiWC3kPhHGetzn8E+Cjwz/7e6cvwey5un1Fxi8G/ojYe6M4JZcieeW+g3P7XUcng+bB5Vw98G38+Ji3nbmQVr5n2izb2AeFFI4EZs7DCfi9jYGzy3n4dYKq87bdb30Ub0FMv8vz7Z1fcAPy7m9x8e3Thbh2TDCTUmjbDbzUjANs5BNCcWAxfNc/Q8NJ/RzAO+bKXqVL6pLymMhOWRjVc5lfWi66LIqZgpe/ZGtr5sp2v3/X6YomhPaALWXz/nsPfI5eI57a54RDDcgECZqSIxviMPd+IQHAuw3vTioKm4D4OdQ2GseZihIX1vkO3++p0g3eSsS/bjJ83Ra5+efQZJt1vqju0c2cf11JVtz1zdK9HlVkydLDF5EEqUkSof0xdFn6Q793N6+vZwPcomTsOL7QzTv8uZxu1UMZOHjKspbaR52sd8Xcwd0CO9ggXsgARzhp1sHBV8H470bMdZuN2Hc/zDUbfGXvaEGMAbkAx+/XuXT4rxQgzcrahoGlEF1ToYaEjvJak8ihqTBSEK+XC+8yMY16FDyBol9M+c0Ka3X1ECqWZXZNSmVbGIUCmnqNl+27yGr5KmO3lNvDGAxycvq6mtiIZHeN4RIiYhJ17HeHxXEUN8QIjWHB18bk1d4PWBd/fFL/h/0QEWyR1cAAA==&lt;/Code&gt;&lt;CodeSignature&gt;jCu+5ge7H3MmU+YJ8OVg5UfykE4rOnzmp5RsiEZm+GW/oOFA4Ls33pmDI3q9blBI/Dk74wejzG7FY4C4vOdaS6iR2PA4epListS9pOdEl2Bnl9mQD5WlY4XegJIofLU3Qx5j8gyCWGYlqrXqYrGlV474IaRsay6ULCtEGqvabvwrzICYpXApQXQ4Z0tHpnTJSAqwYx5L0Y63faAhBE5o1gVoynBULr+GxsFyWEIuJVTDfzXg/i82Atowvhe87/oZWKS89ognxHa6fk74HNBu0jgPB0cr4/PgruWujwdENusfo4pJLLjrBEiW5fBuRAzsTtoLzxHklpTV2CZz4qUefA==&lt;/CodeSignature&gt;&lt;/SmartOptions&gt;&lt;SmartResize enabled=&quot;True&quot; minWidth=&quot;0&quot; minHeight=&quot;0&quot; /&gt;&lt;/SmartSettings&gt;">
@@ -23134,6 +23216,16 @@
                 </a:rPr>
                 <a:t>1</a:t>
               </a:r>
+              <a:r>
+                <a:rPr lang="en-US" sz="850" b="1" noProof="1">
+                  <a:solidFill>
+                    <a:srgbClr val="000000"/>
+                  </a:solidFill>
+                  <a:latin typeface="Segoe UI" panose="020B0502040204020203" pitchFamily="34" charset="0"/>
+                  <a:cs typeface="Segoe UI" panose="020B0502040204020203" pitchFamily="34" charset="0"/>
+                </a:rPr>
+                <a:t/>
+              </a:r>
               <a:br>
                 <a:rPr lang="en-US" sz="850" b="1" noProof="1">
                   <a:solidFill>
@@ -23193,6 +23285,16 @@
                 </a:rPr>
                 <a:t>2</a:t>
               </a:r>
+              <a:r>
+                <a:rPr lang="en-US" sz="850" b="1" noProof="1">
+                  <a:solidFill>
+                    <a:srgbClr val="000000"/>
+                  </a:solidFill>
+                  <a:latin typeface="Segoe UI" panose="020B0502040204020203" pitchFamily="34" charset="0"/>
+                  <a:cs typeface="Segoe UI" panose="020B0502040204020203" pitchFamily="34" charset="0"/>
+                </a:rPr>
+                <a:t/>
+              </a:r>
               <a:br>
                 <a:rPr lang="en-US" sz="850" b="1" noProof="1">
                   <a:solidFill>
@@ -23252,6 +23354,16 @@
                 </a:rPr>
                 <a:t>3</a:t>
               </a:r>
+              <a:r>
+                <a:rPr lang="en-US" sz="850" b="1" noProof="1">
+                  <a:solidFill>
+                    <a:srgbClr val="000000"/>
+                  </a:solidFill>
+                  <a:latin typeface="Segoe UI" panose="020B0502040204020203" pitchFamily="34" charset="0"/>
+                  <a:cs typeface="Segoe UI" panose="020B0502040204020203" pitchFamily="34" charset="0"/>
+                </a:rPr>
+                <a:t/>
+              </a:r>
               <a:br>
                 <a:rPr lang="en-US" sz="850" b="1" noProof="1">
                   <a:solidFill>
@@ -23311,6 +23423,16 @@
                 </a:rPr>
                 <a:t>4</a:t>
               </a:r>
+              <a:r>
+                <a:rPr lang="en-US" sz="850" b="1" noProof="1">
+                  <a:solidFill>
+                    <a:srgbClr val="000000"/>
+                  </a:solidFill>
+                  <a:latin typeface="Segoe UI" panose="020B0502040204020203" pitchFamily="34" charset="0"/>
+                  <a:cs typeface="Segoe UI" panose="020B0502040204020203" pitchFamily="34" charset="0"/>
+                </a:rPr>
+                <a:t/>
+              </a:r>
               <a:br>
                 <a:rPr lang="en-US" sz="850" b="1" noProof="1">
                   <a:solidFill>
@@ -23370,6 +23492,16 @@
                 </a:rPr>
                 <a:t>5</a:t>
               </a:r>
+              <a:r>
+                <a:rPr lang="en-US" sz="850" noProof="1">
+                  <a:solidFill>
+                    <a:srgbClr val="000000"/>
+                  </a:solidFill>
+                  <a:latin typeface="Segoe UI" panose="020B0502040204020203" pitchFamily="34" charset="0"/>
+                  <a:cs typeface="Segoe UI" panose="020B0502040204020203" pitchFamily="34" charset="0"/>
+                </a:rPr>
+                <a:t/>
+              </a:r>
               <a:br>
                 <a:rPr lang="en-US" sz="850" noProof="1">
                   <a:solidFill>
@@ -23428,6 +23560,16 @@
                   <a:cs typeface="Segoe UI" panose="020B0502040204020203" pitchFamily="34" charset="0"/>
                 </a:rPr>
                 <a:t>6</a:t>
+              </a:r>
+              <a:r>
+                <a:rPr lang="en-US" sz="850" noProof="1">
+                  <a:solidFill>
+                    <a:srgbClr val="000000"/>
+                  </a:solidFill>
+                  <a:latin typeface="Segoe UI" panose="020B0502040204020203" pitchFamily="34" charset="0"/>
+                  <a:cs typeface="Segoe UI" panose="020B0502040204020203" pitchFamily="34" charset="0"/>
+                </a:rPr>
+                <a:t/>
               </a:r>
               <a:br>
                 <a:rPr lang="en-US" sz="850" noProof="1">
@@ -25454,6 +25596,213 @@
           </p:txBody>
         </p:sp>
       </p:grpSp>
+      <p:grpSp>
+        <p:nvGrpSpPr>
+          <p:cNvPr id="14" name="그룹 13"/>
+          <p:cNvGrpSpPr/>
+          <p:nvPr/>
+        </p:nvGrpSpPr>
+        <p:grpSpPr>
+          <a:xfrm>
+            <a:off x="6097802" y="3870422"/>
+            <a:ext cx="870499" cy="844271"/>
+            <a:chOff x="6097802" y="3870422"/>
+            <a:chExt cx="870499" cy="844271"/>
+          </a:xfrm>
+        </p:grpSpPr>
+        <p:sp>
+          <p:nvSpPr>
+            <p:cNvPr id="66" name="직사각형 65"/>
+            <p:cNvSpPr/>
+            <p:nvPr/>
+          </p:nvSpPr>
+          <p:spPr>
+            <a:xfrm>
+              <a:off x="6097802" y="3870422"/>
+              <a:ext cx="870499" cy="179901"/>
+            </a:xfrm>
+            <a:prstGeom prst="rect">
+              <a:avLst/>
+            </a:prstGeom>
+            <a:noFill/>
+            <a:ln w="9525" cap="flat" cmpd="sng" algn="ctr">
+              <a:solidFill>
+                <a:schemeClr val="accent3"/>
+              </a:solidFill>
+              <a:prstDash val="solid"/>
+              <a:round/>
+              <a:headEnd type="none" w="med" len="med"/>
+              <a:tailEnd type="none" w="med" len="med"/>
+            </a:ln>
+          </p:spPr>
+          <p:style>
+            <a:lnRef idx="0">
+              <a:scrgbClr r="0" g="0" b="0"/>
+            </a:lnRef>
+            <a:fillRef idx="0">
+              <a:scrgbClr r="0" g="0" b="0"/>
+            </a:fillRef>
+            <a:effectRef idx="0">
+              <a:scrgbClr r="0" g="0" b="0"/>
+            </a:effectRef>
+            <a:fontRef idx="minor">
+              <a:schemeClr val="accent3"/>
+            </a:fontRef>
+          </p:style>
+          <p:txBody>
+            <a:bodyPr rtlCol="0" anchor="ctr"/>
+            <a:lstStyle/>
+            <a:p>
+              <a:pPr algn="ctr"/>
+              <a:endParaRPr lang="ko-KR" altLang="en-US"/>
+            </a:p>
+          </p:txBody>
+        </p:sp>
+        <p:sp>
+          <p:nvSpPr>
+            <p:cNvPr id="67" name="직사각형 66"/>
+            <p:cNvSpPr/>
+            <p:nvPr/>
+          </p:nvSpPr>
+          <p:spPr>
+            <a:xfrm>
+              <a:off x="6097802" y="4091879"/>
+              <a:ext cx="870499" cy="179901"/>
+            </a:xfrm>
+            <a:prstGeom prst="rect">
+              <a:avLst/>
+            </a:prstGeom>
+            <a:noFill/>
+            <a:ln w="9525" cap="flat" cmpd="sng" algn="ctr">
+              <a:solidFill>
+                <a:schemeClr val="accent3"/>
+              </a:solidFill>
+              <a:prstDash val="solid"/>
+              <a:round/>
+              <a:headEnd type="none" w="med" len="med"/>
+              <a:tailEnd type="none" w="med" len="med"/>
+            </a:ln>
+          </p:spPr>
+          <p:style>
+            <a:lnRef idx="0">
+              <a:scrgbClr r="0" g="0" b="0"/>
+            </a:lnRef>
+            <a:fillRef idx="0">
+              <a:scrgbClr r="0" g="0" b="0"/>
+            </a:fillRef>
+            <a:effectRef idx="0">
+              <a:scrgbClr r="0" g="0" b="0"/>
+            </a:effectRef>
+            <a:fontRef idx="minor">
+              <a:schemeClr val="accent3"/>
+            </a:fontRef>
+          </p:style>
+          <p:txBody>
+            <a:bodyPr rtlCol="0" anchor="ctr"/>
+            <a:lstStyle/>
+            <a:p>
+              <a:pPr algn="ctr"/>
+              <a:endParaRPr lang="ko-KR" altLang="en-US"/>
+            </a:p>
+          </p:txBody>
+        </p:sp>
+        <p:sp>
+          <p:nvSpPr>
+            <p:cNvPr id="68" name="직사각형 67"/>
+            <p:cNvSpPr/>
+            <p:nvPr/>
+          </p:nvSpPr>
+          <p:spPr>
+            <a:xfrm>
+              <a:off x="6097802" y="4313336"/>
+              <a:ext cx="870499" cy="179901"/>
+            </a:xfrm>
+            <a:prstGeom prst="rect">
+              <a:avLst/>
+            </a:prstGeom>
+            <a:noFill/>
+            <a:ln w="9525" cap="flat" cmpd="sng" algn="ctr">
+              <a:solidFill>
+                <a:schemeClr val="accent3"/>
+              </a:solidFill>
+              <a:prstDash val="solid"/>
+              <a:round/>
+              <a:headEnd type="none" w="med" len="med"/>
+              <a:tailEnd type="none" w="med" len="med"/>
+            </a:ln>
+          </p:spPr>
+          <p:style>
+            <a:lnRef idx="0">
+              <a:scrgbClr r="0" g="0" b="0"/>
+            </a:lnRef>
+            <a:fillRef idx="0">
+              <a:scrgbClr r="0" g="0" b="0"/>
+            </a:fillRef>
+            <a:effectRef idx="0">
+              <a:scrgbClr r="0" g="0" b="0"/>
+            </a:effectRef>
+            <a:fontRef idx="minor">
+              <a:schemeClr val="accent3"/>
+            </a:fontRef>
+          </p:style>
+          <p:txBody>
+            <a:bodyPr rtlCol="0" anchor="ctr"/>
+            <a:lstStyle/>
+            <a:p>
+              <a:pPr algn="ctr"/>
+              <a:endParaRPr lang="ko-KR" altLang="en-US"/>
+            </a:p>
+          </p:txBody>
+        </p:sp>
+        <p:sp>
+          <p:nvSpPr>
+            <p:cNvPr id="69" name="직사각형 68"/>
+            <p:cNvSpPr/>
+            <p:nvPr/>
+          </p:nvSpPr>
+          <p:spPr>
+            <a:xfrm>
+              <a:off x="6097802" y="4534792"/>
+              <a:ext cx="870499" cy="179901"/>
+            </a:xfrm>
+            <a:prstGeom prst="rect">
+              <a:avLst/>
+            </a:prstGeom>
+            <a:noFill/>
+            <a:ln w="9525" cap="flat" cmpd="sng" algn="ctr">
+              <a:solidFill>
+                <a:schemeClr val="accent3"/>
+              </a:solidFill>
+              <a:prstDash val="solid"/>
+              <a:round/>
+              <a:headEnd type="none" w="med" len="med"/>
+              <a:tailEnd type="none" w="med" len="med"/>
+            </a:ln>
+          </p:spPr>
+          <p:style>
+            <a:lnRef idx="0">
+              <a:scrgbClr r="0" g="0" b="0"/>
+            </a:lnRef>
+            <a:fillRef idx="0">
+              <a:scrgbClr r="0" g="0" b="0"/>
+            </a:fillRef>
+            <a:effectRef idx="0">
+              <a:scrgbClr r="0" g="0" b="0"/>
+            </a:effectRef>
+            <a:fontRef idx="minor">
+              <a:schemeClr val="accent3"/>
+            </a:fontRef>
+          </p:style>
+          <p:txBody>
+            <a:bodyPr rtlCol="0" anchor="ctr"/>
+            <a:lstStyle/>
+            <a:p>
+              <a:pPr algn="ctr"/>
+              <a:endParaRPr lang="ko-KR" altLang="en-US"/>
+            </a:p>
+          </p:txBody>
+        </p:sp>
+      </p:grpSp>
     </p:spTree>
     <p:extLst>
       <p:ext uri="{BB962C8B-B14F-4D97-AF65-F5344CB8AC3E}">
@@ -25469,25 +25818,25 @@
 
 <file path=ppt/tags/tag1.xml><?xml version="1.0" encoding="utf-8"?>
 <p:tagLst xmlns:a="http://schemas.openxmlformats.org/drawingml/2006/main" xmlns:r="http://schemas.openxmlformats.org/officeDocument/2006/relationships" xmlns:p="http://schemas.openxmlformats.org/presentationml/2006/main">
-  <p:tag name="SMARTSETTINGSHASH" val="YNCVjCPV1IzMKXKl9/fgBjVQoFrENqHg4RSYVydCDrE="/>
+  <p:tag name="SMARTSETTINGSHASH" val="xZU/W0IqlvXPkJ37/hSWg5jSIFh0KZmI7sT1syyiYH8="/>
 </p:tagLst>
 </file>
 
 <file path=ppt/tags/tag10.xml><?xml version="1.0" encoding="utf-8"?>
 <p:tagLst xmlns:a="http://schemas.openxmlformats.org/drawingml/2006/main" xmlns:r="http://schemas.openxmlformats.org/officeDocument/2006/relationships" xmlns:p="http://schemas.openxmlformats.org/presentationml/2006/main">
-  <p:tag name="SMARTSETTINGSHASH" val="xZU/W0IqlvXPkJ37/hSWg5jSIFh0KZmI7sT1syyiYH8="/>
+  <p:tag name="SMARTSETTINGSHASH" val="MiCPcBciJSuT3YS/PyKxI0+nAoAdZBcdnM4Bzsb1u78="/>
 </p:tagLst>
 </file>
 
 <file path=ppt/tags/tag11.xml><?xml version="1.0" encoding="utf-8"?>
 <p:tagLst xmlns:a="http://schemas.openxmlformats.org/drawingml/2006/main" xmlns:r="http://schemas.openxmlformats.org/officeDocument/2006/relationships" xmlns:p="http://schemas.openxmlformats.org/presentationml/2006/main">
-  <p:tag name="SMARTSETTINGSHASH" val="xZU/W0IqlvXPkJ37/hSWg5jSIFh0KZmI7sT1syyiYH8="/>
+  <p:tag name="SMARTSETTINGSHASH" val="SB3bqgv5ghGJknk/m+/9EdPMDkanH9eNosaoBtCx42Q="/>
 </p:tagLst>
 </file>
 
 <file path=ppt/tags/tag12.xml><?xml version="1.0" encoding="utf-8"?>
 <p:tagLst xmlns:a="http://schemas.openxmlformats.org/drawingml/2006/main" xmlns:r="http://schemas.openxmlformats.org/officeDocument/2006/relationships" xmlns:p="http://schemas.openxmlformats.org/presentationml/2006/main">
-  <p:tag name="SMARTSETTINGSHASH" val="SB3bqgv5ghGJknk/m+/9EdPMDkanH9eNosaoBtCx42Q="/>
+  <p:tag name="SMARTSETTINGSHASH" val="xscEFkRiZvbxLfN1YzQGPp4nKBgtuPrjp3QiTCcMWwM="/>
 </p:tagLst>
 </file>
 
@@ -25505,37 +25854,37 @@
 
 <file path=ppt/tags/tag15.xml><?xml version="1.0" encoding="utf-8"?>
 <p:tagLst xmlns:a="http://schemas.openxmlformats.org/drawingml/2006/main" xmlns:r="http://schemas.openxmlformats.org/officeDocument/2006/relationships" xmlns:p="http://schemas.openxmlformats.org/presentationml/2006/main">
-  <p:tag name="SMARTSETTINGSHASH" val="xscEFkRiZvbxLfN1YzQGPp4nKBgtuPrjp3QiTCcMWwM="/>
+  <p:tag name="SMARTSETTINGSHASH" val="xZU/W0IqlvXPkJ37/hSWg5jSIFh0KZmI7sT1syyiYH8="/>
 </p:tagLst>
 </file>
 
 <file path=ppt/tags/tag16.xml><?xml version="1.0" encoding="utf-8"?>
 <p:tagLst xmlns:a="http://schemas.openxmlformats.org/drawingml/2006/main" xmlns:r="http://schemas.openxmlformats.org/officeDocument/2006/relationships" xmlns:p="http://schemas.openxmlformats.org/presentationml/2006/main">
-  <p:tag name="SMARTSETTINGSHASH" val="xZU/W0IqlvXPkJ37/hSWg5jSIFh0KZmI7sT1syyiYH8="/>
+  <p:tag name="SMARTSETTINGSHASH" val="YNCVjCPV1IzMKXKl9/fgBjVQoFrENqHg4RSYVydCDrE="/>
 </p:tagLst>
 </file>
 
 <file path=ppt/tags/tag17.xml><?xml version="1.0" encoding="utf-8"?>
 <p:tagLst xmlns:a="http://schemas.openxmlformats.org/drawingml/2006/main" xmlns:r="http://schemas.openxmlformats.org/officeDocument/2006/relationships" xmlns:p="http://schemas.openxmlformats.org/presentationml/2006/main">
-  <p:tag name="SMARTSETTINGSHASH" val="YNCVjCPV1IzMKXKl9/fgBjVQoFrENqHg4RSYVydCDrE="/>
+  <p:tag name="SMARTSETTINGSHASH" val="9tLmF7Svskb3mwae0jw+zQvDfQv7vF7Mpfx34C5Lt8U="/>
 </p:tagLst>
 </file>
 
 <file path=ppt/tags/tag18.xml><?xml version="1.0" encoding="utf-8"?>
 <p:tagLst xmlns:a="http://schemas.openxmlformats.org/drawingml/2006/main" xmlns:r="http://schemas.openxmlformats.org/officeDocument/2006/relationships" xmlns:p="http://schemas.openxmlformats.org/presentationml/2006/main">
-  <p:tag name="SMARTSETTINGSHASH" val="9tLmF7Svskb3mwae0jw+zQvDfQv7vF7Mpfx34C5Lt8U="/>
+  <p:tag name="SMARTSETTINGSHASH" val="MiCPcBciJSuT3YS/PyKxI0+nAoAdZBcdnM4Bzsb1u78="/>
 </p:tagLst>
 </file>
 
 <file path=ppt/tags/tag19.xml><?xml version="1.0" encoding="utf-8"?>
 <p:tagLst xmlns:a="http://schemas.openxmlformats.org/drawingml/2006/main" xmlns:r="http://schemas.openxmlformats.org/officeDocument/2006/relationships" xmlns:p="http://schemas.openxmlformats.org/presentationml/2006/main">
-  <p:tag name="SMARTSETTINGSHASH" val="MiCPcBciJSuT3YS/PyKxI0+nAoAdZBcdnM4Bzsb1u78="/>
+  <p:tag name="SMARTSETTINGSHASH" val="xZU/W0IqlvXPkJ37/hSWg5jSIFh0KZmI7sT1syyiYH8="/>
 </p:tagLst>
 </file>
 
 <file path=ppt/tags/tag2.xml><?xml version="1.0" encoding="utf-8"?>
 <p:tagLst xmlns:a="http://schemas.openxmlformats.org/drawingml/2006/main" xmlns:r="http://schemas.openxmlformats.org/officeDocument/2006/relationships" xmlns:p="http://schemas.openxmlformats.org/presentationml/2006/main">
-  <p:tag name="SMARTSETTINGSHASH" val="9tLmF7Svskb3mwae0jw+zQvDfQv7vF7Mpfx34C5Lt8U="/>
+  <p:tag name="SMARTSETTINGSHASH" val="xZU/W0IqlvXPkJ37/hSWg5jSIFh0KZmI7sT1syyiYH8="/>
 </p:tagLst>
 </file>
 
@@ -25553,13 +25902,13 @@
 
 <file path=ppt/tags/tag22.xml><?xml version="1.0" encoding="utf-8"?>
 <p:tagLst xmlns:a="http://schemas.openxmlformats.org/drawingml/2006/main" xmlns:r="http://schemas.openxmlformats.org/officeDocument/2006/relationships" xmlns:p="http://schemas.openxmlformats.org/presentationml/2006/main">
-  <p:tag name="SMARTSETTINGSHASH" val="xZU/W0IqlvXPkJ37/hSWg5jSIFh0KZmI7sT1syyiYH8="/>
+  <p:tag name="SMARTSETTINGSHASH" val="SB3bqgv5ghGJknk/m+/9EdPMDkanH9eNosaoBtCx42Q="/>
 </p:tagLst>
 </file>
 
 <file path=ppt/tags/tag23.xml><?xml version="1.0" encoding="utf-8"?>
 <p:tagLst xmlns:a="http://schemas.openxmlformats.org/drawingml/2006/main" xmlns:r="http://schemas.openxmlformats.org/officeDocument/2006/relationships" xmlns:p="http://schemas.openxmlformats.org/presentationml/2006/main">
-  <p:tag name="SMARTSETTINGSHASH" val="SB3bqgv5ghGJknk/m+/9EdPMDkanH9eNosaoBtCx42Q="/>
+  <p:tag name="SMARTSETTINGSHASH" val="xscEFkRiZvbxLfN1YzQGPp4nKBgtuPrjp3QiTCcMWwM="/>
 </p:tagLst>
 </file>
 
@@ -25577,37 +25926,37 @@
 
 <file path=ppt/tags/tag26.xml><?xml version="1.0" encoding="utf-8"?>
 <p:tagLst xmlns:a="http://schemas.openxmlformats.org/drawingml/2006/main" xmlns:r="http://schemas.openxmlformats.org/officeDocument/2006/relationships" xmlns:p="http://schemas.openxmlformats.org/presentationml/2006/main">
-  <p:tag name="SMARTSETTINGSHASH" val="xscEFkRiZvbxLfN1YzQGPp4nKBgtuPrjp3QiTCcMWwM="/>
+  <p:tag name="SMARTSETTINGSHASH" val="YNCVjCPV1IzMKXKl9/fgBjVQoFrENqHg4RSYVydCDrE="/>
 </p:tagLst>
 </file>
 
 <file path=ppt/tags/tag27.xml><?xml version="1.0" encoding="utf-8"?>
 <p:tagLst xmlns:a="http://schemas.openxmlformats.org/drawingml/2006/main" xmlns:r="http://schemas.openxmlformats.org/officeDocument/2006/relationships" xmlns:p="http://schemas.openxmlformats.org/presentationml/2006/main">
-  <p:tag name="SMARTSETTINGSHASH" val="YNCVjCPV1IzMKXKl9/fgBjVQoFrENqHg4RSYVydCDrE="/>
+  <p:tag name="SMARTSETTINGSHASH" val="9tLmF7Svskb3mwae0jw+zQvDfQv7vF7Mpfx34C5Lt8U="/>
 </p:tagLst>
 </file>
 
 <file path=ppt/tags/tag28.xml><?xml version="1.0" encoding="utf-8"?>
 <p:tagLst xmlns:a="http://schemas.openxmlformats.org/drawingml/2006/main" xmlns:r="http://schemas.openxmlformats.org/officeDocument/2006/relationships" xmlns:p="http://schemas.openxmlformats.org/presentationml/2006/main">
-  <p:tag name="SMARTSETTINGSHASH" val="9tLmF7Svskb3mwae0jw+zQvDfQv7vF7Mpfx34C5Lt8U="/>
+  <p:tag name="SMARTSETTINGSHASH" val="MiCPcBciJSuT3YS/PyKxI0+nAoAdZBcdnM4Bzsb1u78="/>
 </p:tagLst>
 </file>
 
 <file path=ppt/tags/tag29.xml><?xml version="1.0" encoding="utf-8"?>
 <p:tagLst xmlns:a="http://schemas.openxmlformats.org/drawingml/2006/main" xmlns:r="http://schemas.openxmlformats.org/officeDocument/2006/relationships" xmlns:p="http://schemas.openxmlformats.org/presentationml/2006/main">
-  <p:tag name="SMARTSETTINGSHASH" val="MiCPcBciJSuT3YS/PyKxI0+nAoAdZBcdnM4Bzsb1u78="/>
+  <p:tag name="SMARTSETTINGSHASH" val="EmRiYyMZJGOyFPYq4ElK50/6kiumzLQjUaeydhl1zgc="/>
 </p:tagLst>
 </file>
 
 <file path=ppt/tags/tag3.xml><?xml version="1.0" encoding="utf-8"?>
 <p:tagLst xmlns:a="http://schemas.openxmlformats.org/drawingml/2006/main" xmlns:r="http://schemas.openxmlformats.org/officeDocument/2006/relationships" xmlns:p="http://schemas.openxmlformats.org/presentationml/2006/main">
-  <p:tag name="SMARTSETTINGSHASH" val="+U44s7QPHzPcxL3EQ72fDKWEWfCFiL/+9OVJWHVhKt8="/>
+  <p:tag name="SMARTSETTINGSHASH" val="9tLmF7Svskb3mwae0jw+zQvDfQv7vF7Mpfx34C5Lt8U="/>
 </p:tagLst>
 </file>
 
 <file path=ppt/tags/tag30.xml><?xml version="1.0" encoding="utf-8"?>
 <p:tagLst xmlns:a="http://schemas.openxmlformats.org/drawingml/2006/main" xmlns:r="http://schemas.openxmlformats.org/officeDocument/2006/relationships" xmlns:p="http://schemas.openxmlformats.org/presentationml/2006/main">
-  <p:tag name="SMARTSETTINGSHASH" val="EmRiYyMZJGOyFPYq4ElK50/6kiumzLQjUaeydhl1zgc="/>
+  <p:tag name="SMARTSETTINGSHASH" val="IDSg7uxH1Z/iSOkBSMZyie/SGkHlLE2okQSpqFhp1Ac="/>
 </p:tagLst>
 </file>
 
@@ -25643,7 +25992,7 @@
 
 <file path=ppt/tags/tag36.xml><?xml version="1.0" encoding="utf-8"?>
 <p:tagLst xmlns:a="http://schemas.openxmlformats.org/drawingml/2006/main" xmlns:r="http://schemas.openxmlformats.org/officeDocument/2006/relationships" xmlns:p="http://schemas.openxmlformats.org/presentationml/2006/main">
-  <p:tag name="SMARTSETTINGSHASH" val="IDSg7uxH1Z/iSOkBSMZyie/SGkHlLE2okQSpqFhp1Ac="/>
+  <p:tag name="SMARTSETTINGSHASH" val="xZU/W0IqlvXPkJ37/hSWg5jSIFh0KZmI7sT1syyiYH8="/>
 </p:tagLst>
 </file>
 
@@ -25661,19 +26010,19 @@
 
 <file path=ppt/tags/tag39.xml><?xml version="1.0" encoding="utf-8"?>
 <p:tagLst xmlns:a="http://schemas.openxmlformats.org/drawingml/2006/main" xmlns:r="http://schemas.openxmlformats.org/officeDocument/2006/relationships" xmlns:p="http://schemas.openxmlformats.org/presentationml/2006/main">
-  <p:tag name="SMARTSETTINGSHASH" val="xZU/W0IqlvXPkJ37/hSWg5jSIFh0KZmI7sT1syyiYH8="/>
+  <p:tag name="SMARTSETTINGSHASH" val="SB3bqgv5ghGJknk/m+/9EdPMDkanH9eNosaoBtCx42Q="/>
 </p:tagLst>
 </file>
 
 <file path=ppt/tags/tag4.xml><?xml version="1.0" encoding="utf-8"?>
 <p:tagLst xmlns:a="http://schemas.openxmlformats.org/drawingml/2006/main" xmlns:r="http://schemas.openxmlformats.org/officeDocument/2006/relationships" xmlns:p="http://schemas.openxmlformats.org/presentationml/2006/main">
-  <p:tag name="SMARTSETTINGSHASH" val="xZU/W0IqlvXPkJ37/hSWg5jSIFh0KZmI7sT1syyiYH8="/>
+  <p:tag name="SMARTSETTINGSHASH" val="+U44s7QPHzPcxL3EQ72fDKWEWfCFiL/+9OVJWHVhKt8="/>
 </p:tagLst>
 </file>
 
 <file path=ppt/tags/tag40.xml><?xml version="1.0" encoding="utf-8"?>
 <p:tagLst xmlns:a="http://schemas.openxmlformats.org/drawingml/2006/main" xmlns:r="http://schemas.openxmlformats.org/officeDocument/2006/relationships" xmlns:p="http://schemas.openxmlformats.org/presentationml/2006/main">
-  <p:tag name="SMARTSETTINGSHASH" val="SB3bqgv5ghGJknk/m+/9EdPMDkanH9eNosaoBtCx42Q="/>
+  <p:tag name="SMARTSETTINGSHASH" val="xscEFkRiZvbxLfN1YzQGPp4nKBgtuPrjp3QiTCcMWwM="/>
 </p:tagLst>
 </file>
 
@@ -25689,39 +26038,33 @@
 </p:tagLst>
 </file>
 
-<file path=ppt/tags/tag43.xml><?xml version="1.0" encoding="utf-8"?>
+<file path=ppt/tags/tag5.xml><?xml version="1.0" encoding="utf-8"?>
+<p:tagLst xmlns:a="http://schemas.openxmlformats.org/drawingml/2006/main" xmlns:r="http://schemas.openxmlformats.org/officeDocument/2006/relationships" xmlns:p="http://schemas.openxmlformats.org/presentationml/2006/main">
+  <p:tag name="SMARTSETTINGSHASH" val="xZU/W0IqlvXPkJ37/hSWg5jSIFh0KZmI7sT1syyiYH8="/>
+</p:tagLst>
+</file>
+
+<file path=ppt/tags/tag6.xml><?xml version="1.0" encoding="utf-8"?>
+<p:tagLst xmlns:a="http://schemas.openxmlformats.org/drawingml/2006/main" xmlns:r="http://schemas.openxmlformats.org/officeDocument/2006/relationships" xmlns:p="http://schemas.openxmlformats.org/presentationml/2006/main">
+  <p:tag name="SMARTSETTINGSHASH" val="MjBcI7OPBWB7DCqWfTY1SZp22lNOS0G19wdyU0+jZdM="/>
+</p:tagLst>
+</file>
+
+<file path=ppt/tags/tag7.xml><?xml version="1.0" encoding="utf-8"?>
+<p:tagLst xmlns:a="http://schemas.openxmlformats.org/drawingml/2006/main" xmlns:r="http://schemas.openxmlformats.org/officeDocument/2006/relationships" xmlns:p="http://schemas.openxmlformats.org/presentationml/2006/main">
+  <p:tag name="SMARTSETTINGSHASH" val="6DHyrChx9VeLXKp6M9Yf9IBPW9lrm7s++E64EzlHcWo="/>
+</p:tagLst>
+</file>
+
+<file path=ppt/tags/tag8.xml><?xml version="1.0" encoding="utf-8"?>
 <p:tagLst xmlns:a="http://schemas.openxmlformats.org/drawingml/2006/main" xmlns:r="http://schemas.openxmlformats.org/officeDocument/2006/relationships" xmlns:p="http://schemas.openxmlformats.org/presentationml/2006/main">
   <p:tag name="SMARTSETTINGSHASH" val="xscEFkRiZvbxLfN1YzQGPp4nKBgtuPrjp3QiTCcMWwM="/>
 </p:tagLst>
 </file>
 
-<file path=ppt/tags/tag5.xml><?xml version="1.0" encoding="utf-8"?>
-<p:tagLst xmlns:a="http://schemas.openxmlformats.org/drawingml/2006/main" xmlns:r="http://schemas.openxmlformats.org/officeDocument/2006/relationships" xmlns:p="http://schemas.openxmlformats.org/presentationml/2006/main">
-  <p:tag name="SMARTSETTINGSHASH" val="MjBcI7OPBWB7DCqWfTY1SZp22lNOS0G19wdyU0+jZdM="/>
-</p:tagLst>
-</file>
-
-<file path=ppt/tags/tag6.xml><?xml version="1.0" encoding="utf-8"?>
-<p:tagLst xmlns:a="http://schemas.openxmlformats.org/drawingml/2006/main" xmlns:r="http://schemas.openxmlformats.org/officeDocument/2006/relationships" xmlns:p="http://schemas.openxmlformats.org/presentationml/2006/main">
-  <p:tag name="SMARTSETTINGSHASH" val="6DHyrChx9VeLXKp6M9Yf9IBPW9lrm7s++E64EzlHcWo="/>
-</p:tagLst>
-</file>
-
-<file path=ppt/tags/tag7.xml><?xml version="1.0" encoding="utf-8"?>
-<p:tagLst xmlns:a="http://schemas.openxmlformats.org/drawingml/2006/main" xmlns:r="http://schemas.openxmlformats.org/officeDocument/2006/relationships" xmlns:p="http://schemas.openxmlformats.org/presentationml/2006/main">
-  <p:tag name="SMARTSETTINGSHASH" val="xscEFkRiZvbxLfN1YzQGPp4nKBgtuPrjp3QiTCcMWwM="/>
-</p:tagLst>
-</file>
-
-<file path=ppt/tags/tag8.xml><?xml version="1.0" encoding="utf-8"?>
+<file path=ppt/tags/tag9.xml><?xml version="1.0" encoding="utf-8"?>
 <p:tagLst xmlns:a="http://schemas.openxmlformats.org/drawingml/2006/main" xmlns:r="http://schemas.openxmlformats.org/officeDocument/2006/relationships" xmlns:p="http://schemas.openxmlformats.org/presentationml/2006/main">
   <p:tag name="SMARTSETTINGSHASH" val="toFvHBE0DSHbpkvebRIgEbzMi2hInHW/XCMQAmcRuFU="/>
-</p:tagLst>
-</file>
-
-<file path=ppt/tags/tag9.xml><?xml version="1.0" encoding="utf-8"?>
-<p:tagLst xmlns:a="http://schemas.openxmlformats.org/drawingml/2006/main" xmlns:r="http://schemas.openxmlformats.org/officeDocument/2006/relationships" xmlns:p="http://schemas.openxmlformats.org/presentationml/2006/main">
-  <p:tag name="SMARTSETTINGSHASH" val="MiCPcBciJSuT3YS/PyKxI0+nAoAdZBcdnM4Bzsb1u78="/>
 </p:tagLst>
 </file>
 

--- a/DigitalPalette/Digital Palette.pptx
+++ b/DigitalPalette/Digital Palette.pptx
@@ -262,7 +262,7 @@
           <a:p>
             <a:fld id="{EA0C2C95-BC5F-47BC-B9B6-E407C2A98A02}" type="datetimeFigureOut">
               <a:rPr lang="ko-KR" altLang="en-US" smtClean="0"/>
-              <a:t>2021-07-19</a:t>
+              <a:t>2021-07-20</a:t>
             </a:fld>
             <a:endParaRPr lang="ko-KR" altLang="en-US"/>
           </a:p>
@@ -460,7 +460,7 @@
           <a:p>
             <a:fld id="{EA0C2C95-BC5F-47BC-B9B6-E407C2A98A02}" type="datetimeFigureOut">
               <a:rPr lang="ko-KR" altLang="en-US" smtClean="0"/>
-              <a:t>2021-07-19</a:t>
+              <a:t>2021-07-20</a:t>
             </a:fld>
             <a:endParaRPr lang="ko-KR" altLang="en-US"/>
           </a:p>
@@ -668,7 +668,7 @@
           <a:p>
             <a:fld id="{EA0C2C95-BC5F-47BC-B9B6-E407C2A98A02}" type="datetimeFigureOut">
               <a:rPr lang="ko-KR" altLang="en-US" smtClean="0"/>
-              <a:t>2021-07-19</a:t>
+              <a:t>2021-07-20</a:t>
             </a:fld>
             <a:endParaRPr lang="ko-KR" altLang="en-US"/>
           </a:p>
@@ -866,7 +866,7 @@
           <a:p>
             <a:fld id="{EA0C2C95-BC5F-47BC-B9B6-E407C2A98A02}" type="datetimeFigureOut">
               <a:rPr lang="ko-KR" altLang="en-US" smtClean="0"/>
-              <a:t>2021-07-19</a:t>
+              <a:t>2021-07-20</a:t>
             </a:fld>
             <a:endParaRPr lang="ko-KR" altLang="en-US"/>
           </a:p>
@@ -1141,7 +1141,7 @@
           <a:p>
             <a:fld id="{EA0C2C95-BC5F-47BC-B9B6-E407C2A98A02}" type="datetimeFigureOut">
               <a:rPr lang="ko-KR" altLang="en-US" smtClean="0"/>
-              <a:t>2021-07-19</a:t>
+              <a:t>2021-07-20</a:t>
             </a:fld>
             <a:endParaRPr lang="ko-KR" altLang="en-US"/>
           </a:p>
@@ -1406,7 +1406,7 @@
           <a:p>
             <a:fld id="{EA0C2C95-BC5F-47BC-B9B6-E407C2A98A02}" type="datetimeFigureOut">
               <a:rPr lang="ko-KR" altLang="en-US" smtClean="0"/>
-              <a:t>2021-07-19</a:t>
+              <a:t>2021-07-20</a:t>
             </a:fld>
             <a:endParaRPr lang="ko-KR" altLang="en-US"/>
           </a:p>
@@ -1818,7 +1818,7 @@
           <a:p>
             <a:fld id="{EA0C2C95-BC5F-47BC-B9B6-E407C2A98A02}" type="datetimeFigureOut">
               <a:rPr lang="ko-KR" altLang="en-US" smtClean="0"/>
-              <a:t>2021-07-19</a:t>
+              <a:t>2021-07-20</a:t>
             </a:fld>
             <a:endParaRPr lang="ko-KR" altLang="en-US"/>
           </a:p>
@@ -1959,7 +1959,7 @@
           <a:p>
             <a:fld id="{EA0C2C95-BC5F-47BC-B9B6-E407C2A98A02}" type="datetimeFigureOut">
               <a:rPr lang="ko-KR" altLang="en-US" smtClean="0"/>
-              <a:t>2021-07-19</a:t>
+              <a:t>2021-07-20</a:t>
             </a:fld>
             <a:endParaRPr lang="ko-KR" altLang="en-US"/>
           </a:p>
@@ -2072,7 +2072,7 @@
           <a:p>
             <a:fld id="{EA0C2C95-BC5F-47BC-B9B6-E407C2A98A02}" type="datetimeFigureOut">
               <a:rPr lang="ko-KR" altLang="en-US" smtClean="0"/>
-              <a:t>2021-07-19</a:t>
+              <a:t>2021-07-20</a:t>
             </a:fld>
             <a:endParaRPr lang="ko-KR" altLang="en-US"/>
           </a:p>
@@ -2383,7 +2383,7 @@
           <a:p>
             <a:fld id="{EA0C2C95-BC5F-47BC-B9B6-E407C2A98A02}" type="datetimeFigureOut">
               <a:rPr lang="ko-KR" altLang="en-US" smtClean="0"/>
-              <a:t>2021-07-19</a:t>
+              <a:t>2021-07-20</a:t>
             </a:fld>
             <a:endParaRPr lang="ko-KR" altLang="en-US"/>
           </a:p>
@@ -2671,7 +2671,7 @@
           <a:p>
             <a:fld id="{EA0C2C95-BC5F-47BC-B9B6-E407C2A98A02}" type="datetimeFigureOut">
               <a:rPr lang="ko-KR" altLang="en-US" smtClean="0"/>
-              <a:t>2021-07-19</a:t>
+              <a:t>2021-07-20</a:t>
             </a:fld>
             <a:endParaRPr lang="ko-KR" altLang="en-US"/>
           </a:p>
@@ -2912,7 +2912,7 @@
           <a:p>
             <a:fld id="{EA0C2C95-BC5F-47BC-B9B6-E407C2A98A02}" type="datetimeFigureOut">
               <a:rPr lang="ko-KR" altLang="en-US" smtClean="0"/>
-              <a:t>2021-07-19</a:t>
+              <a:t>2021-07-20</a:t>
             </a:fld>
             <a:endParaRPr lang="ko-KR" altLang="en-US"/>
           </a:p>
@@ -12184,7 +12184,7 @@
         <p:spPr>
           <a:xfrm>
             <a:off x="5618659" y="2300673"/>
-            <a:ext cx="1479892" cy="200055"/>
+            <a:ext cx="1447832" cy="200055"/>
           </a:xfrm>
           <a:prstGeom prst="rect">
             <a:avLst/>
@@ -12199,7 +12199,19 @@
           <a:p>
             <a:r>
               <a:rPr lang="ko-KR" altLang="en-US" sz="700" dirty="0"/>
-              <a:t>리스트에서 제일 처음 선택된 색</a:t>
+              <a:t>리스트에서 </a:t>
+            </a:r>
+            <a:r>
+              <a:rPr lang="ko-KR" altLang="en-US" sz="700" dirty="0" smtClean="0"/>
+              <a:t>마지막에</a:t>
+            </a:r>
+            <a:r>
+              <a:rPr lang="ko-KR" altLang="en-US" sz="700" dirty="0" smtClean="0"/>
+              <a:t> </a:t>
+            </a:r>
+            <a:r>
+              <a:rPr lang="ko-KR" altLang="en-US" sz="700" dirty="0"/>
+              <a:t>선택된 색</a:t>
             </a:r>
           </a:p>
         </p:txBody>
@@ -17126,7 +17138,7 @@
         <p:spPr>
           <a:xfrm>
             <a:off x="5618659" y="2300673"/>
-            <a:ext cx="1479892" cy="200055"/>
+            <a:ext cx="1447832" cy="200055"/>
           </a:xfrm>
           <a:prstGeom prst="rect">
             <a:avLst/>
@@ -17141,7 +17153,15 @@
           <a:p>
             <a:r>
               <a:rPr lang="ko-KR" altLang="en-US" sz="700" dirty="0"/>
-              <a:t>리스트에서 제일 처음 선택된 색</a:t>
+              <a:t>리스트에서 </a:t>
+            </a:r>
+            <a:r>
+              <a:rPr lang="ko-KR" altLang="en-US" sz="700" dirty="0" smtClean="0"/>
+              <a:t>마지막에 선택된 </a:t>
+            </a:r>
+            <a:r>
+              <a:rPr lang="ko-KR" altLang="en-US" sz="700" dirty="0"/>
+              <a:t>색</a:t>
             </a:r>
           </a:p>
         </p:txBody>
@@ -21608,7 +21628,7 @@
         <p:spPr>
           <a:xfrm>
             <a:off x="5618659" y="2300673"/>
-            <a:ext cx="1479892" cy="200055"/>
+            <a:ext cx="1447832" cy="200055"/>
           </a:xfrm>
           <a:prstGeom prst="rect">
             <a:avLst/>
@@ -21622,8 +21642,16 @@
           <a:lstStyle/>
           <a:p>
             <a:r>
+              <a:rPr lang="ko-KR" altLang="en-US" sz="700"/>
+              <a:t>리스트에서 </a:t>
+            </a:r>
+            <a:r>
+              <a:rPr lang="ko-KR" altLang="en-US" sz="700" smtClean="0"/>
+              <a:t>마지막에 </a:t>
+            </a:r>
+            <a:r>
               <a:rPr lang="ko-KR" altLang="en-US" sz="700" dirty="0"/>
-              <a:t>리스트에서 제일 처음 선택된 색</a:t>
+              <a:t>선택된 색</a:t>
             </a:r>
           </a:p>
         </p:txBody>

--- a/DigitalPalette/Digital Palette.pptx
+++ b/DigitalPalette/Digital Palette.pptx
@@ -262,7 +262,7 @@
           <a:p>
             <a:fld id="{EA0C2C95-BC5F-47BC-B9B6-E407C2A98A02}" type="datetimeFigureOut">
               <a:rPr lang="ko-KR" altLang="en-US" smtClean="0"/>
-              <a:t>2021-07-20</a:t>
+              <a:t>2021-07-27</a:t>
             </a:fld>
             <a:endParaRPr lang="ko-KR" altLang="en-US"/>
           </a:p>
@@ -460,7 +460,7 @@
           <a:p>
             <a:fld id="{EA0C2C95-BC5F-47BC-B9B6-E407C2A98A02}" type="datetimeFigureOut">
               <a:rPr lang="ko-KR" altLang="en-US" smtClean="0"/>
-              <a:t>2021-07-20</a:t>
+              <a:t>2021-07-27</a:t>
             </a:fld>
             <a:endParaRPr lang="ko-KR" altLang="en-US"/>
           </a:p>
@@ -668,7 +668,7 @@
           <a:p>
             <a:fld id="{EA0C2C95-BC5F-47BC-B9B6-E407C2A98A02}" type="datetimeFigureOut">
               <a:rPr lang="ko-KR" altLang="en-US" smtClean="0"/>
-              <a:t>2021-07-20</a:t>
+              <a:t>2021-07-27</a:t>
             </a:fld>
             <a:endParaRPr lang="ko-KR" altLang="en-US"/>
           </a:p>
@@ -866,7 +866,7 @@
           <a:p>
             <a:fld id="{EA0C2C95-BC5F-47BC-B9B6-E407C2A98A02}" type="datetimeFigureOut">
               <a:rPr lang="ko-KR" altLang="en-US" smtClean="0"/>
-              <a:t>2021-07-20</a:t>
+              <a:t>2021-07-27</a:t>
             </a:fld>
             <a:endParaRPr lang="ko-KR" altLang="en-US"/>
           </a:p>
@@ -1141,7 +1141,7 @@
           <a:p>
             <a:fld id="{EA0C2C95-BC5F-47BC-B9B6-E407C2A98A02}" type="datetimeFigureOut">
               <a:rPr lang="ko-KR" altLang="en-US" smtClean="0"/>
-              <a:t>2021-07-20</a:t>
+              <a:t>2021-07-27</a:t>
             </a:fld>
             <a:endParaRPr lang="ko-KR" altLang="en-US"/>
           </a:p>
@@ -1406,7 +1406,7 @@
           <a:p>
             <a:fld id="{EA0C2C95-BC5F-47BC-B9B6-E407C2A98A02}" type="datetimeFigureOut">
               <a:rPr lang="ko-KR" altLang="en-US" smtClean="0"/>
-              <a:t>2021-07-20</a:t>
+              <a:t>2021-07-27</a:t>
             </a:fld>
             <a:endParaRPr lang="ko-KR" altLang="en-US"/>
           </a:p>
@@ -1818,7 +1818,7 @@
           <a:p>
             <a:fld id="{EA0C2C95-BC5F-47BC-B9B6-E407C2A98A02}" type="datetimeFigureOut">
               <a:rPr lang="ko-KR" altLang="en-US" smtClean="0"/>
-              <a:t>2021-07-20</a:t>
+              <a:t>2021-07-27</a:t>
             </a:fld>
             <a:endParaRPr lang="ko-KR" altLang="en-US"/>
           </a:p>
@@ -1959,7 +1959,7 @@
           <a:p>
             <a:fld id="{EA0C2C95-BC5F-47BC-B9B6-E407C2A98A02}" type="datetimeFigureOut">
               <a:rPr lang="ko-KR" altLang="en-US" smtClean="0"/>
-              <a:t>2021-07-20</a:t>
+              <a:t>2021-07-27</a:t>
             </a:fld>
             <a:endParaRPr lang="ko-KR" altLang="en-US"/>
           </a:p>
@@ -2072,7 +2072,7 @@
           <a:p>
             <a:fld id="{EA0C2C95-BC5F-47BC-B9B6-E407C2A98A02}" type="datetimeFigureOut">
               <a:rPr lang="ko-KR" altLang="en-US" smtClean="0"/>
-              <a:t>2021-07-20</a:t>
+              <a:t>2021-07-27</a:t>
             </a:fld>
             <a:endParaRPr lang="ko-KR" altLang="en-US"/>
           </a:p>
@@ -2383,7 +2383,7 @@
           <a:p>
             <a:fld id="{EA0C2C95-BC5F-47BC-B9B6-E407C2A98A02}" type="datetimeFigureOut">
               <a:rPr lang="ko-KR" altLang="en-US" smtClean="0"/>
-              <a:t>2021-07-20</a:t>
+              <a:t>2021-07-27</a:t>
             </a:fld>
             <a:endParaRPr lang="ko-KR" altLang="en-US"/>
           </a:p>
@@ -2671,7 +2671,7 @@
           <a:p>
             <a:fld id="{EA0C2C95-BC5F-47BC-B9B6-E407C2A98A02}" type="datetimeFigureOut">
               <a:rPr lang="ko-KR" altLang="en-US" smtClean="0"/>
-              <a:t>2021-07-20</a:t>
+              <a:t>2021-07-27</a:t>
             </a:fld>
             <a:endParaRPr lang="ko-KR" altLang="en-US"/>
           </a:p>
@@ -2912,7 +2912,7 @@
           <a:p>
             <a:fld id="{EA0C2C95-BC5F-47BC-B9B6-E407C2A98A02}" type="datetimeFigureOut">
               <a:rPr lang="ko-KR" altLang="en-US" smtClean="0"/>
-              <a:t>2021-07-20</a:t>
+              <a:t>2021-07-27</a:t>
             </a:fld>
             <a:endParaRPr lang="ko-KR" altLang="en-US"/>
           </a:p>
@@ -12203,11 +12203,7 @@
             </a:r>
             <a:r>
               <a:rPr lang="ko-KR" altLang="en-US" sz="700" dirty="0" smtClean="0"/>
-              <a:t>마지막에</a:t>
-            </a:r>
-            <a:r>
-              <a:rPr lang="ko-KR" altLang="en-US" sz="700" dirty="0" smtClean="0"/>
-              <a:t> </a:t>
+              <a:t>마지막에 </a:t>
             </a:r>
             <a:r>
               <a:rPr lang="ko-KR" altLang="en-US" sz="700" dirty="0"/>
